--- a/UI/UI-shift.pptx
+++ b/UI/UI-shift.pptx
@@ -6615,62 +6615,6 @@
       </p:sp>
       <p:sp>
         <p:nvSpPr>
-          <p:cNvPr id="101" name="Speech Bubble: Rectangle with Corners Rounded 100">
-            <a:extLst>
-              <a:ext uri="{FF2B5EF4-FFF2-40B4-BE49-F238E27FC236}">
-                <a16:creationId xmlns:a16="http://schemas.microsoft.com/office/drawing/2014/main" id="{5669A931-6DD8-4CCF-9F6B-0CC4C927BE2D}"/>
-              </a:ext>
-            </a:extLst>
-          </p:cNvPr>
-          <p:cNvSpPr/>
-          <p:nvPr/>
-        </p:nvSpPr>
-        <p:spPr>
-          <a:xfrm>
-            <a:off x="10157194" y="5519604"/>
-            <a:ext cx="1044215" cy="369332"/>
-          </a:xfrm>
-          <a:prstGeom prst="wedgeRoundRectCallout">
-            <a:avLst/>
-          </a:prstGeom>
-        </p:spPr>
-        <p:style>
-          <a:lnRef idx="2">
-            <a:schemeClr val="accent6"/>
-          </a:lnRef>
-          <a:fillRef idx="1">
-            <a:schemeClr val="lt1"/>
-          </a:fillRef>
-          <a:effectRef idx="0">
-            <a:schemeClr val="accent6"/>
-          </a:effectRef>
-          <a:fontRef idx="minor">
-            <a:schemeClr val="dk1"/>
-          </a:fontRef>
-        </p:style>
-        <p:txBody>
-          <a:bodyPr rtlCol="0" anchor="ctr"/>
-          <a:lstStyle/>
-          <a:p>
-            <a:pPr algn="ctr"/>
-            <a:r>
-              <a:rPr lang="en-US" dirty="0" err="1"/>
-              <a:t>Báo</a:t>
-            </a:r>
-            <a:r>
-              <a:rPr lang="en-US" dirty="0"/>
-              <a:t> </a:t>
-            </a:r>
-            <a:r>
-              <a:rPr lang="en-US" dirty="0" err="1"/>
-              <a:t>bận</a:t>
-            </a:r>
-            <a:endParaRPr lang="en-US" dirty="0"/>
-          </a:p>
-        </p:txBody>
-      </p:sp>
-      <p:sp>
-        <p:nvSpPr>
           <p:cNvPr id="4" name="Rectangle: Rounded Corners 3">
             <a:extLst>
               <a:ext uri="{FF2B5EF4-FFF2-40B4-BE49-F238E27FC236}">

--- a/UI/UI-shift.pptx
+++ b/UI/UI-shift.pptx
@@ -242,7 +242,7 @@
           <a:p>
             <a:fld id="{7637F753-A923-48F7-B6EC-23D42C978265}" type="datetimeFigureOut">
               <a:rPr lang="en-US" smtClean="0"/>
-              <a:t>02/04/2020</a:t>
+              <a:t>05/04/2020</a:t>
             </a:fld>
             <a:endParaRPr lang="en-US"/>
           </a:p>
@@ -410,7 +410,7 @@
           <a:p>
             <a:fld id="{7637F753-A923-48F7-B6EC-23D42C978265}" type="datetimeFigureOut">
               <a:rPr lang="en-US" smtClean="0"/>
-              <a:t>02/04/2020</a:t>
+              <a:t>05/04/2020</a:t>
             </a:fld>
             <a:endParaRPr lang="en-US"/>
           </a:p>
@@ -588,7 +588,7 @@
           <a:p>
             <a:fld id="{7637F753-A923-48F7-B6EC-23D42C978265}" type="datetimeFigureOut">
               <a:rPr lang="en-US" smtClean="0"/>
-              <a:t>02/04/2020</a:t>
+              <a:t>05/04/2020</a:t>
             </a:fld>
             <a:endParaRPr lang="en-US"/>
           </a:p>
@@ -756,7 +756,7 @@
           <a:p>
             <a:fld id="{7637F753-A923-48F7-B6EC-23D42C978265}" type="datetimeFigureOut">
               <a:rPr lang="en-US" smtClean="0"/>
-              <a:t>02/04/2020</a:t>
+              <a:t>05/04/2020</a:t>
             </a:fld>
             <a:endParaRPr lang="en-US"/>
           </a:p>
@@ -1001,7 +1001,7 @@
           <a:p>
             <a:fld id="{7637F753-A923-48F7-B6EC-23D42C978265}" type="datetimeFigureOut">
               <a:rPr lang="en-US" smtClean="0"/>
-              <a:t>02/04/2020</a:t>
+              <a:t>05/04/2020</a:t>
             </a:fld>
             <a:endParaRPr lang="en-US"/>
           </a:p>
@@ -1230,7 +1230,7 @@
           <a:p>
             <a:fld id="{7637F753-A923-48F7-B6EC-23D42C978265}" type="datetimeFigureOut">
               <a:rPr lang="en-US" smtClean="0"/>
-              <a:t>02/04/2020</a:t>
+              <a:t>05/04/2020</a:t>
             </a:fld>
             <a:endParaRPr lang="en-US"/>
           </a:p>
@@ -1594,7 +1594,7 @@
           <a:p>
             <a:fld id="{7637F753-A923-48F7-B6EC-23D42C978265}" type="datetimeFigureOut">
               <a:rPr lang="en-US" smtClean="0"/>
-              <a:t>02/04/2020</a:t>
+              <a:t>05/04/2020</a:t>
             </a:fld>
             <a:endParaRPr lang="en-US"/>
           </a:p>
@@ -1711,7 +1711,7 @@
           <a:p>
             <a:fld id="{7637F753-A923-48F7-B6EC-23D42C978265}" type="datetimeFigureOut">
               <a:rPr lang="en-US" smtClean="0"/>
-              <a:t>02/04/2020</a:t>
+              <a:t>05/04/2020</a:t>
             </a:fld>
             <a:endParaRPr lang="en-US"/>
           </a:p>
@@ -1806,7 +1806,7 @@
           <a:p>
             <a:fld id="{7637F753-A923-48F7-B6EC-23D42C978265}" type="datetimeFigureOut">
               <a:rPr lang="en-US" smtClean="0"/>
-              <a:t>02/04/2020</a:t>
+              <a:t>05/04/2020</a:t>
             </a:fld>
             <a:endParaRPr lang="en-US"/>
           </a:p>
@@ -2081,7 +2081,7 @@
           <a:p>
             <a:fld id="{7637F753-A923-48F7-B6EC-23D42C978265}" type="datetimeFigureOut">
               <a:rPr lang="en-US" smtClean="0"/>
-              <a:t>02/04/2020</a:t>
+              <a:t>05/04/2020</a:t>
             </a:fld>
             <a:endParaRPr lang="en-US"/>
           </a:p>
@@ -2333,7 +2333,7 @@
           <a:p>
             <a:fld id="{7637F753-A923-48F7-B6EC-23D42C978265}" type="datetimeFigureOut">
               <a:rPr lang="en-US" smtClean="0"/>
-              <a:t>02/04/2020</a:t>
+              <a:t>05/04/2020</a:t>
             </a:fld>
             <a:endParaRPr lang="en-US"/>
           </a:p>
@@ -2544,7 +2544,7 @@
           <a:p>
             <a:fld id="{7637F753-A923-48F7-B6EC-23D42C978265}" type="datetimeFigureOut">
               <a:rPr lang="en-US" smtClean="0"/>
-              <a:t>02/04/2020</a:t>
+              <a:t>05/04/2020</a:t>
             </a:fld>
             <a:endParaRPr lang="en-US"/>
           </a:p>
@@ -2951,14 +2951,20 @@
       </p:grpSpPr>
       <p:sp>
         <p:nvSpPr>
-          <p:cNvPr id="2" name="Rounded Rectangle 1"/>
+          <p:cNvPr id="201" name="Rounded Rectangle 1">
+            <a:extLst>
+              <a:ext uri="{FF2B5EF4-FFF2-40B4-BE49-F238E27FC236}">
+                <a16:creationId xmlns:a16="http://schemas.microsoft.com/office/drawing/2014/main" id="{EA9DC1BE-CA8C-4D77-8A71-E1FD11DD64F3}"/>
+              </a:ext>
+            </a:extLst>
+          </p:cNvPr>
           <p:cNvSpPr/>
           <p:nvPr/>
         </p:nvSpPr>
         <p:spPr>
           <a:xfrm>
-            <a:off x="1854588" y="154007"/>
-            <a:ext cx="3412669" cy="6549985"/>
+            <a:off x="7173391" y="101010"/>
+            <a:ext cx="3603120" cy="6310638"/>
           </a:xfrm>
           <a:prstGeom prst="roundRect">
             <a:avLst/>
@@ -2997,10 +3003,10 @@
       </p:sp>
       <p:sp>
         <p:nvSpPr>
-          <p:cNvPr id="13" name="Rectangle: Rounded Corners 12">
-            <a:extLst>
-              <a:ext uri="{FF2B5EF4-FFF2-40B4-BE49-F238E27FC236}">
-                <a16:creationId xmlns:a16="http://schemas.microsoft.com/office/drawing/2014/main" id="{C376EB7F-272A-4D7F-9225-DB86119B57B6}"/>
+          <p:cNvPr id="117" name="Rectangle 116">
+            <a:extLst>
+              <a:ext uri="{FF2B5EF4-FFF2-40B4-BE49-F238E27FC236}">
+                <a16:creationId xmlns:a16="http://schemas.microsoft.com/office/drawing/2014/main" id="{EEFEF679-3753-4998-A81E-841F469E02F5}"/>
               </a:ext>
             </a:extLst>
           </p:cNvPr>
@@ -3009,12 +3015,277 @@
         </p:nvSpPr>
         <p:spPr>
           <a:xfrm>
-            <a:off x="2043918" y="1020017"/>
-            <a:ext cx="735724" cy="4515950"/>
+            <a:off x="2385385" y="1911238"/>
+            <a:ext cx="949260" cy="414949"/>
+          </a:xfrm>
+          <a:prstGeom prst="rect">
+            <a:avLst/>
+          </a:prstGeom>
+          <a:solidFill>
+            <a:schemeClr val="bg1">
+              <a:lumMod val="50000"/>
+            </a:schemeClr>
+          </a:solidFill>
+        </p:spPr>
+        <p:style>
+          <a:lnRef idx="2">
+            <a:schemeClr val="accent1">
+              <a:shade val="50000"/>
+            </a:schemeClr>
+          </a:lnRef>
+          <a:fillRef idx="1">
+            <a:schemeClr val="accent1"/>
+          </a:fillRef>
+          <a:effectRef idx="0">
+            <a:schemeClr val="accent1"/>
+          </a:effectRef>
+          <a:fontRef idx="minor">
+            <a:schemeClr val="lt1"/>
+          </a:fontRef>
+        </p:style>
+        <p:txBody>
+          <a:bodyPr rtlCol="0" anchor="ctr"/>
+          <a:lstStyle/>
+          <a:p>
+            <a:pPr algn="ctr"/>
+            <a:endParaRPr lang="en-US"/>
+          </a:p>
+        </p:txBody>
+      </p:sp>
+      <p:sp>
+        <p:nvSpPr>
+          <p:cNvPr id="115" name="Rectangle 114">
+            <a:extLst>
+              <a:ext uri="{FF2B5EF4-FFF2-40B4-BE49-F238E27FC236}">
+                <a16:creationId xmlns:a16="http://schemas.microsoft.com/office/drawing/2014/main" id="{F6BA42C9-9C25-4BCA-AA3A-111C595B4E33}"/>
+              </a:ext>
+            </a:extLst>
+          </p:cNvPr>
+          <p:cNvSpPr/>
+          <p:nvPr/>
+        </p:nvSpPr>
+        <p:spPr>
+          <a:xfrm>
+            <a:off x="4663218" y="1911238"/>
+            <a:ext cx="849601" cy="352354"/>
+          </a:xfrm>
+          <a:prstGeom prst="rect">
+            <a:avLst/>
+          </a:prstGeom>
+        </p:spPr>
+        <p:style>
+          <a:lnRef idx="2">
+            <a:schemeClr val="accent1">
+              <a:shade val="50000"/>
+            </a:schemeClr>
+          </a:lnRef>
+          <a:fillRef idx="1">
+            <a:schemeClr val="accent1"/>
+          </a:fillRef>
+          <a:effectRef idx="0">
+            <a:schemeClr val="accent1"/>
+          </a:effectRef>
+          <a:fontRef idx="minor">
+            <a:schemeClr val="lt1"/>
+          </a:fontRef>
+        </p:style>
+        <p:txBody>
+          <a:bodyPr rtlCol="0" anchor="ctr"/>
+          <a:lstStyle/>
+          <a:p>
+            <a:pPr algn="ctr"/>
+            <a:endParaRPr lang="en-US"/>
+          </a:p>
+        </p:txBody>
+      </p:sp>
+      <p:sp>
+        <p:nvSpPr>
+          <p:cNvPr id="113" name="Rectangle 112">
+            <a:extLst>
+              <a:ext uri="{FF2B5EF4-FFF2-40B4-BE49-F238E27FC236}">
+                <a16:creationId xmlns:a16="http://schemas.microsoft.com/office/drawing/2014/main" id="{79351675-2B98-4D71-B153-D3549F3D3851}"/>
+              </a:ext>
+            </a:extLst>
+          </p:cNvPr>
+          <p:cNvSpPr/>
+          <p:nvPr/>
+        </p:nvSpPr>
+        <p:spPr>
+          <a:xfrm>
+            <a:off x="2429147" y="1929178"/>
+            <a:ext cx="849601" cy="352354"/>
+          </a:xfrm>
+          <a:prstGeom prst="rect">
+            <a:avLst/>
+          </a:prstGeom>
+          <a:solidFill>
+            <a:schemeClr val="bg2">
+              <a:lumMod val="90000"/>
+            </a:schemeClr>
+          </a:solidFill>
+        </p:spPr>
+        <p:style>
+          <a:lnRef idx="2">
+            <a:schemeClr val="accent1">
+              <a:shade val="50000"/>
+            </a:schemeClr>
+          </a:lnRef>
+          <a:fillRef idx="1">
+            <a:schemeClr val="accent1"/>
+          </a:fillRef>
+          <a:effectRef idx="0">
+            <a:schemeClr val="accent1"/>
+          </a:effectRef>
+          <a:fontRef idx="minor">
+            <a:schemeClr val="lt1"/>
+          </a:fontRef>
+        </p:style>
+        <p:txBody>
+          <a:bodyPr rtlCol="0" anchor="ctr"/>
+          <a:lstStyle/>
+          <a:p>
+            <a:pPr algn="ctr"/>
+            <a:endParaRPr lang="en-US"/>
+          </a:p>
+        </p:txBody>
+      </p:sp>
+      <p:sp>
+        <p:nvSpPr>
+          <p:cNvPr id="2" name="Rounded Rectangle 1"/>
+          <p:cNvSpPr/>
+          <p:nvPr/>
+        </p:nvSpPr>
+        <p:spPr>
+          <a:xfrm>
+            <a:off x="2157438" y="147390"/>
+            <a:ext cx="3603120" cy="6310638"/>
           </a:xfrm>
           <a:prstGeom prst="roundRect">
             <a:avLst/>
           </a:prstGeom>
+          <a:solidFill>
+            <a:schemeClr val="bg1"/>
+          </a:solidFill>
+        </p:spPr>
+        <p:style>
+          <a:lnRef idx="2">
+            <a:schemeClr val="accent1">
+              <a:shade val="50000"/>
+            </a:schemeClr>
+          </a:lnRef>
+          <a:fillRef idx="1">
+            <a:schemeClr val="accent1"/>
+          </a:fillRef>
+          <a:effectRef idx="0">
+            <a:schemeClr val="accent1"/>
+          </a:effectRef>
+          <a:fontRef idx="minor">
+            <a:schemeClr val="lt1"/>
+          </a:fontRef>
+        </p:style>
+        <p:txBody>
+          <a:bodyPr rtlCol="0" anchor="ctr"/>
+          <a:lstStyle/>
+          <a:p>
+            <a:pPr algn="ctr"/>
+            <a:r>
+              <a:rPr lang="en-US" dirty="0"/>
+              <a:t>U</a:t>
+            </a:r>
+          </a:p>
+        </p:txBody>
+      </p:sp>
+      <p:sp>
+        <p:nvSpPr>
+          <p:cNvPr id="60" name="TextBox 59">
+            <a:extLst>
+              <a:ext uri="{FF2B5EF4-FFF2-40B4-BE49-F238E27FC236}">
+                <a16:creationId xmlns:a16="http://schemas.microsoft.com/office/drawing/2014/main" id="{AD3CE79F-1217-47F1-85AD-BB6E0F884F00}"/>
+              </a:ext>
+            </a:extLst>
+          </p:cNvPr>
+          <p:cNvSpPr txBox="1"/>
+          <p:nvPr/>
+        </p:nvSpPr>
+        <p:spPr>
+          <a:xfrm>
+            <a:off x="186137" y="2498035"/>
+            <a:ext cx="1492303" cy="646331"/>
+          </a:xfrm>
+          <a:prstGeom prst="rect">
+            <a:avLst/>
+          </a:prstGeom>
+          <a:noFill/>
+        </p:spPr>
+        <p:txBody>
+          <a:bodyPr wrap="square" rtlCol="0">
+            <a:spAutoFit/>
+          </a:bodyPr>
+          <a:lstStyle/>
+          <a:p>
+            <a:r>
+              <a:rPr lang="en-US" dirty="0" err="1"/>
+              <a:t>Lịch</a:t>
+            </a:r>
+            <a:r>
+              <a:rPr lang="en-US" dirty="0"/>
+              <a:t> </a:t>
+            </a:r>
+            <a:r>
+              <a:rPr lang="en-US" dirty="0" err="1"/>
+              <a:t>làm</a:t>
+            </a:r>
+            <a:r>
+              <a:rPr lang="en-US" dirty="0"/>
+              <a:t> </a:t>
+            </a:r>
+            <a:r>
+              <a:rPr lang="en-US" dirty="0" err="1"/>
+              <a:t>việc</a:t>
+            </a:r>
+            <a:r>
+              <a:rPr lang="en-US" dirty="0"/>
+              <a:t> </a:t>
+            </a:r>
+            <a:r>
+              <a:rPr lang="en-US" dirty="0" err="1"/>
+              <a:t>tuần</a:t>
+            </a:r>
+            <a:r>
+              <a:rPr lang="en-US" dirty="0"/>
+              <a:t> </a:t>
+            </a:r>
+            <a:r>
+              <a:rPr lang="en-US" dirty="0" err="1"/>
+              <a:t>này</a:t>
+            </a:r>
+            <a:endParaRPr lang="en-US" dirty="0"/>
+          </a:p>
+        </p:txBody>
+      </p:sp>
+      <p:sp>
+        <p:nvSpPr>
+          <p:cNvPr id="51" name="Oval 50">
+            <a:extLst>
+              <a:ext uri="{FF2B5EF4-FFF2-40B4-BE49-F238E27FC236}">
+                <a16:creationId xmlns:a16="http://schemas.microsoft.com/office/drawing/2014/main" id="{37FD540F-E117-42AC-8F7E-C0D6895E2CCB}"/>
+              </a:ext>
+            </a:extLst>
+          </p:cNvPr>
+          <p:cNvSpPr/>
+          <p:nvPr/>
+        </p:nvSpPr>
+        <p:spPr>
+          <a:xfrm>
+            <a:off x="180892" y="3653906"/>
+            <a:ext cx="410817" cy="369332"/>
+          </a:xfrm>
+          <a:prstGeom prst="ellipse">
+            <a:avLst/>
+          </a:prstGeom>
+          <a:solidFill>
+            <a:schemeClr val="bg2"/>
+          </a:solidFill>
         </p:spPr>
         <p:style>
           <a:lnRef idx="2">
@@ -3035,478 +3306,16 @@
           <a:lstStyle/>
           <a:p>
             <a:pPr algn="ctr"/>
-            <a:endParaRPr lang="en-US" dirty="0"/>
-          </a:p>
-        </p:txBody>
-      </p:sp>
-      <p:cxnSp>
-        <p:nvCxnSpPr>
-          <p:cNvPr id="15" name="Straight Connector 14">
-            <a:extLst>
-              <a:ext uri="{FF2B5EF4-FFF2-40B4-BE49-F238E27FC236}">
-                <a16:creationId xmlns:a16="http://schemas.microsoft.com/office/drawing/2014/main" id="{A2157630-7D38-4928-B237-536915BC78B1}"/>
-              </a:ext>
-            </a:extLst>
-          </p:cNvPr>
-          <p:cNvCxnSpPr/>
-          <p:nvPr/>
-        </p:nvCxnSpPr>
-        <p:spPr>
-          <a:xfrm>
-            <a:off x="2060712" y="1470989"/>
-            <a:ext cx="662609" cy="0"/>
-          </a:xfrm>
-          <a:prstGeom prst="line">
-            <a:avLst/>
-          </a:prstGeom>
-        </p:spPr>
-        <p:style>
-          <a:lnRef idx="1">
-            <a:schemeClr val="accent1"/>
-          </a:lnRef>
-          <a:fillRef idx="0">
-            <a:schemeClr val="accent1"/>
-          </a:fillRef>
-          <a:effectRef idx="0">
-            <a:schemeClr val="accent1"/>
-          </a:effectRef>
-          <a:fontRef idx="minor">
-            <a:schemeClr val="tx1"/>
-          </a:fontRef>
-        </p:style>
-      </p:cxnSp>
-      <p:cxnSp>
-        <p:nvCxnSpPr>
-          <p:cNvPr id="18" name="Straight Connector 17">
-            <a:extLst>
-              <a:ext uri="{FF2B5EF4-FFF2-40B4-BE49-F238E27FC236}">
-                <a16:creationId xmlns:a16="http://schemas.microsoft.com/office/drawing/2014/main" id="{911E55A9-EE59-4FE2-BC98-7160148BBAE5}"/>
-              </a:ext>
-            </a:extLst>
-          </p:cNvPr>
-          <p:cNvCxnSpPr/>
-          <p:nvPr/>
-        </p:nvCxnSpPr>
-        <p:spPr>
-          <a:xfrm>
-            <a:off x="2043918" y="2060712"/>
-            <a:ext cx="662609" cy="0"/>
-          </a:xfrm>
-          <a:prstGeom prst="line">
-            <a:avLst/>
-          </a:prstGeom>
-        </p:spPr>
-        <p:style>
-          <a:lnRef idx="1">
-            <a:schemeClr val="accent1"/>
-          </a:lnRef>
-          <a:fillRef idx="0">
-            <a:schemeClr val="accent1"/>
-          </a:fillRef>
-          <a:effectRef idx="0">
-            <a:schemeClr val="accent1"/>
-          </a:effectRef>
-          <a:fontRef idx="minor">
-            <a:schemeClr val="tx1"/>
-          </a:fontRef>
-        </p:style>
-      </p:cxnSp>
-      <p:cxnSp>
-        <p:nvCxnSpPr>
-          <p:cNvPr id="19" name="Straight Connector 18">
-            <a:extLst>
-              <a:ext uri="{FF2B5EF4-FFF2-40B4-BE49-F238E27FC236}">
-                <a16:creationId xmlns:a16="http://schemas.microsoft.com/office/drawing/2014/main" id="{3B14E078-5C7B-4551-8059-C13377B49CEC}"/>
-              </a:ext>
-            </a:extLst>
-          </p:cNvPr>
-          <p:cNvCxnSpPr/>
-          <p:nvPr/>
-        </p:nvCxnSpPr>
-        <p:spPr>
-          <a:xfrm>
-            <a:off x="2060712" y="2696815"/>
-            <a:ext cx="662609" cy="0"/>
-          </a:xfrm>
-          <a:prstGeom prst="line">
-            <a:avLst/>
-          </a:prstGeom>
-        </p:spPr>
-        <p:style>
-          <a:lnRef idx="1">
-            <a:schemeClr val="accent1"/>
-          </a:lnRef>
-          <a:fillRef idx="0">
-            <a:schemeClr val="accent1"/>
-          </a:fillRef>
-          <a:effectRef idx="0">
-            <a:schemeClr val="accent1"/>
-          </a:effectRef>
-          <a:fontRef idx="minor">
-            <a:schemeClr val="tx1"/>
-          </a:fontRef>
-        </p:style>
-      </p:cxnSp>
-      <p:cxnSp>
-        <p:nvCxnSpPr>
-          <p:cNvPr id="20" name="Straight Connector 19">
-            <a:extLst>
-              <a:ext uri="{FF2B5EF4-FFF2-40B4-BE49-F238E27FC236}">
-                <a16:creationId xmlns:a16="http://schemas.microsoft.com/office/drawing/2014/main" id="{9A9D3BE1-1BF5-42A5-8351-2A9E01B60F2B}"/>
-              </a:ext>
-            </a:extLst>
-          </p:cNvPr>
-          <p:cNvCxnSpPr/>
-          <p:nvPr/>
-        </p:nvCxnSpPr>
-        <p:spPr>
-          <a:xfrm>
-            <a:off x="2087216" y="3304496"/>
-            <a:ext cx="662609" cy="0"/>
-          </a:xfrm>
-          <a:prstGeom prst="line">
-            <a:avLst/>
-          </a:prstGeom>
-        </p:spPr>
-        <p:style>
-          <a:lnRef idx="1">
-            <a:schemeClr val="accent1"/>
-          </a:lnRef>
-          <a:fillRef idx="0">
-            <a:schemeClr val="accent1"/>
-          </a:fillRef>
-          <a:effectRef idx="0">
-            <a:schemeClr val="accent1"/>
-          </a:effectRef>
-          <a:fontRef idx="minor">
-            <a:schemeClr val="tx1"/>
-          </a:fontRef>
-        </p:style>
-      </p:cxnSp>
-      <p:cxnSp>
-        <p:nvCxnSpPr>
-          <p:cNvPr id="21" name="Straight Connector 20">
-            <a:extLst>
-              <a:ext uri="{FF2B5EF4-FFF2-40B4-BE49-F238E27FC236}">
-                <a16:creationId xmlns:a16="http://schemas.microsoft.com/office/drawing/2014/main" id="{BA42CE53-F7CD-4E98-99B9-C125C4D5F2C2}"/>
-              </a:ext>
-            </a:extLst>
-          </p:cNvPr>
-          <p:cNvCxnSpPr/>
-          <p:nvPr/>
-        </p:nvCxnSpPr>
-        <p:spPr>
-          <a:xfrm>
-            <a:off x="2060712" y="3968160"/>
-            <a:ext cx="662609" cy="0"/>
-          </a:xfrm>
-          <a:prstGeom prst="line">
-            <a:avLst/>
-          </a:prstGeom>
-        </p:spPr>
-        <p:style>
-          <a:lnRef idx="1">
-            <a:schemeClr val="accent1"/>
-          </a:lnRef>
-          <a:fillRef idx="0">
-            <a:schemeClr val="accent1"/>
-          </a:fillRef>
-          <a:effectRef idx="0">
-            <a:schemeClr val="accent1"/>
-          </a:effectRef>
-          <a:fontRef idx="minor">
-            <a:schemeClr val="tx1"/>
-          </a:fontRef>
-        </p:style>
-      </p:cxnSp>
-      <p:cxnSp>
-        <p:nvCxnSpPr>
-          <p:cNvPr id="22" name="Straight Connector 21">
-            <a:extLst>
-              <a:ext uri="{FF2B5EF4-FFF2-40B4-BE49-F238E27FC236}">
-                <a16:creationId xmlns:a16="http://schemas.microsoft.com/office/drawing/2014/main" id="{3DB13014-05EC-49D9-93EB-7EB0655668EF}"/>
-              </a:ext>
-            </a:extLst>
-          </p:cNvPr>
-          <p:cNvCxnSpPr/>
-          <p:nvPr/>
-        </p:nvCxnSpPr>
-        <p:spPr>
-          <a:xfrm>
-            <a:off x="2080475" y="4694806"/>
-            <a:ext cx="662609" cy="0"/>
-          </a:xfrm>
-          <a:prstGeom prst="line">
-            <a:avLst/>
-          </a:prstGeom>
-        </p:spPr>
-        <p:style>
-          <a:lnRef idx="1">
-            <a:schemeClr val="accent1"/>
-          </a:lnRef>
-          <a:fillRef idx="0">
-            <a:schemeClr val="accent1"/>
-          </a:fillRef>
-          <a:effectRef idx="0">
-            <a:schemeClr val="accent1"/>
-          </a:effectRef>
-          <a:fontRef idx="minor">
-            <a:schemeClr val="tx1"/>
-          </a:fontRef>
-        </p:style>
-      </p:cxnSp>
-      <p:sp>
-        <p:nvSpPr>
-          <p:cNvPr id="16" name="TextBox 15">
-            <a:extLst>
-              <a:ext uri="{FF2B5EF4-FFF2-40B4-BE49-F238E27FC236}">
-                <a16:creationId xmlns:a16="http://schemas.microsoft.com/office/drawing/2014/main" id="{2BF82ED6-7F6E-4DDA-BC55-C777B859FEE1}"/>
-              </a:ext>
-            </a:extLst>
-          </p:cNvPr>
-          <p:cNvSpPr txBox="1"/>
-          <p:nvPr/>
-        </p:nvSpPr>
-        <p:spPr>
-          <a:xfrm>
-            <a:off x="2240580" y="4948550"/>
-            <a:ext cx="404278" cy="369332"/>
-          </a:xfrm>
-          <a:prstGeom prst="rect">
-            <a:avLst/>
-          </a:prstGeom>
-          <a:noFill/>
-        </p:spPr>
-        <p:txBody>
-          <a:bodyPr wrap="none" rtlCol="0">
-            <a:spAutoFit/>
-          </a:bodyPr>
-          <a:lstStyle/>
-          <a:p>
-            <a:r>
-              <a:rPr lang="en-US" dirty="0" err="1"/>
-              <a:t>cn</a:t>
-            </a:r>
-            <a:endParaRPr lang="en-US" dirty="0"/>
-          </a:p>
-        </p:txBody>
-      </p:sp>
-      <p:sp>
-        <p:nvSpPr>
-          <p:cNvPr id="23" name="TextBox 22">
-            <a:extLst>
-              <a:ext uri="{FF2B5EF4-FFF2-40B4-BE49-F238E27FC236}">
-                <a16:creationId xmlns:a16="http://schemas.microsoft.com/office/drawing/2014/main" id="{5DE346B2-E799-442A-9684-B404D0288DD3}"/>
-              </a:ext>
-            </a:extLst>
-          </p:cNvPr>
-          <p:cNvSpPr txBox="1"/>
-          <p:nvPr/>
-        </p:nvSpPr>
-        <p:spPr>
-          <a:xfrm>
-            <a:off x="2246239" y="4242613"/>
-            <a:ext cx="301686" cy="369332"/>
-          </a:xfrm>
-          <a:prstGeom prst="rect">
-            <a:avLst/>
-          </a:prstGeom>
-          <a:noFill/>
-        </p:spPr>
-        <p:txBody>
-          <a:bodyPr wrap="none" rtlCol="0">
-            <a:spAutoFit/>
-          </a:bodyPr>
-          <a:lstStyle/>
-          <a:p>
-            <a:r>
-              <a:rPr lang="en-US" dirty="0"/>
-              <a:t>7</a:t>
-            </a:r>
-          </a:p>
-        </p:txBody>
-      </p:sp>
-      <p:sp>
-        <p:nvSpPr>
-          <p:cNvPr id="24" name="TextBox 23">
-            <a:extLst>
-              <a:ext uri="{FF2B5EF4-FFF2-40B4-BE49-F238E27FC236}">
-                <a16:creationId xmlns:a16="http://schemas.microsoft.com/office/drawing/2014/main" id="{CB2C366A-F2D5-49AB-BC17-7AB6356F2616}"/>
-              </a:ext>
-            </a:extLst>
-          </p:cNvPr>
-          <p:cNvSpPr txBox="1"/>
-          <p:nvPr/>
-        </p:nvSpPr>
-        <p:spPr>
-          <a:xfrm>
-            <a:off x="2238637" y="3445653"/>
-            <a:ext cx="301686" cy="369332"/>
-          </a:xfrm>
-          <a:prstGeom prst="rect">
-            <a:avLst/>
-          </a:prstGeom>
-          <a:noFill/>
-        </p:spPr>
-        <p:txBody>
-          <a:bodyPr wrap="none" rtlCol="0">
-            <a:spAutoFit/>
-          </a:bodyPr>
-          <a:lstStyle/>
-          <a:p>
-            <a:r>
-              <a:rPr lang="en-US" dirty="0"/>
-              <a:t>6</a:t>
-            </a:r>
-          </a:p>
-        </p:txBody>
-      </p:sp>
-      <p:sp>
-        <p:nvSpPr>
-          <p:cNvPr id="25" name="TextBox 24">
-            <a:extLst>
-              <a:ext uri="{FF2B5EF4-FFF2-40B4-BE49-F238E27FC236}">
-                <a16:creationId xmlns:a16="http://schemas.microsoft.com/office/drawing/2014/main" id="{64F66973-52F4-4135-9A3A-AFBE6829DFE2}"/>
-              </a:ext>
-            </a:extLst>
-          </p:cNvPr>
-          <p:cNvSpPr txBox="1"/>
-          <p:nvPr/>
-        </p:nvSpPr>
-        <p:spPr>
-          <a:xfrm>
-            <a:off x="2246239" y="2872879"/>
-            <a:ext cx="301686" cy="369332"/>
-          </a:xfrm>
-          <a:prstGeom prst="rect">
-            <a:avLst/>
-          </a:prstGeom>
-          <a:noFill/>
-        </p:spPr>
-        <p:txBody>
-          <a:bodyPr wrap="none" rtlCol="0">
-            <a:spAutoFit/>
-          </a:bodyPr>
-          <a:lstStyle/>
-          <a:p>
-            <a:r>
-              <a:rPr lang="en-US" dirty="0"/>
-              <a:t>5</a:t>
-            </a:r>
-          </a:p>
-        </p:txBody>
-      </p:sp>
-      <p:sp>
-        <p:nvSpPr>
-          <p:cNvPr id="26" name="TextBox 25">
-            <a:extLst>
-              <a:ext uri="{FF2B5EF4-FFF2-40B4-BE49-F238E27FC236}">
-                <a16:creationId xmlns:a16="http://schemas.microsoft.com/office/drawing/2014/main" id="{51FF78A1-C1BB-4716-8D62-3F1559740A94}"/>
-              </a:ext>
-            </a:extLst>
-          </p:cNvPr>
-          <p:cNvSpPr txBox="1"/>
-          <p:nvPr/>
-        </p:nvSpPr>
-        <p:spPr>
-          <a:xfrm>
-            <a:off x="2241173" y="2226300"/>
-            <a:ext cx="301686" cy="369332"/>
-          </a:xfrm>
-          <a:prstGeom prst="rect">
-            <a:avLst/>
-          </a:prstGeom>
-          <a:noFill/>
-        </p:spPr>
-        <p:txBody>
-          <a:bodyPr wrap="none" rtlCol="0">
-            <a:spAutoFit/>
-          </a:bodyPr>
-          <a:lstStyle/>
-          <a:p>
-            <a:r>
-              <a:rPr lang="en-US" dirty="0"/>
-              <a:t>4</a:t>
-            </a:r>
-          </a:p>
-        </p:txBody>
-      </p:sp>
-      <p:sp>
-        <p:nvSpPr>
-          <p:cNvPr id="27" name="TextBox 26">
-            <a:extLst>
-              <a:ext uri="{FF2B5EF4-FFF2-40B4-BE49-F238E27FC236}">
-                <a16:creationId xmlns:a16="http://schemas.microsoft.com/office/drawing/2014/main" id="{EBC5349D-7157-4659-BE28-04180797ED2E}"/>
-              </a:ext>
-            </a:extLst>
-          </p:cNvPr>
-          <p:cNvSpPr txBox="1"/>
-          <p:nvPr/>
-        </p:nvSpPr>
-        <p:spPr>
-          <a:xfrm>
-            <a:off x="2238637" y="1572109"/>
-            <a:ext cx="301686" cy="369332"/>
-          </a:xfrm>
-          <a:prstGeom prst="rect">
-            <a:avLst/>
-          </a:prstGeom>
-          <a:noFill/>
-        </p:spPr>
-        <p:txBody>
-          <a:bodyPr wrap="none" rtlCol="0">
-            <a:spAutoFit/>
-          </a:bodyPr>
-          <a:lstStyle/>
-          <a:p>
-            <a:r>
-              <a:rPr lang="en-US" dirty="0"/>
-              <a:t>3</a:t>
-            </a:r>
-          </a:p>
-        </p:txBody>
-      </p:sp>
-      <p:sp>
-        <p:nvSpPr>
-          <p:cNvPr id="28" name="TextBox 27">
-            <a:extLst>
-              <a:ext uri="{FF2B5EF4-FFF2-40B4-BE49-F238E27FC236}">
-                <a16:creationId xmlns:a16="http://schemas.microsoft.com/office/drawing/2014/main" id="{5AAF646B-007C-4BFC-AF2E-DA0646F824BB}"/>
-              </a:ext>
-            </a:extLst>
-          </p:cNvPr>
-          <p:cNvSpPr txBox="1"/>
-          <p:nvPr/>
-        </p:nvSpPr>
-        <p:spPr>
-          <a:xfrm>
-            <a:off x="2246239" y="1008172"/>
-            <a:ext cx="301686" cy="369332"/>
-          </a:xfrm>
-          <a:prstGeom prst="rect">
-            <a:avLst/>
-          </a:prstGeom>
-          <a:noFill/>
-        </p:spPr>
-        <p:txBody>
-          <a:bodyPr wrap="none" rtlCol="0">
-            <a:spAutoFit/>
-          </a:bodyPr>
-          <a:lstStyle/>
-          <a:p>
-            <a:r>
-              <a:rPr lang="en-US" dirty="0"/>
-              <a:t>2</a:t>
-            </a:r>
-          </a:p>
-        </p:txBody>
-      </p:sp>
-      <p:sp>
-        <p:nvSpPr>
-          <p:cNvPr id="30" name="Oval 29">
-            <a:extLst>
-              <a:ext uri="{FF2B5EF4-FFF2-40B4-BE49-F238E27FC236}">
-                <a16:creationId xmlns:a16="http://schemas.microsoft.com/office/drawing/2014/main" id="{C40236D4-F3B3-421F-BEF4-1EF008F457A0}"/>
+            <a:endParaRPr lang="en-US"/>
+          </a:p>
+        </p:txBody>
+      </p:sp>
+      <p:sp>
+        <p:nvSpPr>
+          <p:cNvPr id="53" name="Oval 52">
+            <a:extLst>
+              <a:ext uri="{FF2B5EF4-FFF2-40B4-BE49-F238E27FC236}">
+                <a16:creationId xmlns:a16="http://schemas.microsoft.com/office/drawing/2014/main" id="{F8ECBF9B-C3F0-4262-9F56-5812E8A9ABA1}"/>
               </a:ext>
             </a:extLst>
           </p:cNvPr>
@@ -3515,14 +3324,14 @@
         </p:nvSpPr>
         <p:spPr>
           <a:xfrm>
-            <a:off x="3001619" y="927796"/>
+            <a:off x="218017" y="4477874"/>
             <a:ext cx="410817" cy="369332"/>
           </a:xfrm>
           <a:prstGeom prst="ellipse">
             <a:avLst/>
           </a:prstGeom>
           <a:solidFill>
-            <a:schemeClr val="bg2"/>
+            <a:schemeClr val="accent1"/>
           </a:solidFill>
         </p:spPr>
         <p:style>
@@ -3550,10 +3359,210 @@
       </p:sp>
       <p:sp>
         <p:nvSpPr>
-          <p:cNvPr id="31" name="Oval 30">
-            <a:extLst>
-              <a:ext uri="{FF2B5EF4-FFF2-40B4-BE49-F238E27FC236}">
-                <a16:creationId xmlns:a16="http://schemas.microsoft.com/office/drawing/2014/main" id="{3FE32A95-0897-47F7-84DB-C1450188ED5B}"/>
+          <p:cNvPr id="3" name="TextBox 2">
+            <a:extLst>
+              <a:ext uri="{FF2B5EF4-FFF2-40B4-BE49-F238E27FC236}">
+                <a16:creationId xmlns:a16="http://schemas.microsoft.com/office/drawing/2014/main" id="{758C983E-CC5F-4353-9708-51EF49024FDE}"/>
+              </a:ext>
+            </a:extLst>
+          </p:cNvPr>
+          <p:cNvSpPr txBox="1"/>
+          <p:nvPr/>
+        </p:nvSpPr>
+        <p:spPr>
+          <a:xfrm>
+            <a:off x="585613" y="3630319"/>
+            <a:ext cx="1235595" cy="369332"/>
+          </a:xfrm>
+          <a:prstGeom prst="rect">
+            <a:avLst/>
+          </a:prstGeom>
+          <a:noFill/>
+        </p:spPr>
+        <p:txBody>
+          <a:bodyPr wrap="none" rtlCol="0">
+            <a:spAutoFit/>
+          </a:bodyPr>
+          <a:lstStyle/>
+          <a:p>
+            <a:r>
+              <a:rPr lang="en-US" dirty="0"/>
+              <a:t>K </a:t>
+            </a:r>
+            <a:r>
+              <a:rPr lang="en-US" dirty="0" err="1"/>
+              <a:t>có</a:t>
+            </a:r>
+            <a:r>
+              <a:rPr lang="en-US" dirty="0"/>
+              <a:t> ca </a:t>
+            </a:r>
+            <a:r>
+              <a:rPr lang="en-US" dirty="0" err="1"/>
+              <a:t>làm</a:t>
+            </a:r>
+            <a:endParaRPr lang="en-US" dirty="0"/>
+          </a:p>
+        </p:txBody>
+      </p:sp>
+      <p:sp>
+        <p:nvSpPr>
+          <p:cNvPr id="54" name="TextBox 53">
+            <a:extLst>
+              <a:ext uri="{FF2B5EF4-FFF2-40B4-BE49-F238E27FC236}">
+                <a16:creationId xmlns:a16="http://schemas.microsoft.com/office/drawing/2014/main" id="{047E105A-B8FD-4618-A525-47E141813A7F}"/>
+              </a:ext>
+            </a:extLst>
+          </p:cNvPr>
+          <p:cNvSpPr txBox="1"/>
+          <p:nvPr/>
+        </p:nvSpPr>
+        <p:spPr>
+          <a:xfrm>
+            <a:off x="641405" y="4449075"/>
+            <a:ext cx="1090042" cy="369332"/>
+          </a:xfrm>
+          <a:prstGeom prst="rect">
+            <a:avLst/>
+          </a:prstGeom>
+          <a:noFill/>
+        </p:spPr>
+        <p:txBody>
+          <a:bodyPr wrap="none" rtlCol="0">
+            <a:spAutoFit/>
+          </a:bodyPr>
+          <a:lstStyle/>
+          <a:p>
+            <a:r>
+              <a:rPr lang="en-US" dirty="0" err="1"/>
+              <a:t>Có</a:t>
+            </a:r>
+            <a:r>
+              <a:rPr lang="en-US" dirty="0"/>
+              <a:t> ca </a:t>
+            </a:r>
+            <a:r>
+              <a:rPr lang="en-US" dirty="0" err="1"/>
+              <a:t>làm</a:t>
+            </a:r>
+            <a:endParaRPr lang="en-US" dirty="0"/>
+          </a:p>
+        </p:txBody>
+      </p:sp>
+      <p:cxnSp>
+        <p:nvCxnSpPr>
+          <p:cNvPr id="11" name="Straight Connector 10">
+            <a:extLst>
+              <a:ext uri="{FF2B5EF4-FFF2-40B4-BE49-F238E27FC236}">
+                <a16:creationId xmlns:a16="http://schemas.microsoft.com/office/drawing/2014/main" id="{3EABE12D-32F6-498F-A8D0-16425D981420}"/>
+              </a:ext>
+            </a:extLst>
+          </p:cNvPr>
+          <p:cNvCxnSpPr/>
+          <p:nvPr/>
+        </p:nvCxnSpPr>
+        <p:spPr>
+          <a:xfrm>
+            <a:off x="2185141" y="592933"/>
+            <a:ext cx="3575417" cy="0"/>
+          </a:xfrm>
+          <a:prstGeom prst="line">
+            <a:avLst/>
+          </a:prstGeom>
+        </p:spPr>
+        <p:style>
+          <a:lnRef idx="1">
+            <a:schemeClr val="accent1"/>
+          </a:lnRef>
+          <a:fillRef idx="0">
+            <a:schemeClr val="accent1"/>
+          </a:fillRef>
+          <a:effectRef idx="0">
+            <a:schemeClr val="accent1"/>
+          </a:effectRef>
+          <a:fontRef idx="minor">
+            <a:schemeClr val="tx1"/>
+          </a:fontRef>
+        </p:style>
+      </p:cxnSp>
+      <p:cxnSp>
+        <p:nvCxnSpPr>
+          <p:cNvPr id="14" name="Straight Connector 13">
+            <a:extLst>
+              <a:ext uri="{FF2B5EF4-FFF2-40B4-BE49-F238E27FC236}">
+                <a16:creationId xmlns:a16="http://schemas.microsoft.com/office/drawing/2014/main" id="{ABF281CA-10C2-4011-A409-AEFF06977850}"/>
+              </a:ext>
+            </a:extLst>
+          </p:cNvPr>
+          <p:cNvCxnSpPr/>
+          <p:nvPr/>
+        </p:nvCxnSpPr>
+        <p:spPr>
+          <a:xfrm>
+            <a:off x="2157438" y="5912662"/>
+            <a:ext cx="3603120" cy="0"/>
+          </a:xfrm>
+          <a:prstGeom prst="line">
+            <a:avLst/>
+          </a:prstGeom>
+        </p:spPr>
+        <p:style>
+          <a:lnRef idx="1">
+            <a:schemeClr val="dk1"/>
+          </a:lnRef>
+          <a:fillRef idx="0">
+            <a:schemeClr val="dk1"/>
+          </a:fillRef>
+          <a:effectRef idx="0">
+            <a:schemeClr val="dk1"/>
+          </a:effectRef>
+          <a:fontRef idx="minor">
+            <a:schemeClr val="tx1"/>
+          </a:fontRef>
+        </p:style>
+      </p:cxnSp>
+      <p:pic>
+        <p:nvPicPr>
+          <p:cNvPr id="104" name="Picture 103">
+            <a:extLst>
+              <a:ext uri="{FF2B5EF4-FFF2-40B4-BE49-F238E27FC236}">
+                <a16:creationId xmlns:a16="http://schemas.microsoft.com/office/drawing/2014/main" id="{7D60AF5F-A7E3-4EBF-89B6-E759F05DEE86}"/>
+              </a:ext>
+            </a:extLst>
+          </p:cNvPr>
+          <p:cNvPicPr>
+            <a:picLocks noChangeAspect="1"/>
+          </p:cNvPicPr>
+          <p:nvPr/>
+        </p:nvPicPr>
+        <p:blipFill>
+          <a:blip r:embed="rId2" cstate="print">
+            <a:extLst>
+              <a:ext uri="{28A0092B-C50C-407E-A947-70E740481C1C}">
+                <a14:useLocalDpi xmlns:a14="http://schemas.microsoft.com/office/drawing/2010/main" val="0"/>
+              </a:ext>
+            </a:extLst>
+          </a:blip>
+          <a:stretch>
+            <a:fillRect/>
+          </a:stretch>
+        </p:blipFill>
+        <p:spPr>
+          <a:xfrm>
+            <a:off x="3635393" y="5228434"/>
+            <a:ext cx="674912" cy="674912"/>
+          </a:xfrm>
+          <a:prstGeom prst="rect">
+            <a:avLst/>
+          </a:prstGeom>
+        </p:spPr>
+      </p:pic>
+      <p:sp>
+        <p:nvSpPr>
+          <p:cNvPr id="17" name="Rectangle 16">
+            <a:extLst>
+              <a:ext uri="{FF2B5EF4-FFF2-40B4-BE49-F238E27FC236}">
+                <a16:creationId xmlns:a16="http://schemas.microsoft.com/office/drawing/2014/main" id="{678CF90D-15D2-4556-96FE-183CD0C5A2DC}"/>
               </a:ext>
             </a:extLst>
           </p:cNvPr>
@@ -3562,15 +3571,12 @@
         </p:nvSpPr>
         <p:spPr>
           <a:xfrm>
-            <a:off x="3650976" y="927796"/>
-            <a:ext cx="410817" cy="369332"/>
-          </a:xfrm>
-          <a:prstGeom prst="ellipse">
-            <a:avLst/>
-          </a:prstGeom>
-          <a:solidFill>
-            <a:schemeClr val="bg2"/>
-          </a:solidFill>
+            <a:off x="2305390" y="1389904"/>
+            <a:ext cx="849601" cy="352356"/>
+          </a:xfrm>
+          <a:prstGeom prst="rect">
+            <a:avLst/>
+          </a:prstGeom>
         </p:spPr>
         <p:style>
           <a:lnRef idx="2">
@@ -3591,62 +3597,217 @@
           <a:lstStyle/>
           <a:p>
             <a:pPr algn="ctr"/>
-            <a:endParaRPr lang="en-US"/>
-          </a:p>
-        </p:txBody>
-      </p:sp>
-      <p:sp>
-        <p:nvSpPr>
-          <p:cNvPr id="32" name="Oval 31">
-            <a:extLst>
-              <a:ext uri="{FF2B5EF4-FFF2-40B4-BE49-F238E27FC236}">
-                <a16:creationId xmlns:a16="http://schemas.microsoft.com/office/drawing/2014/main" id="{1E2E0DA9-0C46-42D8-87A8-921A4909E407}"/>
-              </a:ext>
-            </a:extLst>
-          </p:cNvPr>
-          <p:cNvSpPr/>
-          <p:nvPr/>
-        </p:nvSpPr>
-        <p:spPr>
-          <a:xfrm>
-            <a:off x="4300333" y="936006"/>
-            <a:ext cx="410817" cy="369332"/>
-          </a:xfrm>
-          <a:prstGeom prst="ellipse">
+            <a:r>
+              <a:rPr lang="en-US" dirty="0" err="1"/>
+              <a:t>Thứ</a:t>
+            </a:r>
+            <a:r>
+              <a:rPr lang="en-US" dirty="0"/>
+              <a:t> 2</a:t>
+            </a:r>
+          </a:p>
+        </p:txBody>
+      </p:sp>
+      <p:cxnSp>
+        <p:nvCxnSpPr>
+          <p:cNvPr id="107" name="Straight Connector 106">
+            <a:extLst>
+              <a:ext uri="{FF2B5EF4-FFF2-40B4-BE49-F238E27FC236}">
+                <a16:creationId xmlns:a16="http://schemas.microsoft.com/office/drawing/2014/main" id="{450AF4E9-5302-4ACE-A323-2B319CBC6302}"/>
+              </a:ext>
+            </a:extLst>
+          </p:cNvPr>
+          <p:cNvCxnSpPr/>
+          <p:nvPr/>
+        </p:nvCxnSpPr>
+        <p:spPr>
+          <a:xfrm>
+            <a:off x="2185141" y="1119952"/>
+            <a:ext cx="3575417" cy="8210"/>
+          </a:xfrm>
+          <a:prstGeom prst="line">
             <a:avLst/>
           </a:prstGeom>
         </p:spPr>
         <p:style>
-          <a:lnRef idx="2">
-            <a:schemeClr val="accent1">
-              <a:shade val="50000"/>
-            </a:schemeClr>
+          <a:lnRef idx="1">
+            <a:schemeClr val="accent1"/>
           </a:lnRef>
-          <a:fillRef idx="1">
+          <a:fillRef idx="0">
             <a:schemeClr val="accent1"/>
           </a:fillRef>
           <a:effectRef idx="0">
             <a:schemeClr val="accent1"/>
           </a:effectRef>
           <a:fontRef idx="minor">
-            <a:schemeClr val="lt1"/>
+            <a:schemeClr val="tx1"/>
           </a:fontRef>
         </p:style>
-        <p:txBody>
-          <a:bodyPr rtlCol="0" anchor="ctr"/>
-          <a:lstStyle/>
-          <a:p>
-            <a:pPr algn="ctr"/>
-            <a:endParaRPr lang="en-US"/>
-          </a:p>
-        </p:txBody>
-      </p:sp>
-      <p:sp>
-        <p:nvSpPr>
-          <p:cNvPr id="33" name="Oval 32">
-            <a:extLst>
-              <a:ext uri="{FF2B5EF4-FFF2-40B4-BE49-F238E27FC236}">
-                <a16:creationId xmlns:a16="http://schemas.microsoft.com/office/drawing/2014/main" id="{757C02C6-D77C-45F4-BB6C-DAC8559B64F0}"/>
+      </p:cxnSp>
+      <p:sp>
+        <p:nvSpPr>
+          <p:cNvPr id="108" name="TextBox 107">
+            <a:extLst>
+              <a:ext uri="{FF2B5EF4-FFF2-40B4-BE49-F238E27FC236}">
+                <a16:creationId xmlns:a16="http://schemas.microsoft.com/office/drawing/2014/main" id="{03829F3D-5C8A-4F3D-BB92-101960A57322}"/>
+              </a:ext>
+            </a:extLst>
+          </p:cNvPr>
+          <p:cNvSpPr txBox="1"/>
+          <p:nvPr/>
+        </p:nvSpPr>
+        <p:spPr>
+          <a:xfrm>
+            <a:off x="2848727" y="664834"/>
+            <a:ext cx="2248244" cy="369332"/>
+          </a:xfrm>
+          <a:prstGeom prst="rect">
+            <a:avLst/>
+          </a:prstGeom>
+          <a:noFill/>
+        </p:spPr>
+        <p:txBody>
+          <a:bodyPr wrap="none" rtlCol="0">
+            <a:spAutoFit/>
+          </a:bodyPr>
+          <a:lstStyle/>
+          <a:p>
+            <a:r>
+              <a:rPr lang="en-US" dirty="0" err="1"/>
+              <a:t>Lịch</a:t>
+            </a:r>
+            <a:r>
+              <a:rPr lang="en-US" dirty="0"/>
+              <a:t> </a:t>
+            </a:r>
+            <a:r>
+              <a:rPr lang="en-US" dirty="0" err="1"/>
+              <a:t>làm</a:t>
+            </a:r>
+            <a:r>
+              <a:rPr lang="en-US" dirty="0"/>
+              <a:t> </a:t>
+            </a:r>
+            <a:r>
+              <a:rPr lang="en-US" dirty="0" err="1"/>
+              <a:t>việc</a:t>
+            </a:r>
+            <a:r>
+              <a:rPr lang="en-US" dirty="0"/>
+              <a:t> </a:t>
+            </a:r>
+            <a:r>
+              <a:rPr lang="en-US" dirty="0" err="1"/>
+              <a:t>tuần</a:t>
+            </a:r>
+            <a:r>
+              <a:rPr lang="en-US" dirty="0"/>
+              <a:t> </a:t>
+            </a:r>
+            <a:r>
+              <a:rPr lang="en-US" dirty="0" err="1"/>
+              <a:t>này</a:t>
+            </a:r>
+            <a:endParaRPr lang="en-US" dirty="0"/>
+          </a:p>
+        </p:txBody>
+      </p:sp>
+      <p:cxnSp>
+        <p:nvCxnSpPr>
+          <p:cNvPr id="110" name="Straight Connector 109">
+            <a:extLst>
+              <a:ext uri="{FF2B5EF4-FFF2-40B4-BE49-F238E27FC236}">
+                <a16:creationId xmlns:a16="http://schemas.microsoft.com/office/drawing/2014/main" id="{054D654D-7584-4496-A6C8-ED5E24698B31}"/>
+              </a:ext>
+            </a:extLst>
+          </p:cNvPr>
+          <p:cNvCxnSpPr>
+            <a:cxnSpLocks/>
+          </p:cNvCxnSpPr>
+          <p:nvPr/>
+        </p:nvCxnSpPr>
+        <p:spPr>
+          <a:xfrm>
+            <a:off x="3248933" y="1742260"/>
+            <a:ext cx="2265166" cy="0"/>
+          </a:xfrm>
+          <a:prstGeom prst="line">
+            <a:avLst/>
+          </a:prstGeom>
+        </p:spPr>
+        <p:style>
+          <a:lnRef idx="1">
+            <a:schemeClr val="accent1"/>
+          </a:lnRef>
+          <a:fillRef idx="0">
+            <a:schemeClr val="accent1"/>
+          </a:fillRef>
+          <a:effectRef idx="0">
+            <a:schemeClr val="accent1"/>
+          </a:effectRef>
+          <a:fontRef idx="minor">
+            <a:schemeClr val="tx1"/>
+          </a:fontRef>
+        </p:style>
+      </p:cxnSp>
+      <p:sp>
+        <p:nvSpPr>
+          <p:cNvPr id="112" name="TextBox 111">
+            <a:extLst>
+              <a:ext uri="{FF2B5EF4-FFF2-40B4-BE49-F238E27FC236}">
+                <a16:creationId xmlns:a16="http://schemas.microsoft.com/office/drawing/2014/main" id="{791BCA2B-1070-4C9C-A7ED-700F339A2E5E}"/>
+              </a:ext>
+            </a:extLst>
+          </p:cNvPr>
+          <p:cNvSpPr txBox="1"/>
+          <p:nvPr/>
+        </p:nvSpPr>
+        <p:spPr>
+          <a:xfrm>
+            <a:off x="3415865" y="1329857"/>
+            <a:ext cx="1899494" cy="369332"/>
+          </a:xfrm>
+          <a:prstGeom prst="rect">
+            <a:avLst/>
+          </a:prstGeom>
+          <a:noFill/>
+        </p:spPr>
+        <p:txBody>
+          <a:bodyPr wrap="none" rtlCol="0">
+            <a:spAutoFit/>
+          </a:bodyPr>
+          <a:lstStyle/>
+          <a:p>
+            <a:r>
+              <a:rPr lang="en-US" dirty="0" err="1"/>
+              <a:t>Ngày</a:t>
+            </a:r>
+            <a:r>
+              <a:rPr lang="en-US" dirty="0"/>
+              <a:t>/ </a:t>
+            </a:r>
+            <a:r>
+              <a:rPr lang="en-US" dirty="0" err="1"/>
+              <a:t>tháng</a:t>
+            </a:r>
+            <a:r>
+              <a:rPr lang="en-US" dirty="0"/>
+              <a:t>/ </a:t>
+            </a:r>
+            <a:r>
+              <a:rPr lang="en-US" dirty="0" err="1"/>
+              <a:t>năm</a:t>
+            </a:r>
+            <a:endParaRPr lang="en-US" dirty="0"/>
+          </a:p>
+        </p:txBody>
+      </p:sp>
+      <p:sp>
+        <p:nvSpPr>
+          <p:cNvPr id="120" name="Rectangle 119">
+            <a:extLst>
+              <a:ext uri="{FF2B5EF4-FFF2-40B4-BE49-F238E27FC236}">
+                <a16:creationId xmlns:a16="http://schemas.microsoft.com/office/drawing/2014/main" id="{8AB2CDF2-D3D9-4F35-B12E-9778CD2B2695}"/>
               </a:ext>
             </a:extLst>
           </p:cNvPr>
@@ -3655,10 +3816,10 @@
         </p:nvSpPr>
         <p:spPr>
           <a:xfrm>
-            <a:off x="2981740" y="1572109"/>
-            <a:ext cx="410817" cy="369332"/>
-          </a:xfrm>
-          <a:prstGeom prst="ellipse">
+            <a:off x="2289086" y="692093"/>
+            <a:ext cx="397565" cy="369332"/>
+          </a:xfrm>
+          <a:prstGeom prst="rect">
             <a:avLst/>
           </a:prstGeom>
         </p:spPr>
@@ -3681,16 +3842,206 @@
           <a:lstStyle/>
           <a:p>
             <a:pPr algn="ctr"/>
-            <a:endParaRPr lang="en-US" dirty="0"/>
-          </a:p>
-        </p:txBody>
-      </p:sp>
-      <p:sp>
-        <p:nvSpPr>
-          <p:cNvPr id="34" name="Oval 33">
-            <a:extLst>
-              <a:ext uri="{FF2B5EF4-FFF2-40B4-BE49-F238E27FC236}">
-                <a16:creationId xmlns:a16="http://schemas.microsoft.com/office/drawing/2014/main" id="{3305980E-F4E8-42C5-8F2E-7B5148B63562}"/>
+            <a:endParaRPr lang="en-US"/>
+          </a:p>
+        </p:txBody>
+      </p:sp>
+      <p:cxnSp>
+        <p:nvCxnSpPr>
+          <p:cNvPr id="122" name="Straight Connector 121">
+            <a:extLst>
+              <a:ext uri="{FF2B5EF4-FFF2-40B4-BE49-F238E27FC236}">
+                <a16:creationId xmlns:a16="http://schemas.microsoft.com/office/drawing/2014/main" id="{E74825D7-E561-46A3-BE0A-62C02803D756}"/>
+              </a:ext>
+            </a:extLst>
+          </p:cNvPr>
+          <p:cNvCxnSpPr>
+            <a:cxnSpLocks/>
+          </p:cNvCxnSpPr>
+          <p:nvPr/>
+        </p:nvCxnSpPr>
+        <p:spPr>
+          <a:xfrm>
+            <a:off x="2289086" y="798109"/>
+            <a:ext cx="397565" cy="0"/>
+          </a:xfrm>
+          <a:prstGeom prst="line">
+            <a:avLst/>
+          </a:prstGeom>
+        </p:spPr>
+        <p:style>
+          <a:lnRef idx="1">
+            <a:schemeClr val="accent1"/>
+          </a:lnRef>
+          <a:fillRef idx="0">
+            <a:schemeClr val="accent1"/>
+          </a:fillRef>
+          <a:effectRef idx="0">
+            <a:schemeClr val="accent1"/>
+          </a:effectRef>
+          <a:fontRef idx="minor">
+            <a:schemeClr val="tx1"/>
+          </a:fontRef>
+        </p:style>
+      </p:cxnSp>
+      <p:cxnSp>
+        <p:nvCxnSpPr>
+          <p:cNvPr id="123" name="Straight Connector 122">
+            <a:extLst>
+              <a:ext uri="{FF2B5EF4-FFF2-40B4-BE49-F238E27FC236}">
+                <a16:creationId xmlns:a16="http://schemas.microsoft.com/office/drawing/2014/main" id="{8A570493-2933-4835-A690-235C0EE37BA0}"/>
+              </a:ext>
+            </a:extLst>
+          </p:cNvPr>
+          <p:cNvCxnSpPr>
+            <a:cxnSpLocks/>
+          </p:cNvCxnSpPr>
+          <p:nvPr/>
+        </p:nvCxnSpPr>
+        <p:spPr>
+          <a:xfrm>
+            <a:off x="2295714" y="897501"/>
+            <a:ext cx="397565" cy="0"/>
+          </a:xfrm>
+          <a:prstGeom prst="line">
+            <a:avLst/>
+          </a:prstGeom>
+        </p:spPr>
+        <p:style>
+          <a:lnRef idx="1">
+            <a:schemeClr val="accent1"/>
+          </a:lnRef>
+          <a:fillRef idx="0">
+            <a:schemeClr val="accent1"/>
+          </a:fillRef>
+          <a:effectRef idx="0">
+            <a:schemeClr val="accent1"/>
+          </a:effectRef>
+          <a:fontRef idx="minor">
+            <a:schemeClr val="tx1"/>
+          </a:fontRef>
+        </p:style>
+      </p:cxnSp>
+      <p:cxnSp>
+        <p:nvCxnSpPr>
+          <p:cNvPr id="124" name="Straight Connector 123">
+            <a:extLst>
+              <a:ext uri="{FF2B5EF4-FFF2-40B4-BE49-F238E27FC236}">
+                <a16:creationId xmlns:a16="http://schemas.microsoft.com/office/drawing/2014/main" id="{F42D7FA4-E270-4A3E-9512-A4087A2A8439}"/>
+              </a:ext>
+            </a:extLst>
+          </p:cNvPr>
+          <p:cNvCxnSpPr>
+            <a:cxnSpLocks/>
+          </p:cNvCxnSpPr>
+          <p:nvPr/>
+        </p:nvCxnSpPr>
+        <p:spPr>
+          <a:xfrm>
+            <a:off x="2308966" y="990265"/>
+            <a:ext cx="397565" cy="0"/>
+          </a:xfrm>
+          <a:prstGeom prst="line">
+            <a:avLst/>
+          </a:prstGeom>
+        </p:spPr>
+        <p:style>
+          <a:lnRef idx="1">
+            <a:schemeClr val="accent1"/>
+          </a:lnRef>
+          <a:fillRef idx="0">
+            <a:schemeClr val="accent1"/>
+          </a:fillRef>
+          <a:effectRef idx="0">
+            <a:schemeClr val="accent1"/>
+          </a:effectRef>
+          <a:fontRef idx="minor">
+            <a:schemeClr val="tx1"/>
+          </a:fontRef>
+        </p:style>
+      </p:cxnSp>
+      <p:cxnSp>
+        <p:nvCxnSpPr>
+          <p:cNvPr id="128" name="Straight Arrow Connector 127">
+            <a:extLst>
+              <a:ext uri="{FF2B5EF4-FFF2-40B4-BE49-F238E27FC236}">
+                <a16:creationId xmlns:a16="http://schemas.microsoft.com/office/drawing/2014/main" id="{7BAD3DAE-94D7-42E1-A4F8-41D6818F7057}"/>
+              </a:ext>
+            </a:extLst>
+          </p:cNvPr>
+          <p:cNvCxnSpPr>
+            <a:cxnSpLocks/>
+          </p:cNvCxnSpPr>
+          <p:nvPr/>
+        </p:nvCxnSpPr>
+        <p:spPr>
+          <a:xfrm flipH="1">
+            <a:off x="1552456" y="857745"/>
+            <a:ext cx="728083" cy="181386"/>
+          </a:xfrm>
+          <a:prstGeom prst="straightConnector1">
+            <a:avLst/>
+          </a:prstGeom>
+          <a:ln>
+            <a:tailEnd type="triangle"/>
+          </a:ln>
+        </p:spPr>
+        <p:style>
+          <a:lnRef idx="1">
+            <a:schemeClr val="accent1"/>
+          </a:lnRef>
+          <a:fillRef idx="0">
+            <a:schemeClr val="accent1"/>
+          </a:fillRef>
+          <a:effectRef idx="0">
+            <a:schemeClr val="accent1"/>
+          </a:effectRef>
+          <a:fontRef idx="minor">
+            <a:schemeClr val="tx1"/>
+          </a:fontRef>
+        </p:style>
+      </p:cxnSp>
+      <p:sp>
+        <p:nvSpPr>
+          <p:cNvPr id="131" name="TextBox 130">
+            <a:extLst>
+              <a:ext uri="{FF2B5EF4-FFF2-40B4-BE49-F238E27FC236}">
+                <a16:creationId xmlns:a16="http://schemas.microsoft.com/office/drawing/2014/main" id="{9B8FD80A-8F68-401C-9523-458C1BDA17C2}"/>
+              </a:ext>
+            </a:extLst>
+          </p:cNvPr>
+          <p:cNvSpPr txBox="1"/>
+          <p:nvPr/>
+        </p:nvSpPr>
+        <p:spPr>
+          <a:xfrm>
+            <a:off x="824372" y="895530"/>
+            <a:ext cx="728084" cy="369332"/>
+          </a:xfrm>
+          <a:prstGeom prst="rect">
+            <a:avLst/>
+          </a:prstGeom>
+          <a:noFill/>
+        </p:spPr>
+        <p:txBody>
+          <a:bodyPr wrap="none" rtlCol="0">
+            <a:spAutoFit/>
+          </a:bodyPr>
+          <a:lstStyle/>
+          <a:p>
+            <a:r>
+              <a:rPr lang="en-US" dirty="0"/>
+              <a:t>home</a:t>
+            </a:r>
+          </a:p>
+        </p:txBody>
+      </p:sp>
+      <p:sp>
+        <p:nvSpPr>
+          <p:cNvPr id="132" name="Rectangle 131">
+            <a:extLst>
+              <a:ext uri="{FF2B5EF4-FFF2-40B4-BE49-F238E27FC236}">
+                <a16:creationId xmlns:a16="http://schemas.microsoft.com/office/drawing/2014/main" id="{A0235313-295A-48C6-AEA2-D3829C954D91}"/>
               </a:ext>
             </a:extLst>
           </p:cNvPr>
@@ -3699,10 +4050,292 @@
         </p:nvSpPr>
         <p:spPr>
           <a:xfrm>
-            <a:off x="3650976" y="1572109"/>
-            <a:ext cx="410817" cy="369332"/>
-          </a:xfrm>
-          <a:prstGeom prst="ellipse">
+            <a:off x="2427015" y="1911237"/>
+            <a:ext cx="907630" cy="424511"/>
+          </a:xfrm>
+          <a:prstGeom prst="rect">
+            <a:avLst/>
+          </a:prstGeom>
+          <a:solidFill>
+            <a:schemeClr val="bg2"/>
+          </a:solidFill>
+        </p:spPr>
+        <p:style>
+          <a:lnRef idx="2">
+            <a:schemeClr val="accent1">
+              <a:shade val="50000"/>
+            </a:schemeClr>
+          </a:lnRef>
+          <a:fillRef idx="1">
+            <a:schemeClr val="accent1"/>
+          </a:fillRef>
+          <a:effectRef idx="0">
+            <a:schemeClr val="accent1"/>
+          </a:effectRef>
+          <a:fontRef idx="minor">
+            <a:schemeClr val="lt1"/>
+          </a:fontRef>
+        </p:style>
+        <p:txBody>
+          <a:bodyPr rtlCol="0" anchor="ctr"/>
+          <a:lstStyle/>
+          <a:p>
+            <a:pPr algn="ctr"/>
+            <a:endParaRPr lang="en-US"/>
+          </a:p>
+        </p:txBody>
+      </p:sp>
+      <p:pic>
+        <p:nvPicPr>
+          <p:cNvPr id="103" name="Picture 102">
+            <a:extLst>
+              <a:ext uri="{FF2B5EF4-FFF2-40B4-BE49-F238E27FC236}">
+                <a16:creationId xmlns:a16="http://schemas.microsoft.com/office/drawing/2014/main" id="{E135BF8C-A32D-48E0-8046-E6EDEF85E8D5}"/>
+              </a:ext>
+            </a:extLst>
+          </p:cNvPr>
+          <p:cNvPicPr>
+            <a:picLocks noChangeAspect="1"/>
+          </p:cNvPicPr>
+          <p:nvPr/>
+        </p:nvPicPr>
+        <p:blipFill>
+          <a:blip r:embed="rId3" cstate="print">
+            <a:duotone>
+              <a:schemeClr val="accent4">
+                <a:shade val="45000"/>
+                <a:satMod val="135000"/>
+              </a:schemeClr>
+              <a:prstClr val="white"/>
+            </a:duotone>
+            <a:extLst>
+              <a:ext uri="{BEBA8EAE-BF5A-486C-A8C5-ECC9F3942E4B}">
+                <a14:imgProps xmlns:a14="http://schemas.microsoft.com/office/drawing/2010/main">
+                  <a14:imgLayer r:embed="rId4">
+                    <a14:imgEffect>
+                      <a14:brightnessContrast bright="-20000" contrast="40000"/>
+                    </a14:imgEffect>
+                  </a14:imgLayer>
+                </a14:imgProps>
+              </a:ext>
+              <a:ext uri="{28A0092B-C50C-407E-A947-70E740481C1C}">
+                <a14:useLocalDpi xmlns:a14="http://schemas.microsoft.com/office/drawing/2010/main" val="0"/>
+              </a:ext>
+            </a:extLst>
+          </a:blip>
+          <a:stretch>
+            <a:fillRect/>
+          </a:stretch>
+        </p:blipFill>
+        <p:spPr>
+          <a:xfrm>
+            <a:off x="2583464" y="1934313"/>
+            <a:ext cx="540828" cy="398567"/>
+          </a:xfrm>
+          <a:prstGeom prst="rect">
+            <a:avLst/>
+          </a:prstGeom>
+        </p:spPr>
+      </p:pic>
+      <p:sp>
+        <p:nvSpPr>
+          <p:cNvPr id="133" name="Rectangle 132">
+            <a:extLst>
+              <a:ext uri="{FF2B5EF4-FFF2-40B4-BE49-F238E27FC236}">
+                <a16:creationId xmlns:a16="http://schemas.microsoft.com/office/drawing/2014/main" id="{5CAB9947-192A-43B5-A7A6-C1FFC3BA97F6}"/>
+              </a:ext>
+            </a:extLst>
+          </p:cNvPr>
+          <p:cNvSpPr/>
+          <p:nvPr/>
+        </p:nvSpPr>
+        <p:spPr>
+          <a:xfrm>
+            <a:off x="3532221" y="1926445"/>
+            <a:ext cx="907630" cy="386842"/>
+          </a:xfrm>
+          <a:prstGeom prst="rect">
+            <a:avLst/>
+          </a:prstGeom>
+          <a:solidFill>
+            <a:schemeClr val="bg2"/>
+          </a:solidFill>
+        </p:spPr>
+        <p:style>
+          <a:lnRef idx="2">
+            <a:schemeClr val="accent1">
+              <a:shade val="50000"/>
+            </a:schemeClr>
+          </a:lnRef>
+          <a:fillRef idx="1">
+            <a:schemeClr val="accent1"/>
+          </a:fillRef>
+          <a:effectRef idx="0">
+            <a:schemeClr val="accent1"/>
+          </a:effectRef>
+          <a:fontRef idx="minor">
+            <a:schemeClr val="lt1"/>
+          </a:fontRef>
+        </p:style>
+        <p:txBody>
+          <a:bodyPr rtlCol="0" anchor="ctr"/>
+          <a:lstStyle/>
+          <a:p>
+            <a:pPr algn="ctr"/>
+            <a:endParaRPr lang="en-US"/>
+          </a:p>
+        </p:txBody>
+      </p:sp>
+      <p:pic>
+        <p:nvPicPr>
+          <p:cNvPr id="102" name="Picture 101">
+            <a:extLst>
+              <a:ext uri="{FF2B5EF4-FFF2-40B4-BE49-F238E27FC236}">
+                <a16:creationId xmlns:a16="http://schemas.microsoft.com/office/drawing/2014/main" id="{3C3772A8-56AA-407E-B129-B9FC905709E2}"/>
+              </a:ext>
+            </a:extLst>
+          </p:cNvPr>
+          <p:cNvPicPr>
+            <a:picLocks noChangeAspect="1"/>
+          </p:cNvPicPr>
+          <p:nvPr/>
+        </p:nvPicPr>
+        <p:blipFill>
+          <a:blip r:embed="rId5" cstate="print">
+            <a:duotone>
+              <a:schemeClr val="accent3">
+                <a:shade val="45000"/>
+                <a:satMod val="135000"/>
+              </a:schemeClr>
+              <a:prstClr val="white"/>
+            </a:duotone>
+            <a:extLst>
+              <a:ext uri="{28A0092B-C50C-407E-A947-70E740481C1C}">
+                <a14:useLocalDpi xmlns:a14="http://schemas.microsoft.com/office/drawing/2010/main" val="0"/>
+              </a:ext>
+            </a:extLst>
+          </a:blip>
+          <a:stretch>
+            <a:fillRect/>
+          </a:stretch>
+        </p:blipFill>
+        <p:spPr>
+          <a:xfrm>
+            <a:off x="3752126" y="1874657"/>
+            <a:ext cx="488185" cy="538722"/>
+          </a:xfrm>
+          <a:prstGeom prst="rect">
+            <a:avLst/>
+          </a:prstGeom>
+        </p:spPr>
+      </p:pic>
+      <p:sp>
+        <p:nvSpPr>
+          <p:cNvPr id="134" name="Rectangle 133">
+            <a:extLst>
+              <a:ext uri="{FF2B5EF4-FFF2-40B4-BE49-F238E27FC236}">
+                <a16:creationId xmlns:a16="http://schemas.microsoft.com/office/drawing/2014/main" id="{23C7222C-24AE-4CAD-934E-94BC1104E687}"/>
+              </a:ext>
+            </a:extLst>
+          </p:cNvPr>
+          <p:cNvSpPr/>
+          <p:nvPr/>
+        </p:nvSpPr>
+        <p:spPr>
+          <a:xfrm>
+            <a:off x="4601434" y="1940914"/>
+            <a:ext cx="907630" cy="406208"/>
+          </a:xfrm>
+          <a:prstGeom prst="rect">
+            <a:avLst/>
+          </a:prstGeom>
+        </p:spPr>
+        <p:style>
+          <a:lnRef idx="2">
+            <a:schemeClr val="accent1">
+              <a:shade val="50000"/>
+            </a:schemeClr>
+          </a:lnRef>
+          <a:fillRef idx="1">
+            <a:schemeClr val="accent1"/>
+          </a:fillRef>
+          <a:effectRef idx="0">
+            <a:schemeClr val="accent1"/>
+          </a:effectRef>
+          <a:fontRef idx="minor">
+            <a:schemeClr val="lt1"/>
+          </a:fontRef>
+        </p:style>
+        <p:txBody>
+          <a:bodyPr rtlCol="0" anchor="ctr"/>
+          <a:lstStyle/>
+          <a:p>
+            <a:pPr algn="ctr"/>
+            <a:endParaRPr lang="en-US"/>
+          </a:p>
+        </p:txBody>
+      </p:sp>
+      <p:pic>
+        <p:nvPicPr>
+          <p:cNvPr id="101" name="Picture 100">
+            <a:extLst>
+              <a:ext uri="{FF2B5EF4-FFF2-40B4-BE49-F238E27FC236}">
+                <a16:creationId xmlns:a16="http://schemas.microsoft.com/office/drawing/2014/main" id="{5AE1168D-A191-461C-8296-0A1CE3F66B82}"/>
+              </a:ext>
+            </a:extLst>
+          </p:cNvPr>
+          <p:cNvPicPr>
+            <a:picLocks noChangeAspect="1"/>
+          </p:cNvPicPr>
+          <p:nvPr/>
+        </p:nvPicPr>
+        <p:blipFill>
+          <a:blip r:embed="rId6" cstate="print">
+            <a:duotone>
+              <a:schemeClr val="accent5">
+                <a:shade val="45000"/>
+                <a:satMod val="135000"/>
+              </a:schemeClr>
+              <a:prstClr val="white"/>
+            </a:duotone>
+            <a:extLst>
+              <a:ext uri="{28A0092B-C50C-407E-A947-70E740481C1C}">
+                <a14:useLocalDpi xmlns:a14="http://schemas.microsoft.com/office/drawing/2010/main" val="0"/>
+              </a:ext>
+            </a:extLst>
+          </a:blip>
+          <a:stretch>
+            <a:fillRect/>
+          </a:stretch>
+        </p:blipFill>
+        <p:spPr>
+          <a:xfrm rot="10800000" flipV="1">
+            <a:off x="4872167" y="1952532"/>
+            <a:ext cx="399746" cy="399746"/>
+          </a:xfrm>
+          <a:prstGeom prst="rect">
+            <a:avLst/>
+          </a:prstGeom>
+        </p:spPr>
+      </p:pic>
+      <p:sp>
+        <p:nvSpPr>
+          <p:cNvPr id="135" name="Rectangle 134">
+            <a:extLst>
+              <a:ext uri="{FF2B5EF4-FFF2-40B4-BE49-F238E27FC236}">
+                <a16:creationId xmlns:a16="http://schemas.microsoft.com/office/drawing/2014/main" id="{5B1CAEDB-8980-45A1-B51B-42ABA0843C75}"/>
+              </a:ext>
+            </a:extLst>
+          </p:cNvPr>
+          <p:cNvSpPr/>
+          <p:nvPr/>
+        </p:nvSpPr>
+        <p:spPr>
+          <a:xfrm>
+            <a:off x="2418517" y="3216578"/>
+            <a:ext cx="949260" cy="414949"/>
+          </a:xfrm>
+          <a:prstGeom prst="rect">
             <a:avLst/>
           </a:prstGeom>
         </p:spPr>
@@ -3731,10 +4364,10 @@
       </p:sp>
       <p:sp>
         <p:nvSpPr>
-          <p:cNvPr id="35" name="Oval 34">
-            <a:extLst>
-              <a:ext uri="{FF2B5EF4-FFF2-40B4-BE49-F238E27FC236}">
-                <a16:creationId xmlns:a16="http://schemas.microsoft.com/office/drawing/2014/main" id="{FCB0DCC3-FEBE-4AF2-BD06-833733BA1F43}"/>
+          <p:cNvPr id="136" name="Rectangle 135">
+            <a:extLst>
+              <a:ext uri="{FF2B5EF4-FFF2-40B4-BE49-F238E27FC236}">
+                <a16:creationId xmlns:a16="http://schemas.microsoft.com/office/drawing/2014/main" id="{BF405173-827A-488C-A1B2-8082A9AF25E3}"/>
               </a:ext>
             </a:extLst>
           </p:cNvPr>
@@ -3743,10 +4376,10 @@
         </p:nvSpPr>
         <p:spPr>
           <a:xfrm>
-            <a:off x="4293708" y="1572109"/>
-            <a:ext cx="410817" cy="369332"/>
-          </a:xfrm>
-          <a:prstGeom prst="ellipse">
+            <a:off x="4696350" y="3216578"/>
+            <a:ext cx="849601" cy="421642"/>
+          </a:xfrm>
+          <a:prstGeom prst="rect">
             <a:avLst/>
           </a:prstGeom>
         </p:spPr>
@@ -3775,10 +4408,10 @@
       </p:sp>
       <p:sp>
         <p:nvSpPr>
-          <p:cNvPr id="36" name="Oval 35">
-            <a:extLst>
-              <a:ext uri="{FF2B5EF4-FFF2-40B4-BE49-F238E27FC236}">
-                <a16:creationId xmlns:a16="http://schemas.microsoft.com/office/drawing/2014/main" id="{61A3FC57-4942-4E62-A217-68D1401B2C71}"/>
+          <p:cNvPr id="138" name="Rectangle 137">
+            <a:extLst>
+              <a:ext uri="{FF2B5EF4-FFF2-40B4-BE49-F238E27FC236}">
+                <a16:creationId xmlns:a16="http://schemas.microsoft.com/office/drawing/2014/main" id="{622B79E9-E501-4DE6-A9ED-E1CD1D375454}"/>
               </a:ext>
             </a:extLst>
           </p:cNvPr>
@@ -3787,10 +4420,10 @@
         </p:nvSpPr>
         <p:spPr>
           <a:xfrm>
-            <a:off x="3001618" y="2216422"/>
-            <a:ext cx="410817" cy="369332"/>
-          </a:xfrm>
-          <a:prstGeom prst="ellipse">
+            <a:off x="2338522" y="2695244"/>
+            <a:ext cx="849601" cy="352356"/>
+          </a:xfrm>
+          <a:prstGeom prst="rect">
             <a:avLst/>
           </a:prstGeom>
         </p:spPr>
@@ -3813,16 +4446,149 @@
           <a:lstStyle/>
           <a:p>
             <a:pPr algn="ctr"/>
-            <a:endParaRPr lang="en-US"/>
-          </a:p>
-        </p:txBody>
-      </p:sp>
-      <p:sp>
-        <p:nvSpPr>
-          <p:cNvPr id="37" name="Oval 36">
-            <a:extLst>
-              <a:ext uri="{FF2B5EF4-FFF2-40B4-BE49-F238E27FC236}">
-                <a16:creationId xmlns:a16="http://schemas.microsoft.com/office/drawing/2014/main" id="{790AD70E-1BF9-4E55-BA36-BCBFC4B40751}"/>
+            <a:r>
+              <a:rPr lang="en-US" dirty="0" err="1"/>
+              <a:t>Thứ</a:t>
+            </a:r>
+            <a:r>
+              <a:rPr lang="en-US" dirty="0"/>
+              <a:t> 3</a:t>
+            </a:r>
+          </a:p>
+        </p:txBody>
+      </p:sp>
+      <p:cxnSp>
+        <p:nvCxnSpPr>
+          <p:cNvPr id="139" name="Straight Connector 138">
+            <a:extLst>
+              <a:ext uri="{FF2B5EF4-FFF2-40B4-BE49-F238E27FC236}">
+                <a16:creationId xmlns:a16="http://schemas.microsoft.com/office/drawing/2014/main" id="{2791566A-3BB2-4A39-AA4D-73971B997AFC}"/>
+              </a:ext>
+            </a:extLst>
+          </p:cNvPr>
+          <p:cNvCxnSpPr>
+            <a:cxnSpLocks/>
+          </p:cNvCxnSpPr>
+          <p:nvPr/>
+        </p:nvCxnSpPr>
+        <p:spPr>
+          <a:xfrm>
+            <a:off x="3282065" y="3047600"/>
+            <a:ext cx="2265166" cy="0"/>
+          </a:xfrm>
+          <a:prstGeom prst="line">
+            <a:avLst/>
+          </a:prstGeom>
+        </p:spPr>
+        <p:style>
+          <a:lnRef idx="1">
+            <a:schemeClr val="accent1"/>
+          </a:lnRef>
+          <a:fillRef idx="0">
+            <a:schemeClr val="accent1"/>
+          </a:fillRef>
+          <a:effectRef idx="0">
+            <a:schemeClr val="accent1"/>
+          </a:effectRef>
+          <a:fontRef idx="minor">
+            <a:schemeClr val="tx1"/>
+          </a:fontRef>
+        </p:style>
+      </p:cxnSp>
+      <p:sp>
+        <p:nvSpPr>
+          <p:cNvPr id="140" name="TextBox 139">
+            <a:extLst>
+              <a:ext uri="{FF2B5EF4-FFF2-40B4-BE49-F238E27FC236}">
+                <a16:creationId xmlns:a16="http://schemas.microsoft.com/office/drawing/2014/main" id="{5AD582AD-CE72-46E6-B40F-222D97C24675}"/>
+              </a:ext>
+            </a:extLst>
+          </p:cNvPr>
+          <p:cNvSpPr txBox="1"/>
+          <p:nvPr/>
+        </p:nvSpPr>
+        <p:spPr>
+          <a:xfrm>
+            <a:off x="3448997" y="2635197"/>
+            <a:ext cx="1899494" cy="369332"/>
+          </a:xfrm>
+          <a:prstGeom prst="rect">
+            <a:avLst/>
+          </a:prstGeom>
+          <a:noFill/>
+        </p:spPr>
+        <p:txBody>
+          <a:bodyPr wrap="none" rtlCol="0">
+            <a:spAutoFit/>
+          </a:bodyPr>
+          <a:lstStyle/>
+          <a:p>
+            <a:r>
+              <a:rPr lang="en-US" dirty="0" err="1"/>
+              <a:t>Ngày</a:t>
+            </a:r>
+            <a:r>
+              <a:rPr lang="en-US" dirty="0"/>
+              <a:t>/ </a:t>
+            </a:r>
+            <a:r>
+              <a:rPr lang="en-US" dirty="0" err="1"/>
+              <a:t>tháng</a:t>
+            </a:r>
+            <a:r>
+              <a:rPr lang="en-US" dirty="0"/>
+              <a:t>/ </a:t>
+            </a:r>
+            <a:r>
+              <a:rPr lang="en-US" dirty="0" err="1"/>
+              <a:t>năm</a:t>
+            </a:r>
+            <a:endParaRPr lang="en-US" dirty="0"/>
+          </a:p>
+        </p:txBody>
+      </p:sp>
+      <p:pic>
+        <p:nvPicPr>
+          <p:cNvPr id="142" name="Picture 141">
+            <a:extLst>
+              <a:ext uri="{FF2B5EF4-FFF2-40B4-BE49-F238E27FC236}">
+                <a16:creationId xmlns:a16="http://schemas.microsoft.com/office/drawing/2014/main" id="{284CF4EE-B842-4D6A-AAD3-8A84F354261A}"/>
+              </a:ext>
+            </a:extLst>
+          </p:cNvPr>
+          <p:cNvPicPr>
+            <a:picLocks noChangeAspect="1"/>
+          </p:cNvPicPr>
+          <p:nvPr/>
+        </p:nvPicPr>
+        <p:blipFill>
+          <a:blip r:embed="rId7" cstate="print">
+            <a:extLst>
+              <a:ext uri="{28A0092B-C50C-407E-A947-70E740481C1C}">
+                <a14:useLocalDpi xmlns:a14="http://schemas.microsoft.com/office/drawing/2010/main" val="0"/>
+              </a:ext>
+            </a:extLst>
+          </a:blip>
+          <a:stretch>
+            <a:fillRect/>
+          </a:stretch>
+        </p:blipFill>
+        <p:spPr>
+          <a:xfrm>
+            <a:off x="2616596" y="3239654"/>
+            <a:ext cx="540828" cy="378974"/>
+          </a:xfrm>
+          <a:prstGeom prst="rect">
+            <a:avLst/>
+          </a:prstGeom>
+        </p:spPr>
+      </p:pic>
+      <p:sp>
+        <p:nvSpPr>
+          <p:cNvPr id="143" name="Rectangle 142">
+            <a:extLst>
+              <a:ext uri="{FF2B5EF4-FFF2-40B4-BE49-F238E27FC236}">
+                <a16:creationId xmlns:a16="http://schemas.microsoft.com/office/drawing/2014/main" id="{ACBD663A-55F2-4CDC-A1FB-B40350934890}"/>
               </a:ext>
             </a:extLst>
           </p:cNvPr>
@@ -3831,10 +4597,10 @@
         </p:nvSpPr>
         <p:spPr>
           <a:xfrm>
-            <a:off x="3670853" y="2226300"/>
-            <a:ext cx="410817" cy="369332"/>
-          </a:xfrm>
-          <a:prstGeom prst="ellipse">
+            <a:off x="3565353" y="3231785"/>
+            <a:ext cx="907630" cy="386842"/>
+          </a:xfrm>
+          <a:prstGeom prst="rect">
             <a:avLst/>
           </a:prstGeom>
         </p:spPr>
@@ -3861,12 +4627,92 @@
           </a:p>
         </p:txBody>
       </p:sp>
-      <p:sp>
-        <p:nvSpPr>
-          <p:cNvPr id="38" name="Oval 37">
-            <a:extLst>
-              <a:ext uri="{FF2B5EF4-FFF2-40B4-BE49-F238E27FC236}">
-                <a16:creationId xmlns:a16="http://schemas.microsoft.com/office/drawing/2014/main" id="{C1F69F6F-C2C3-4A10-A887-755E01D4F428}"/>
+      <p:pic>
+        <p:nvPicPr>
+          <p:cNvPr id="144" name="Picture 143">
+            <a:extLst>
+              <a:ext uri="{FF2B5EF4-FFF2-40B4-BE49-F238E27FC236}">
+                <a16:creationId xmlns:a16="http://schemas.microsoft.com/office/drawing/2014/main" id="{9320225F-59DE-43E3-8354-C5A78933F786}"/>
+              </a:ext>
+            </a:extLst>
+          </p:cNvPr>
+          <p:cNvPicPr>
+            <a:picLocks noChangeAspect="1"/>
+          </p:cNvPicPr>
+          <p:nvPr/>
+        </p:nvPicPr>
+        <p:blipFill>
+          <a:blip r:embed="rId5" cstate="print">
+            <a:duotone>
+              <a:schemeClr val="accent3">
+                <a:shade val="45000"/>
+                <a:satMod val="135000"/>
+              </a:schemeClr>
+              <a:prstClr val="white"/>
+            </a:duotone>
+            <a:extLst>
+              <a:ext uri="{28A0092B-C50C-407E-A947-70E740481C1C}">
+                <a14:useLocalDpi xmlns:a14="http://schemas.microsoft.com/office/drawing/2010/main" val="0"/>
+              </a:ext>
+            </a:extLst>
+          </a:blip>
+          <a:stretch>
+            <a:fillRect/>
+          </a:stretch>
+        </p:blipFill>
+        <p:spPr>
+          <a:xfrm>
+            <a:off x="3785258" y="3179997"/>
+            <a:ext cx="488185" cy="538722"/>
+          </a:xfrm>
+          <a:prstGeom prst="rect">
+            <a:avLst/>
+          </a:prstGeom>
+        </p:spPr>
+      </p:pic>
+      <p:pic>
+        <p:nvPicPr>
+          <p:cNvPr id="146" name="Picture 145">
+            <a:extLst>
+              <a:ext uri="{FF2B5EF4-FFF2-40B4-BE49-F238E27FC236}">
+                <a16:creationId xmlns:a16="http://schemas.microsoft.com/office/drawing/2014/main" id="{54BE0FBD-7831-4F83-ABA0-CDE8A1828B2F}"/>
+              </a:ext>
+            </a:extLst>
+          </p:cNvPr>
+          <p:cNvPicPr>
+            <a:picLocks noChangeAspect="1"/>
+          </p:cNvPicPr>
+          <p:nvPr/>
+        </p:nvPicPr>
+        <p:blipFill>
+          <a:blip r:embed="rId6" cstate="print">
+            <a:biLevel thresh="75000"/>
+            <a:extLst>
+              <a:ext uri="{28A0092B-C50C-407E-A947-70E740481C1C}">
+                <a14:useLocalDpi xmlns:a14="http://schemas.microsoft.com/office/drawing/2010/main" val="0"/>
+              </a:ext>
+            </a:extLst>
+          </a:blip>
+          <a:stretch>
+            <a:fillRect/>
+          </a:stretch>
+        </p:blipFill>
+        <p:spPr>
+          <a:xfrm rot="10800000" flipV="1">
+            <a:off x="4905299" y="3257872"/>
+            <a:ext cx="399746" cy="399746"/>
+          </a:xfrm>
+          <a:prstGeom prst="rect">
+            <a:avLst/>
+          </a:prstGeom>
+        </p:spPr>
+      </p:pic>
+      <p:sp>
+        <p:nvSpPr>
+          <p:cNvPr id="147" name="Rectangle 146">
+            <a:extLst>
+              <a:ext uri="{FF2B5EF4-FFF2-40B4-BE49-F238E27FC236}">
+                <a16:creationId xmlns:a16="http://schemas.microsoft.com/office/drawing/2014/main" id="{AB99DAE2-FEB1-4CC0-B473-E087273C1ECB}"/>
               </a:ext>
             </a:extLst>
           </p:cNvPr>
@@ -3875,10 +4721,10 @@
         </p:nvSpPr>
         <p:spPr>
           <a:xfrm>
-            <a:off x="4293707" y="2216422"/>
-            <a:ext cx="410817" cy="369332"/>
-          </a:xfrm>
-          <a:prstGeom prst="ellipse">
+            <a:off x="2445021" y="4634564"/>
+            <a:ext cx="960788" cy="427766"/>
+          </a:xfrm>
+          <a:prstGeom prst="rect">
             <a:avLst/>
           </a:prstGeom>
         </p:spPr>
@@ -3907,10 +4753,10 @@
       </p:sp>
       <p:sp>
         <p:nvSpPr>
-          <p:cNvPr id="39" name="Oval 38">
-            <a:extLst>
-              <a:ext uri="{FF2B5EF4-FFF2-40B4-BE49-F238E27FC236}">
-                <a16:creationId xmlns:a16="http://schemas.microsoft.com/office/drawing/2014/main" id="{B3C0016F-EF72-4585-B87E-05DE3D17E9BD}"/>
+          <p:cNvPr id="148" name="Rectangle 147">
+            <a:extLst>
+              <a:ext uri="{FF2B5EF4-FFF2-40B4-BE49-F238E27FC236}">
+                <a16:creationId xmlns:a16="http://schemas.microsoft.com/office/drawing/2014/main" id="{1DAB2E83-D8E6-438F-B0CA-AF5FEE9F7DA2}"/>
               </a:ext>
             </a:extLst>
           </p:cNvPr>
@@ -3919,10 +4765,10 @@
         </p:nvSpPr>
         <p:spPr>
           <a:xfrm>
-            <a:off x="2991679" y="2935164"/>
-            <a:ext cx="410817" cy="369332"/>
-          </a:xfrm>
-          <a:prstGeom prst="ellipse">
+            <a:off x="4707142" y="4632785"/>
+            <a:ext cx="849601" cy="416727"/>
+          </a:xfrm>
+          <a:prstGeom prst="rect">
             <a:avLst/>
           </a:prstGeom>
         </p:spPr>
@@ -3951,10 +4797,10 @@
       </p:sp>
       <p:sp>
         <p:nvSpPr>
-          <p:cNvPr id="40" name="Oval 39">
-            <a:extLst>
-              <a:ext uri="{FF2B5EF4-FFF2-40B4-BE49-F238E27FC236}">
-                <a16:creationId xmlns:a16="http://schemas.microsoft.com/office/drawing/2014/main" id="{F2D03741-D691-4074-BE35-8F560F0EBC52}"/>
+          <p:cNvPr id="150" name="Rectangle 149">
+            <a:extLst>
+              <a:ext uri="{FF2B5EF4-FFF2-40B4-BE49-F238E27FC236}">
+                <a16:creationId xmlns:a16="http://schemas.microsoft.com/office/drawing/2014/main" id="{0CE9E03B-7ADD-463C-8B28-ED3551CB4887}"/>
               </a:ext>
             </a:extLst>
           </p:cNvPr>
@@ -3963,10 +4809,10 @@
         </p:nvSpPr>
         <p:spPr>
           <a:xfrm>
-            <a:off x="3650975" y="2908660"/>
-            <a:ext cx="410817" cy="369332"/>
-          </a:xfrm>
-          <a:prstGeom prst="ellipse">
+            <a:off x="2365026" y="4113230"/>
+            <a:ext cx="849601" cy="352356"/>
+          </a:xfrm>
+          <a:prstGeom prst="rect">
             <a:avLst/>
           </a:prstGeom>
         </p:spPr>
@@ -3989,16 +4835,149 @@
           <a:lstStyle/>
           <a:p>
             <a:pPr algn="ctr"/>
-            <a:endParaRPr lang="en-US"/>
-          </a:p>
-        </p:txBody>
-      </p:sp>
-      <p:sp>
-        <p:nvSpPr>
-          <p:cNvPr id="41" name="Oval 40">
-            <a:extLst>
-              <a:ext uri="{FF2B5EF4-FFF2-40B4-BE49-F238E27FC236}">
-                <a16:creationId xmlns:a16="http://schemas.microsoft.com/office/drawing/2014/main" id="{E2B99ADE-2D04-4DE3-8B2C-C38A6EC20548}"/>
+            <a:r>
+              <a:rPr lang="en-US" dirty="0" err="1"/>
+              <a:t>Thứ</a:t>
+            </a:r>
+            <a:r>
+              <a:rPr lang="en-US" dirty="0"/>
+              <a:t> 4</a:t>
+            </a:r>
+          </a:p>
+        </p:txBody>
+      </p:sp>
+      <p:cxnSp>
+        <p:nvCxnSpPr>
+          <p:cNvPr id="151" name="Straight Connector 150">
+            <a:extLst>
+              <a:ext uri="{FF2B5EF4-FFF2-40B4-BE49-F238E27FC236}">
+                <a16:creationId xmlns:a16="http://schemas.microsoft.com/office/drawing/2014/main" id="{80EEE3D3-A040-4152-A550-EAFE80FB1D07}"/>
+              </a:ext>
+            </a:extLst>
+          </p:cNvPr>
+          <p:cNvCxnSpPr>
+            <a:cxnSpLocks/>
+          </p:cNvCxnSpPr>
+          <p:nvPr/>
+        </p:nvCxnSpPr>
+        <p:spPr>
+          <a:xfrm>
+            <a:off x="3308569" y="4465586"/>
+            <a:ext cx="2265166" cy="0"/>
+          </a:xfrm>
+          <a:prstGeom prst="line">
+            <a:avLst/>
+          </a:prstGeom>
+        </p:spPr>
+        <p:style>
+          <a:lnRef idx="1">
+            <a:schemeClr val="accent1"/>
+          </a:lnRef>
+          <a:fillRef idx="0">
+            <a:schemeClr val="accent1"/>
+          </a:fillRef>
+          <a:effectRef idx="0">
+            <a:schemeClr val="accent1"/>
+          </a:effectRef>
+          <a:fontRef idx="minor">
+            <a:schemeClr val="tx1"/>
+          </a:fontRef>
+        </p:style>
+      </p:cxnSp>
+      <p:sp>
+        <p:nvSpPr>
+          <p:cNvPr id="152" name="TextBox 151">
+            <a:extLst>
+              <a:ext uri="{FF2B5EF4-FFF2-40B4-BE49-F238E27FC236}">
+                <a16:creationId xmlns:a16="http://schemas.microsoft.com/office/drawing/2014/main" id="{A1D1A3B5-5E98-4C6E-A454-5CAC4ADB7A13}"/>
+              </a:ext>
+            </a:extLst>
+          </p:cNvPr>
+          <p:cNvSpPr txBox="1"/>
+          <p:nvPr/>
+        </p:nvSpPr>
+        <p:spPr>
+          <a:xfrm>
+            <a:off x="3475501" y="4053183"/>
+            <a:ext cx="1899494" cy="369332"/>
+          </a:xfrm>
+          <a:prstGeom prst="rect">
+            <a:avLst/>
+          </a:prstGeom>
+          <a:noFill/>
+        </p:spPr>
+        <p:txBody>
+          <a:bodyPr wrap="none" rtlCol="0">
+            <a:spAutoFit/>
+          </a:bodyPr>
+          <a:lstStyle/>
+          <a:p>
+            <a:r>
+              <a:rPr lang="en-US" dirty="0" err="1"/>
+              <a:t>Ngày</a:t>
+            </a:r>
+            <a:r>
+              <a:rPr lang="en-US" dirty="0"/>
+              <a:t>/ </a:t>
+            </a:r>
+            <a:r>
+              <a:rPr lang="en-US" dirty="0" err="1"/>
+              <a:t>tháng</a:t>
+            </a:r>
+            <a:r>
+              <a:rPr lang="en-US" dirty="0"/>
+              <a:t>/ </a:t>
+            </a:r>
+            <a:r>
+              <a:rPr lang="en-US" dirty="0" err="1"/>
+              <a:t>năm</a:t>
+            </a:r>
+            <a:endParaRPr lang="en-US" dirty="0"/>
+          </a:p>
+        </p:txBody>
+      </p:sp>
+      <p:pic>
+        <p:nvPicPr>
+          <p:cNvPr id="154" name="Picture 153">
+            <a:extLst>
+              <a:ext uri="{FF2B5EF4-FFF2-40B4-BE49-F238E27FC236}">
+                <a16:creationId xmlns:a16="http://schemas.microsoft.com/office/drawing/2014/main" id="{5428546D-FED1-4F36-AC52-E929A85394F2}"/>
+              </a:ext>
+            </a:extLst>
+          </p:cNvPr>
+          <p:cNvPicPr>
+            <a:picLocks noChangeAspect="1"/>
+          </p:cNvPicPr>
+          <p:nvPr/>
+        </p:nvPicPr>
+        <p:blipFill>
+          <a:blip r:embed="rId7" cstate="print">
+            <a:extLst>
+              <a:ext uri="{28A0092B-C50C-407E-A947-70E740481C1C}">
+                <a14:useLocalDpi xmlns:a14="http://schemas.microsoft.com/office/drawing/2010/main" val="0"/>
+              </a:ext>
+            </a:extLst>
+          </a:blip>
+          <a:stretch>
+            <a:fillRect/>
+          </a:stretch>
+        </p:blipFill>
+        <p:spPr>
+          <a:xfrm>
+            <a:off x="2643100" y="4657639"/>
+            <a:ext cx="540828" cy="391439"/>
+          </a:xfrm>
+          <a:prstGeom prst="rect">
+            <a:avLst/>
+          </a:prstGeom>
+        </p:spPr>
+      </p:pic>
+      <p:sp>
+        <p:nvSpPr>
+          <p:cNvPr id="155" name="Rectangle 154">
+            <a:extLst>
+              <a:ext uri="{FF2B5EF4-FFF2-40B4-BE49-F238E27FC236}">
+                <a16:creationId xmlns:a16="http://schemas.microsoft.com/office/drawing/2014/main" id="{D1160FE8-1646-4C11-9585-8CFCC94B4765}"/>
               </a:ext>
             </a:extLst>
           </p:cNvPr>
@@ -4007,10 +4986,10 @@
         </p:nvSpPr>
         <p:spPr>
           <a:xfrm>
-            <a:off x="4310271" y="2935164"/>
-            <a:ext cx="410817" cy="369332"/>
-          </a:xfrm>
-          <a:prstGeom prst="ellipse">
+            <a:off x="3591857" y="4649771"/>
+            <a:ext cx="907630" cy="386842"/>
+          </a:xfrm>
+          <a:prstGeom prst="rect">
             <a:avLst/>
           </a:prstGeom>
         </p:spPr>
@@ -4037,12 +5016,177 @@
           </a:p>
         </p:txBody>
       </p:sp>
-      <p:sp>
-        <p:nvSpPr>
-          <p:cNvPr id="42" name="Oval 41">
-            <a:extLst>
-              <a:ext uri="{FF2B5EF4-FFF2-40B4-BE49-F238E27FC236}">
-                <a16:creationId xmlns:a16="http://schemas.microsoft.com/office/drawing/2014/main" id="{1192D659-273A-46C4-AC28-C88137235197}"/>
+      <p:pic>
+        <p:nvPicPr>
+          <p:cNvPr id="156" name="Picture 155">
+            <a:extLst>
+              <a:ext uri="{FF2B5EF4-FFF2-40B4-BE49-F238E27FC236}">
+                <a16:creationId xmlns:a16="http://schemas.microsoft.com/office/drawing/2014/main" id="{EB0D84D8-F3DD-4C9A-AE50-B7B2FC2E966E}"/>
+              </a:ext>
+            </a:extLst>
+          </p:cNvPr>
+          <p:cNvPicPr>
+            <a:picLocks noChangeAspect="1"/>
+          </p:cNvPicPr>
+          <p:nvPr/>
+        </p:nvPicPr>
+        <p:blipFill>
+          <a:blip r:embed="rId5" cstate="print">
+            <a:duotone>
+              <a:schemeClr val="accent3">
+                <a:shade val="45000"/>
+                <a:satMod val="135000"/>
+              </a:schemeClr>
+              <a:prstClr val="white"/>
+            </a:duotone>
+            <a:extLst>
+              <a:ext uri="{28A0092B-C50C-407E-A947-70E740481C1C}">
+                <a14:useLocalDpi xmlns:a14="http://schemas.microsoft.com/office/drawing/2010/main" val="0"/>
+              </a:ext>
+            </a:extLst>
+          </a:blip>
+          <a:stretch>
+            <a:fillRect/>
+          </a:stretch>
+        </p:blipFill>
+        <p:spPr>
+          <a:xfrm>
+            <a:off x="3811762" y="4597983"/>
+            <a:ext cx="488185" cy="538722"/>
+          </a:xfrm>
+          <a:prstGeom prst="rect">
+            <a:avLst/>
+          </a:prstGeom>
+        </p:spPr>
+      </p:pic>
+      <p:pic>
+        <p:nvPicPr>
+          <p:cNvPr id="158" name="Picture 157">
+            <a:extLst>
+              <a:ext uri="{FF2B5EF4-FFF2-40B4-BE49-F238E27FC236}">
+                <a16:creationId xmlns:a16="http://schemas.microsoft.com/office/drawing/2014/main" id="{3B298624-32A9-4FAD-8D80-1DCD825649A5}"/>
+              </a:ext>
+            </a:extLst>
+          </p:cNvPr>
+          <p:cNvPicPr>
+            <a:picLocks noChangeAspect="1"/>
+          </p:cNvPicPr>
+          <p:nvPr/>
+        </p:nvPicPr>
+        <p:blipFill>
+          <a:blip r:embed="rId6" cstate="print">
+            <a:biLevel thresh="75000"/>
+            <a:extLst>
+              <a:ext uri="{28A0092B-C50C-407E-A947-70E740481C1C}">
+                <a14:useLocalDpi xmlns:a14="http://schemas.microsoft.com/office/drawing/2010/main" val="0"/>
+              </a:ext>
+            </a:extLst>
+          </a:blip>
+          <a:stretch>
+            <a:fillRect/>
+          </a:stretch>
+        </p:blipFill>
+        <p:spPr>
+          <a:xfrm rot="10800000" flipV="1">
+            <a:off x="4931803" y="4675858"/>
+            <a:ext cx="399746" cy="399746"/>
+          </a:xfrm>
+          <a:prstGeom prst="rect">
+            <a:avLst/>
+          </a:prstGeom>
+        </p:spPr>
+      </p:pic>
+      <p:cxnSp>
+        <p:nvCxnSpPr>
+          <p:cNvPr id="160" name="Straight Arrow Connector 159">
+            <a:extLst>
+              <a:ext uri="{FF2B5EF4-FFF2-40B4-BE49-F238E27FC236}">
+                <a16:creationId xmlns:a16="http://schemas.microsoft.com/office/drawing/2014/main" id="{224B5C98-415A-452C-B02E-2601CE0C4B20}"/>
+              </a:ext>
+            </a:extLst>
+          </p:cNvPr>
+          <p:cNvCxnSpPr>
+            <a:stCxn id="104" idx="1"/>
+          </p:cNvCxnSpPr>
+          <p:nvPr/>
+        </p:nvCxnSpPr>
+        <p:spPr>
+          <a:xfrm flipH="1">
+            <a:off x="1678440" y="5565890"/>
+            <a:ext cx="1956953" cy="162233"/>
+          </a:xfrm>
+          <a:prstGeom prst="straightConnector1">
+            <a:avLst/>
+          </a:prstGeom>
+          <a:ln>
+            <a:tailEnd type="triangle"/>
+          </a:ln>
+        </p:spPr>
+        <p:style>
+          <a:lnRef idx="1">
+            <a:schemeClr val="accent1"/>
+          </a:lnRef>
+          <a:fillRef idx="0">
+            <a:schemeClr val="accent1"/>
+          </a:fillRef>
+          <a:effectRef idx="0">
+            <a:schemeClr val="accent1"/>
+          </a:effectRef>
+          <a:fontRef idx="minor">
+            <a:schemeClr val="tx1"/>
+          </a:fontRef>
+        </p:style>
+      </p:cxnSp>
+      <p:sp>
+        <p:nvSpPr>
+          <p:cNvPr id="161" name="TextBox 160">
+            <a:extLst>
+              <a:ext uri="{FF2B5EF4-FFF2-40B4-BE49-F238E27FC236}">
+                <a16:creationId xmlns:a16="http://schemas.microsoft.com/office/drawing/2014/main" id="{3468C049-F684-4CA5-ADAE-868A87988B05}"/>
+              </a:ext>
+            </a:extLst>
+          </p:cNvPr>
+          <p:cNvSpPr txBox="1"/>
+          <p:nvPr/>
+        </p:nvSpPr>
+        <p:spPr>
+          <a:xfrm>
+            <a:off x="641405" y="5623855"/>
+            <a:ext cx="949299" cy="369332"/>
+          </a:xfrm>
+          <a:prstGeom prst="rect">
+            <a:avLst/>
+          </a:prstGeom>
+          <a:noFill/>
+        </p:spPr>
+        <p:txBody>
+          <a:bodyPr wrap="none" rtlCol="0">
+            <a:spAutoFit/>
+          </a:bodyPr>
+          <a:lstStyle/>
+          <a:p>
+            <a:r>
+              <a:rPr lang="en-US" dirty="0" err="1"/>
+              <a:t>Báo</a:t>
+            </a:r>
+            <a:r>
+              <a:rPr lang="en-US" dirty="0"/>
+              <a:t> </a:t>
+            </a:r>
+            <a:r>
+              <a:rPr lang="en-US" dirty="0" err="1"/>
+              <a:t>bận</a:t>
+            </a:r>
+            <a:endParaRPr lang="en-US" dirty="0"/>
+          </a:p>
+        </p:txBody>
+      </p:sp>
+      <p:sp>
+        <p:nvSpPr>
+          <p:cNvPr id="162" name="Rectangle 161">
+            <a:extLst>
+              <a:ext uri="{FF2B5EF4-FFF2-40B4-BE49-F238E27FC236}">
+                <a16:creationId xmlns:a16="http://schemas.microsoft.com/office/drawing/2014/main" id="{CDC0D7DF-E469-4D47-BBD3-6829463C8AFC}"/>
               </a:ext>
             </a:extLst>
           </p:cNvPr>
@@ -4051,10 +5195,213 @@
         </p:nvSpPr>
         <p:spPr>
           <a:xfrm>
-            <a:off x="2991679" y="3660125"/>
-            <a:ext cx="410817" cy="369332"/>
-          </a:xfrm>
-          <a:prstGeom prst="ellipse">
+            <a:off x="7401343" y="1944370"/>
+            <a:ext cx="949260" cy="414949"/>
+          </a:xfrm>
+          <a:prstGeom prst="rect">
+            <a:avLst/>
+          </a:prstGeom>
+          <a:solidFill>
+            <a:schemeClr val="bg2"/>
+          </a:solidFill>
+        </p:spPr>
+        <p:style>
+          <a:lnRef idx="2">
+            <a:schemeClr val="accent1">
+              <a:shade val="50000"/>
+            </a:schemeClr>
+          </a:lnRef>
+          <a:fillRef idx="1">
+            <a:schemeClr val="accent1"/>
+          </a:fillRef>
+          <a:effectRef idx="0">
+            <a:schemeClr val="accent1"/>
+          </a:effectRef>
+          <a:fontRef idx="minor">
+            <a:schemeClr val="lt1"/>
+          </a:fontRef>
+        </p:style>
+        <p:txBody>
+          <a:bodyPr rtlCol="0" anchor="ctr"/>
+          <a:lstStyle/>
+          <a:p>
+            <a:pPr algn="ctr"/>
+            <a:endParaRPr lang="en-US"/>
+          </a:p>
+        </p:txBody>
+      </p:sp>
+      <p:sp>
+        <p:nvSpPr>
+          <p:cNvPr id="163" name="Rectangle 162">
+            <a:extLst>
+              <a:ext uri="{FF2B5EF4-FFF2-40B4-BE49-F238E27FC236}">
+                <a16:creationId xmlns:a16="http://schemas.microsoft.com/office/drawing/2014/main" id="{B796A79B-9E7D-4D77-A6D3-4E75734E2C14}"/>
+              </a:ext>
+            </a:extLst>
+          </p:cNvPr>
+          <p:cNvSpPr/>
+          <p:nvPr/>
+        </p:nvSpPr>
+        <p:spPr>
+          <a:xfrm>
+            <a:off x="9679176" y="1944370"/>
+            <a:ext cx="849601" cy="441040"/>
+          </a:xfrm>
+          <a:prstGeom prst="rect">
+            <a:avLst/>
+          </a:prstGeom>
+        </p:spPr>
+        <p:style>
+          <a:lnRef idx="2">
+            <a:schemeClr val="accent1">
+              <a:shade val="50000"/>
+            </a:schemeClr>
+          </a:lnRef>
+          <a:fillRef idx="1">
+            <a:schemeClr val="accent1"/>
+          </a:fillRef>
+          <a:effectRef idx="0">
+            <a:schemeClr val="accent1"/>
+          </a:effectRef>
+          <a:fontRef idx="minor">
+            <a:schemeClr val="lt1"/>
+          </a:fontRef>
+        </p:style>
+        <p:txBody>
+          <a:bodyPr rtlCol="0" anchor="ctr"/>
+          <a:lstStyle/>
+          <a:p>
+            <a:pPr algn="ctr"/>
+            <a:endParaRPr lang="en-US"/>
+          </a:p>
+        </p:txBody>
+      </p:sp>
+      <p:cxnSp>
+        <p:nvCxnSpPr>
+          <p:cNvPr id="165" name="Straight Connector 164">
+            <a:extLst>
+              <a:ext uri="{FF2B5EF4-FFF2-40B4-BE49-F238E27FC236}">
+                <a16:creationId xmlns:a16="http://schemas.microsoft.com/office/drawing/2014/main" id="{B014DE20-C723-43B6-A57A-4ED2580282FD}"/>
+              </a:ext>
+            </a:extLst>
+          </p:cNvPr>
+          <p:cNvCxnSpPr/>
+          <p:nvPr/>
+        </p:nvCxnSpPr>
+        <p:spPr>
+          <a:xfrm>
+            <a:off x="7201099" y="626065"/>
+            <a:ext cx="3575417" cy="0"/>
+          </a:xfrm>
+          <a:prstGeom prst="line">
+            <a:avLst/>
+          </a:prstGeom>
+        </p:spPr>
+        <p:style>
+          <a:lnRef idx="1">
+            <a:schemeClr val="accent1"/>
+          </a:lnRef>
+          <a:fillRef idx="0">
+            <a:schemeClr val="accent1"/>
+          </a:fillRef>
+          <a:effectRef idx="0">
+            <a:schemeClr val="accent1"/>
+          </a:effectRef>
+          <a:fontRef idx="minor">
+            <a:schemeClr val="tx1"/>
+          </a:fontRef>
+        </p:style>
+      </p:cxnSp>
+      <p:cxnSp>
+        <p:nvCxnSpPr>
+          <p:cNvPr id="166" name="Straight Connector 165">
+            <a:extLst>
+              <a:ext uri="{FF2B5EF4-FFF2-40B4-BE49-F238E27FC236}">
+                <a16:creationId xmlns:a16="http://schemas.microsoft.com/office/drawing/2014/main" id="{68D34891-6065-4D81-BCAA-AED161BFEFAA}"/>
+              </a:ext>
+            </a:extLst>
+          </p:cNvPr>
+          <p:cNvCxnSpPr/>
+          <p:nvPr/>
+        </p:nvCxnSpPr>
+        <p:spPr>
+          <a:xfrm>
+            <a:off x="7173396" y="5945794"/>
+            <a:ext cx="3603120" cy="0"/>
+          </a:xfrm>
+          <a:prstGeom prst="line">
+            <a:avLst/>
+          </a:prstGeom>
+        </p:spPr>
+        <p:style>
+          <a:lnRef idx="1">
+            <a:schemeClr val="dk1"/>
+          </a:lnRef>
+          <a:fillRef idx="0">
+            <a:schemeClr val="dk1"/>
+          </a:fillRef>
+          <a:effectRef idx="0">
+            <a:schemeClr val="dk1"/>
+          </a:effectRef>
+          <a:fontRef idx="minor">
+            <a:schemeClr val="tx1"/>
+          </a:fontRef>
+        </p:style>
+      </p:cxnSp>
+      <p:pic>
+        <p:nvPicPr>
+          <p:cNvPr id="167" name="Picture 166">
+            <a:extLst>
+              <a:ext uri="{FF2B5EF4-FFF2-40B4-BE49-F238E27FC236}">
+                <a16:creationId xmlns:a16="http://schemas.microsoft.com/office/drawing/2014/main" id="{FD5049D6-DB47-40A0-AD13-89F0918E6AA5}"/>
+              </a:ext>
+            </a:extLst>
+          </p:cNvPr>
+          <p:cNvPicPr>
+            <a:picLocks noChangeAspect="1"/>
+          </p:cNvPicPr>
+          <p:nvPr/>
+        </p:nvPicPr>
+        <p:blipFill>
+          <a:blip r:embed="rId2" cstate="print">
+            <a:extLst>
+              <a:ext uri="{28A0092B-C50C-407E-A947-70E740481C1C}">
+                <a14:useLocalDpi xmlns:a14="http://schemas.microsoft.com/office/drawing/2010/main" val="0"/>
+              </a:ext>
+            </a:extLst>
+          </a:blip>
+          <a:stretch>
+            <a:fillRect/>
+          </a:stretch>
+        </p:blipFill>
+        <p:spPr>
+          <a:xfrm>
+            <a:off x="8651351" y="5261566"/>
+            <a:ext cx="674912" cy="674912"/>
+          </a:xfrm>
+          <a:prstGeom prst="rect">
+            <a:avLst/>
+          </a:prstGeom>
+        </p:spPr>
+      </p:pic>
+      <p:sp>
+        <p:nvSpPr>
+          <p:cNvPr id="168" name="Rectangle 167">
+            <a:extLst>
+              <a:ext uri="{FF2B5EF4-FFF2-40B4-BE49-F238E27FC236}">
+                <a16:creationId xmlns:a16="http://schemas.microsoft.com/office/drawing/2014/main" id="{07621A36-99B5-4DF7-9BE9-E2B87F2D5F7A}"/>
+              </a:ext>
+            </a:extLst>
+          </p:cNvPr>
+          <p:cNvSpPr/>
+          <p:nvPr/>
+        </p:nvSpPr>
+        <p:spPr>
+          <a:xfrm>
+            <a:off x="7321348" y="1423036"/>
+            <a:ext cx="849601" cy="352356"/>
+          </a:xfrm>
+          <a:prstGeom prst="rect">
             <a:avLst/>
           </a:prstGeom>
         </p:spPr>
@@ -4077,16 +5424,217 @@
           <a:lstStyle/>
           <a:p>
             <a:pPr algn="ctr"/>
-            <a:endParaRPr lang="en-US"/>
-          </a:p>
-        </p:txBody>
-      </p:sp>
-      <p:sp>
-        <p:nvSpPr>
-          <p:cNvPr id="43" name="Oval 42">
-            <a:extLst>
-              <a:ext uri="{FF2B5EF4-FFF2-40B4-BE49-F238E27FC236}">
-                <a16:creationId xmlns:a16="http://schemas.microsoft.com/office/drawing/2014/main" id="{F580DF4A-649C-4E23-9F7F-28DB5D54FC5D}"/>
+            <a:r>
+              <a:rPr lang="en-US" dirty="0" err="1"/>
+              <a:t>Thứ</a:t>
+            </a:r>
+            <a:r>
+              <a:rPr lang="en-US" dirty="0"/>
+              <a:t> 2</a:t>
+            </a:r>
+          </a:p>
+        </p:txBody>
+      </p:sp>
+      <p:cxnSp>
+        <p:nvCxnSpPr>
+          <p:cNvPr id="169" name="Straight Connector 168">
+            <a:extLst>
+              <a:ext uri="{FF2B5EF4-FFF2-40B4-BE49-F238E27FC236}">
+                <a16:creationId xmlns:a16="http://schemas.microsoft.com/office/drawing/2014/main" id="{8625FA98-453B-4792-B7BB-64E311B242B2}"/>
+              </a:ext>
+            </a:extLst>
+          </p:cNvPr>
+          <p:cNvCxnSpPr/>
+          <p:nvPr/>
+        </p:nvCxnSpPr>
+        <p:spPr>
+          <a:xfrm>
+            <a:off x="7201099" y="1153084"/>
+            <a:ext cx="3575417" cy="8210"/>
+          </a:xfrm>
+          <a:prstGeom prst="line">
+            <a:avLst/>
+          </a:prstGeom>
+        </p:spPr>
+        <p:style>
+          <a:lnRef idx="1">
+            <a:schemeClr val="accent1"/>
+          </a:lnRef>
+          <a:fillRef idx="0">
+            <a:schemeClr val="accent1"/>
+          </a:fillRef>
+          <a:effectRef idx="0">
+            <a:schemeClr val="accent1"/>
+          </a:effectRef>
+          <a:fontRef idx="minor">
+            <a:schemeClr val="tx1"/>
+          </a:fontRef>
+        </p:style>
+      </p:cxnSp>
+      <p:sp>
+        <p:nvSpPr>
+          <p:cNvPr id="170" name="TextBox 169">
+            <a:extLst>
+              <a:ext uri="{FF2B5EF4-FFF2-40B4-BE49-F238E27FC236}">
+                <a16:creationId xmlns:a16="http://schemas.microsoft.com/office/drawing/2014/main" id="{E91E2414-23F0-4EB2-AA86-881DDB1142C6}"/>
+              </a:ext>
+            </a:extLst>
+          </p:cNvPr>
+          <p:cNvSpPr txBox="1"/>
+          <p:nvPr/>
+        </p:nvSpPr>
+        <p:spPr>
+          <a:xfrm>
+            <a:off x="7864685" y="697966"/>
+            <a:ext cx="2248244" cy="369332"/>
+          </a:xfrm>
+          <a:prstGeom prst="rect">
+            <a:avLst/>
+          </a:prstGeom>
+          <a:noFill/>
+        </p:spPr>
+        <p:txBody>
+          <a:bodyPr wrap="none" rtlCol="0">
+            <a:spAutoFit/>
+          </a:bodyPr>
+          <a:lstStyle/>
+          <a:p>
+            <a:r>
+              <a:rPr lang="en-US" dirty="0" err="1"/>
+              <a:t>Lịch</a:t>
+            </a:r>
+            <a:r>
+              <a:rPr lang="en-US" dirty="0"/>
+              <a:t> </a:t>
+            </a:r>
+            <a:r>
+              <a:rPr lang="en-US" dirty="0" err="1"/>
+              <a:t>làm</a:t>
+            </a:r>
+            <a:r>
+              <a:rPr lang="en-US" dirty="0"/>
+              <a:t> </a:t>
+            </a:r>
+            <a:r>
+              <a:rPr lang="en-US" dirty="0" err="1"/>
+              <a:t>việc</a:t>
+            </a:r>
+            <a:r>
+              <a:rPr lang="en-US" dirty="0"/>
+              <a:t> </a:t>
+            </a:r>
+            <a:r>
+              <a:rPr lang="en-US" dirty="0" err="1"/>
+              <a:t>tuần</a:t>
+            </a:r>
+            <a:r>
+              <a:rPr lang="en-US" dirty="0"/>
+              <a:t> </a:t>
+            </a:r>
+            <a:r>
+              <a:rPr lang="en-US" dirty="0" err="1"/>
+              <a:t>này</a:t>
+            </a:r>
+            <a:endParaRPr lang="en-US" dirty="0"/>
+          </a:p>
+        </p:txBody>
+      </p:sp>
+      <p:cxnSp>
+        <p:nvCxnSpPr>
+          <p:cNvPr id="171" name="Straight Connector 170">
+            <a:extLst>
+              <a:ext uri="{FF2B5EF4-FFF2-40B4-BE49-F238E27FC236}">
+                <a16:creationId xmlns:a16="http://schemas.microsoft.com/office/drawing/2014/main" id="{8962E4F6-1CA4-4AC0-BFF4-9AD9A32820CB}"/>
+              </a:ext>
+            </a:extLst>
+          </p:cNvPr>
+          <p:cNvCxnSpPr>
+            <a:cxnSpLocks/>
+          </p:cNvCxnSpPr>
+          <p:nvPr/>
+        </p:nvCxnSpPr>
+        <p:spPr>
+          <a:xfrm>
+            <a:off x="8264891" y="1775392"/>
+            <a:ext cx="2265166" cy="0"/>
+          </a:xfrm>
+          <a:prstGeom prst="line">
+            <a:avLst/>
+          </a:prstGeom>
+        </p:spPr>
+        <p:style>
+          <a:lnRef idx="1">
+            <a:schemeClr val="accent1"/>
+          </a:lnRef>
+          <a:fillRef idx="0">
+            <a:schemeClr val="accent1"/>
+          </a:fillRef>
+          <a:effectRef idx="0">
+            <a:schemeClr val="accent1"/>
+          </a:effectRef>
+          <a:fontRef idx="minor">
+            <a:schemeClr val="tx1"/>
+          </a:fontRef>
+        </p:style>
+      </p:cxnSp>
+      <p:sp>
+        <p:nvSpPr>
+          <p:cNvPr id="172" name="TextBox 171">
+            <a:extLst>
+              <a:ext uri="{FF2B5EF4-FFF2-40B4-BE49-F238E27FC236}">
+                <a16:creationId xmlns:a16="http://schemas.microsoft.com/office/drawing/2014/main" id="{46E08C20-1F9A-4EA5-B675-5C9535202BF6}"/>
+              </a:ext>
+            </a:extLst>
+          </p:cNvPr>
+          <p:cNvSpPr txBox="1"/>
+          <p:nvPr/>
+        </p:nvSpPr>
+        <p:spPr>
+          <a:xfrm>
+            <a:off x="8431823" y="1362989"/>
+            <a:ext cx="1899494" cy="369332"/>
+          </a:xfrm>
+          <a:prstGeom prst="rect">
+            <a:avLst/>
+          </a:prstGeom>
+          <a:noFill/>
+        </p:spPr>
+        <p:txBody>
+          <a:bodyPr wrap="none" rtlCol="0">
+            <a:spAutoFit/>
+          </a:bodyPr>
+          <a:lstStyle/>
+          <a:p>
+            <a:r>
+              <a:rPr lang="en-US" dirty="0" err="1"/>
+              <a:t>Ngày</a:t>
+            </a:r>
+            <a:r>
+              <a:rPr lang="en-US" dirty="0"/>
+              <a:t>/ </a:t>
+            </a:r>
+            <a:r>
+              <a:rPr lang="en-US" dirty="0" err="1"/>
+              <a:t>tháng</a:t>
+            </a:r>
+            <a:r>
+              <a:rPr lang="en-US" dirty="0"/>
+              <a:t>/ </a:t>
+            </a:r>
+            <a:r>
+              <a:rPr lang="en-US" dirty="0" err="1"/>
+              <a:t>năm</a:t>
+            </a:r>
+            <a:endParaRPr lang="en-US" dirty="0"/>
+          </a:p>
+        </p:txBody>
+      </p:sp>
+      <p:sp>
+        <p:nvSpPr>
+          <p:cNvPr id="173" name="Rectangle 172">
+            <a:extLst>
+              <a:ext uri="{FF2B5EF4-FFF2-40B4-BE49-F238E27FC236}">
+                <a16:creationId xmlns:a16="http://schemas.microsoft.com/office/drawing/2014/main" id="{DBDFD466-7F8B-415D-A691-2CF51682CA33}"/>
               </a:ext>
             </a:extLst>
           </p:cNvPr>
@@ -4095,10 +5643,10 @@
         </p:nvSpPr>
         <p:spPr>
           <a:xfrm>
-            <a:off x="3690734" y="3660125"/>
-            <a:ext cx="410817" cy="369332"/>
-          </a:xfrm>
-          <a:prstGeom prst="ellipse">
+            <a:off x="7305044" y="725225"/>
+            <a:ext cx="397565" cy="369332"/>
+          </a:xfrm>
+          <a:prstGeom prst="rect">
             <a:avLst/>
           </a:prstGeom>
         </p:spPr>
@@ -4125,12 +5673,178 @@
           </a:p>
         </p:txBody>
       </p:sp>
-      <p:sp>
-        <p:nvSpPr>
-          <p:cNvPr id="44" name="Oval 43">
-            <a:extLst>
-              <a:ext uri="{FF2B5EF4-FFF2-40B4-BE49-F238E27FC236}">
-                <a16:creationId xmlns:a16="http://schemas.microsoft.com/office/drawing/2014/main" id="{7C6CC73B-C28C-4390-B22E-DBAAAD92E719}"/>
+      <p:cxnSp>
+        <p:nvCxnSpPr>
+          <p:cNvPr id="174" name="Straight Connector 173">
+            <a:extLst>
+              <a:ext uri="{FF2B5EF4-FFF2-40B4-BE49-F238E27FC236}">
+                <a16:creationId xmlns:a16="http://schemas.microsoft.com/office/drawing/2014/main" id="{942B62A1-FE35-40FA-B5B8-5FDA7BE2A426}"/>
+              </a:ext>
+            </a:extLst>
+          </p:cNvPr>
+          <p:cNvCxnSpPr>
+            <a:cxnSpLocks/>
+          </p:cNvCxnSpPr>
+          <p:nvPr/>
+        </p:nvCxnSpPr>
+        <p:spPr>
+          <a:xfrm>
+            <a:off x="7305044" y="831241"/>
+            <a:ext cx="397565" cy="0"/>
+          </a:xfrm>
+          <a:prstGeom prst="line">
+            <a:avLst/>
+          </a:prstGeom>
+        </p:spPr>
+        <p:style>
+          <a:lnRef idx="1">
+            <a:schemeClr val="accent1"/>
+          </a:lnRef>
+          <a:fillRef idx="0">
+            <a:schemeClr val="accent1"/>
+          </a:fillRef>
+          <a:effectRef idx="0">
+            <a:schemeClr val="accent1"/>
+          </a:effectRef>
+          <a:fontRef idx="minor">
+            <a:schemeClr val="tx1"/>
+          </a:fontRef>
+        </p:style>
+      </p:cxnSp>
+      <p:cxnSp>
+        <p:nvCxnSpPr>
+          <p:cNvPr id="175" name="Straight Connector 174">
+            <a:extLst>
+              <a:ext uri="{FF2B5EF4-FFF2-40B4-BE49-F238E27FC236}">
+                <a16:creationId xmlns:a16="http://schemas.microsoft.com/office/drawing/2014/main" id="{157E2211-F42D-40C0-89B7-6E97913F713F}"/>
+              </a:ext>
+            </a:extLst>
+          </p:cNvPr>
+          <p:cNvCxnSpPr>
+            <a:cxnSpLocks/>
+          </p:cNvCxnSpPr>
+          <p:nvPr/>
+        </p:nvCxnSpPr>
+        <p:spPr>
+          <a:xfrm>
+            <a:off x="7311672" y="930633"/>
+            <a:ext cx="397565" cy="0"/>
+          </a:xfrm>
+          <a:prstGeom prst="line">
+            <a:avLst/>
+          </a:prstGeom>
+        </p:spPr>
+        <p:style>
+          <a:lnRef idx="1">
+            <a:schemeClr val="accent1"/>
+          </a:lnRef>
+          <a:fillRef idx="0">
+            <a:schemeClr val="accent1"/>
+          </a:fillRef>
+          <a:effectRef idx="0">
+            <a:schemeClr val="accent1"/>
+          </a:effectRef>
+          <a:fontRef idx="minor">
+            <a:schemeClr val="tx1"/>
+          </a:fontRef>
+        </p:style>
+      </p:cxnSp>
+      <p:cxnSp>
+        <p:nvCxnSpPr>
+          <p:cNvPr id="176" name="Straight Connector 175">
+            <a:extLst>
+              <a:ext uri="{FF2B5EF4-FFF2-40B4-BE49-F238E27FC236}">
+                <a16:creationId xmlns:a16="http://schemas.microsoft.com/office/drawing/2014/main" id="{AEB14CBD-B0C6-4F2C-808B-66D146C93F1C}"/>
+              </a:ext>
+            </a:extLst>
+          </p:cNvPr>
+          <p:cNvCxnSpPr>
+            <a:cxnSpLocks/>
+          </p:cNvCxnSpPr>
+          <p:nvPr/>
+        </p:nvCxnSpPr>
+        <p:spPr>
+          <a:xfrm>
+            <a:off x="7324924" y="1023397"/>
+            <a:ext cx="397565" cy="0"/>
+          </a:xfrm>
+          <a:prstGeom prst="line">
+            <a:avLst/>
+          </a:prstGeom>
+        </p:spPr>
+        <p:style>
+          <a:lnRef idx="1">
+            <a:schemeClr val="accent1"/>
+          </a:lnRef>
+          <a:fillRef idx="0">
+            <a:schemeClr val="accent1"/>
+          </a:fillRef>
+          <a:effectRef idx="0">
+            <a:schemeClr val="accent1"/>
+          </a:effectRef>
+          <a:fontRef idx="minor">
+            <a:schemeClr val="tx1"/>
+          </a:fontRef>
+        </p:style>
+      </p:cxnSp>
+      <p:pic>
+        <p:nvPicPr>
+          <p:cNvPr id="178" name="Picture 177">
+            <a:extLst>
+              <a:ext uri="{FF2B5EF4-FFF2-40B4-BE49-F238E27FC236}">
+                <a16:creationId xmlns:a16="http://schemas.microsoft.com/office/drawing/2014/main" id="{C3358512-CF01-4340-B613-5AC6F65356EB}"/>
+              </a:ext>
+            </a:extLst>
+          </p:cNvPr>
+          <p:cNvPicPr>
+            <a:picLocks noChangeAspect="1"/>
+          </p:cNvPicPr>
+          <p:nvPr/>
+        </p:nvPicPr>
+        <p:blipFill>
+          <a:blip r:embed="rId3" cstate="print">
+            <a:duotone>
+              <a:schemeClr val="accent4">
+                <a:shade val="45000"/>
+                <a:satMod val="135000"/>
+              </a:schemeClr>
+              <a:prstClr val="white"/>
+            </a:duotone>
+            <a:extLst>
+              <a:ext uri="{BEBA8EAE-BF5A-486C-A8C5-ECC9F3942E4B}">
+                <a14:imgProps xmlns:a14="http://schemas.microsoft.com/office/drawing/2010/main">
+                  <a14:imgLayer r:embed="rId4">
+                    <a14:imgEffect>
+                      <a14:brightnessContrast bright="-20000" contrast="40000"/>
+                    </a14:imgEffect>
+                  </a14:imgLayer>
+                </a14:imgProps>
+              </a:ext>
+              <a:ext uri="{28A0092B-C50C-407E-A947-70E740481C1C}">
+                <a14:useLocalDpi xmlns:a14="http://schemas.microsoft.com/office/drawing/2010/main" val="0"/>
+              </a:ext>
+            </a:extLst>
+          </a:blip>
+          <a:stretch>
+            <a:fillRect/>
+          </a:stretch>
+        </p:blipFill>
+        <p:spPr>
+          <a:xfrm>
+            <a:off x="7599422" y="1967446"/>
+            <a:ext cx="540828" cy="391874"/>
+          </a:xfrm>
+          <a:prstGeom prst="rect">
+            <a:avLst/>
+          </a:prstGeom>
+        </p:spPr>
+      </p:pic>
+      <p:sp>
+        <p:nvSpPr>
+          <p:cNvPr id="179" name="Rectangle 178">
+            <a:extLst>
+              <a:ext uri="{FF2B5EF4-FFF2-40B4-BE49-F238E27FC236}">
+                <a16:creationId xmlns:a16="http://schemas.microsoft.com/office/drawing/2014/main" id="{016258D3-3FA1-4A06-AFD8-3222E599DBD7}"/>
               </a:ext>
             </a:extLst>
           </p:cNvPr>
@@ -4139,10 +5853,145 @@
         </p:nvSpPr>
         <p:spPr>
           <a:xfrm>
-            <a:off x="4370023" y="3653906"/>
-            <a:ext cx="410817" cy="369332"/>
-          </a:xfrm>
-          <a:prstGeom prst="ellipse">
+            <a:off x="8548179" y="1959577"/>
+            <a:ext cx="907630" cy="386842"/>
+          </a:xfrm>
+          <a:prstGeom prst="rect">
+            <a:avLst/>
+          </a:prstGeom>
+          <a:solidFill>
+            <a:schemeClr val="bg2"/>
+          </a:solidFill>
+        </p:spPr>
+        <p:style>
+          <a:lnRef idx="2">
+            <a:schemeClr val="accent1">
+              <a:shade val="50000"/>
+            </a:schemeClr>
+          </a:lnRef>
+          <a:fillRef idx="1">
+            <a:schemeClr val="accent1"/>
+          </a:fillRef>
+          <a:effectRef idx="0">
+            <a:schemeClr val="accent1"/>
+          </a:effectRef>
+          <a:fontRef idx="minor">
+            <a:schemeClr val="lt1"/>
+          </a:fontRef>
+        </p:style>
+        <p:txBody>
+          <a:bodyPr rtlCol="0" anchor="ctr"/>
+          <a:lstStyle/>
+          <a:p>
+            <a:pPr algn="ctr"/>
+            <a:endParaRPr lang="en-US"/>
+          </a:p>
+        </p:txBody>
+      </p:sp>
+      <p:pic>
+        <p:nvPicPr>
+          <p:cNvPr id="180" name="Picture 179">
+            <a:extLst>
+              <a:ext uri="{FF2B5EF4-FFF2-40B4-BE49-F238E27FC236}">
+                <a16:creationId xmlns:a16="http://schemas.microsoft.com/office/drawing/2014/main" id="{3AA09631-906D-4635-AF26-2991CAA69C4C}"/>
+              </a:ext>
+            </a:extLst>
+          </p:cNvPr>
+          <p:cNvPicPr>
+            <a:picLocks noChangeAspect="1"/>
+          </p:cNvPicPr>
+          <p:nvPr/>
+        </p:nvPicPr>
+        <p:blipFill>
+          <a:blip r:embed="rId5" cstate="print">
+            <a:duotone>
+              <a:schemeClr val="accent3">
+                <a:shade val="45000"/>
+                <a:satMod val="135000"/>
+              </a:schemeClr>
+              <a:prstClr val="white"/>
+            </a:duotone>
+            <a:extLst>
+              <a:ext uri="{28A0092B-C50C-407E-A947-70E740481C1C}">
+                <a14:useLocalDpi xmlns:a14="http://schemas.microsoft.com/office/drawing/2010/main" val="0"/>
+              </a:ext>
+            </a:extLst>
+          </a:blip>
+          <a:stretch>
+            <a:fillRect/>
+          </a:stretch>
+        </p:blipFill>
+        <p:spPr>
+          <a:xfrm>
+            <a:off x="8768084" y="1907789"/>
+            <a:ext cx="488185" cy="538722"/>
+          </a:xfrm>
+          <a:prstGeom prst="rect">
+            <a:avLst/>
+          </a:prstGeom>
+        </p:spPr>
+      </p:pic>
+      <p:pic>
+        <p:nvPicPr>
+          <p:cNvPr id="182" name="Picture 181">
+            <a:extLst>
+              <a:ext uri="{FF2B5EF4-FFF2-40B4-BE49-F238E27FC236}">
+                <a16:creationId xmlns:a16="http://schemas.microsoft.com/office/drawing/2014/main" id="{F669EA88-DC0B-4BF3-ADE8-71B211C66D74}"/>
+              </a:ext>
+            </a:extLst>
+          </p:cNvPr>
+          <p:cNvPicPr>
+            <a:picLocks noChangeAspect="1"/>
+          </p:cNvPicPr>
+          <p:nvPr/>
+        </p:nvPicPr>
+        <p:blipFill>
+          <a:blip r:embed="rId6" cstate="print">
+            <a:duotone>
+              <a:schemeClr val="accent5">
+                <a:shade val="45000"/>
+                <a:satMod val="135000"/>
+              </a:schemeClr>
+              <a:prstClr val="white"/>
+            </a:duotone>
+            <a:extLst>
+              <a:ext uri="{28A0092B-C50C-407E-A947-70E740481C1C}">
+                <a14:useLocalDpi xmlns:a14="http://schemas.microsoft.com/office/drawing/2010/main" val="0"/>
+              </a:ext>
+            </a:extLst>
+          </a:blip>
+          <a:stretch>
+            <a:fillRect/>
+          </a:stretch>
+        </p:blipFill>
+        <p:spPr>
+          <a:xfrm rot="10800000" flipV="1">
+            <a:off x="9888125" y="1985664"/>
+            <a:ext cx="399746" cy="399746"/>
+          </a:xfrm>
+          <a:prstGeom prst="rect">
+            <a:avLst/>
+          </a:prstGeom>
+        </p:spPr>
+      </p:pic>
+      <p:sp>
+        <p:nvSpPr>
+          <p:cNvPr id="183" name="Rectangle 182">
+            <a:extLst>
+              <a:ext uri="{FF2B5EF4-FFF2-40B4-BE49-F238E27FC236}">
+                <a16:creationId xmlns:a16="http://schemas.microsoft.com/office/drawing/2014/main" id="{31A90AC8-1FAA-4FFB-87D1-E2519A3B7252}"/>
+              </a:ext>
+            </a:extLst>
+          </p:cNvPr>
+          <p:cNvSpPr/>
+          <p:nvPr/>
+        </p:nvSpPr>
+        <p:spPr>
+          <a:xfrm>
+            <a:off x="7434475" y="3249710"/>
+            <a:ext cx="949260" cy="414949"/>
+          </a:xfrm>
+          <a:prstGeom prst="rect">
             <a:avLst/>
           </a:prstGeom>
         </p:spPr>
@@ -4171,10 +6020,10 @@
       </p:sp>
       <p:sp>
         <p:nvSpPr>
-          <p:cNvPr id="45" name="Oval 44">
-            <a:extLst>
-              <a:ext uri="{FF2B5EF4-FFF2-40B4-BE49-F238E27FC236}">
-                <a16:creationId xmlns:a16="http://schemas.microsoft.com/office/drawing/2014/main" id="{1F9A6F0C-7E04-43CD-AAE6-8C876CCA459D}"/>
+          <p:cNvPr id="184" name="Rectangle 183">
+            <a:extLst>
+              <a:ext uri="{FF2B5EF4-FFF2-40B4-BE49-F238E27FC236}">
+                <a16:creationId xmlns:a16="http://schemas.microsoft.com/office/drawing/2014/main" id="{DB453C06-F321-470F-8DDD-98A8245D4095}"/>
               </a:ext>
             </a:extLst>
           </p:cNvPr>
@@ -4183,10 +6032,10 @@
         </p:nvSpPr>
         <p:spPr>
           <a:xfrm>
-            <a:off x="2981740" y="4325474"/>
-            <a:ext cx="410817" cy="369332"/>
-          </a:xfrm>
-          <a:prstGeom prst="ellipse">
+            <a:off x="9712308" y="3249710"/>
+            <a:ext cx="849601" cy="421642"/>
+          </a:xfrm>
+          <a:prstGeom prst="rect">
             <a:avLst/>
           </a:prstGeom>
         </p:spPr>
@@ -4215,10 +6064,10 @@
       </p:sp>
       <p:sp>
         <p:nvSpPr>
-          <p:cNvPr id="46" name="Oval 45">
-            <a:extLst>
-              <a:ext uri="{FF2B5EF4-FFF2-40B4-BE49-F238E27FC236}">
-                <a16:creationId xmlns:a16="http://schemas.microsoft.com/office/drawing/2014/main" id="{5894469B-225D-4B44-BE58-F229AB730D67}"/>
+          <p:cNvPr id="185" name="Rectangle 184">
+            <a:extLst>
+              <a:ext uri="{FF2B5EF4-FFF2-40B4-BE49-F238E27FC236}">
+                <a16:creationId xmlns:a16="http://schemas.microsoft.com/office/drawing/2014/main" id="{8E74379F-F5D8-4A84-B530-FA9906B4B332}"/>
               </a:ext>
             </a:extLst>
           </p:cNvPr>
@@ -4227,10 +6076,10 @@
         </p:nvSpPr>
         <p:spPr>
           <a:xfrm>
-            <a:off x="3690734" y="4325474"/>
-            <a:ext cx="410817" cy="369332"/>
-          </a:xfrm>
-          <a:prstGeom prst="ellipse">
+            <a:off x="7354480" y="2728376"/>
+            <a:ext cx="849601" cy="352356"/>
+          </a:xfrm>
+          <a:prstGeom prst="rect">
             <a:avLst/>
           </a:prstGeom>
         </p:spPr>
@@ -4253,16 +6102,149 @@
           <a:lstStyle/>
           <a:p>
             <a:pPr algn="ctr"/>
-            <a:endParaRPr lang="en-US"/>
-          </a:p>
-        </p:txBody>
-      </p:sp>
-      <p:sp>
-        <p:nvSpPr>
-          <p:cNvPr id="47" name="Oval 46">
-            <a:extLst>
-              <a:ext uri="{FF2B5EF4-FFF2-40B4-BE49-F238E27FC236}">
-                <a16:creationId xmlns:a16="http://schemas.microsoft.com/office/drawing/2014/main" id="{65A3AFEC-A77C-41B6-8F88-C989DD76C0F4}"/>
+            <a:r>
+              <a:rPr lang="en-US" dirty="0" err="1"/>
+              <a:t>Thứ</a:t>
+            </a:r>
+            <a:r>
+              <a:rPr lang="en-US" dirty="0"/>
+              <a:t> 3</a:t>
+            </a:r>
+          </a:p>
+        </p:txBody>
+      </p:sp>
+      <p:cxnSp>
+        <p:nvCxnSpPr>
+          <p:cNvPr id="186" name="Straight Connector 185">
+            <a:extLst>
+              <a:ext uri="{FF2B5EF4-FFF2-40B4-BE49-F238E27FC236}">
+                <a16:creationId xmlns:a16="http://schemas.microsoft.com/office/drawing/2014/main" id="{32D46ADB-879F-422F-A7FB-205DB7189DB2}"/>
+              </a:ext>
+            </a:extLst>
+          </p:cNvPr>
+          <p:cNvCxnSpPr>
+            <a:cxnSpLocks/>
+          </p:cNvCxnSpPr>
+          <p:nvPr/>
+        </p:nvCxnSpPr>
+        <p:spPr>
+          <a:xfrm>
+            <a:off x="8298023" y="3080732"/>
+            <a:ext cx="2265166" cy="0"/>
+          </a:xfrm>
+          <a:prstGeom prst="line">
+            <a:avLst/>
+          </a:prstGeom>
+        </p:spPr>
+        <p:style>
+          <a:lnRef idx="1">
+            <a:schemeClr val="accent1"/>
+          </a:lnRef>
+          <a:fillRef idx="0">
+            <a:schemeClr val="accent1"/>
+          </a:fillRef>
+          <a:effectRef idx="0">
+            <a:schemeClr val="accent1"/>
+          </a:effectRef>
+          <a:fontRef idx="minor">
+            <a:schemeClr val="tx1"/>
+          </a:fontRef>
+        </p:style>
+      </p:cxnSp>
+      <p:sp>
+        <p:nvSpPr>
+          <p:cNvPr id="187" name="TextBox 186">
+            <a:extLst>
+              <a:ext uri="{FF2B5EF4-FFF2-40B4-BE49-F238E27FC236}">
+                <a16:creationId xmlns:a16="http://schemas.microsoft.com/office/drawing/2014/main" id="{CEEAE792-06D7-4432-8EC6-77E4386C9346}"/>
+              </a:ext>
+            </a:extLst>
+          </p:cNvPr>
+          <p:cNvSpPr txBox="1"/>
+          <p:nvPr/>
+        </p:nvSpPr>
+        <p:spPr>
+          <a:xfrm>
+            <a:off x="8464955" y="2668329"/>
+            <a:ext cx="1899494" cy="369332"/>
+          </a:xfrm>
+          <a:prstGeom prst="rect">
+            <a:avLst/>
+          </a:prstGeom>
+          <a:noFill/>
+        </p:spPr>
+        <p:txBody>
+          <a:bodyPr wrap="none" rtlCol="0">
+            <a:spAutoFit/>
+          </a:bodyPr>
+          <a:lstStyle/>
+          <a:p>
+            <a:r>
+              <a:rPr lang="en-US" dirty="0" err="1"/>
+              <a:t>Ngày</a:t>
+            </a:r>
+            <a:r>
+              <a:rPr lang="en-US" dirty="0"/>
+              <a:t>/ </a:t>
+            </a:r>
+            <a:r>
+              <a:rPr lang="en-US" dirty="0" err="1"/>
+              <a:t>tháng</a:t>
+            </a:r>
+            <a:r>
+              <a:rPr lang="en-US" dirty="0"/>
+              <a:t>/ </a:t>
+            </a:r>
+            <a:r>
+              <a:rPr lang="en-US" dirty="0" err="1"/>
+              <a:t>năm</a:t>
+            </a:r>
+            <a:endParaRPr lang="en-US" dirty="0"/>
+          </a:p>
+        </p:txBody>
+      </p:sp>
+      <p:pic>
+        <p:nvPicPr>
+          <p:cNvPr id="188" name="Picture 187">
+            <a:extLst>
+              <a:ext uri="{FF2B5EF4-FFF2-40B4-BE49-F238E27FC236}">
+                <a16:creationId xmlns:a16="http://schemas.microsoft.com/office/drawing/2014/main" id="{BE879624-C886-497F-B242-7A9090F0432A}"/>
+              </a:ext>
+            </a:extLst>
+          </p:cNvPr>
+          <p:cNvPicPr>
+            <a:picLocks noChangeAspect="1"/>
+          </p:cNvPicPr>
+          <p:nvPr/>
+        </p:nvPicPr>
+        <p:blipFill>
+          <a:blip r:embed="rId7" cstate="print">
+            <a:extLst>
+              <a:ext uri="{28A0092B-C50C-407E-A947-70E740481C1C}">
+                <a14:useLocalDpi xmlns:a14="http://schemas.microsoft.com/office/drawing/2010/main" val="0"/>
+              </a:ext>
+            </a:extLst>
+          </a:blip>
+          <a:stretch>
+            <a:fillRect/>
+          </a:stretch>
+        </p:blipFill>
+        <p:spPr>
+          <a:xfrm>
+            <a:off x="7632554" y="3272786"/>
+            <a:ext cx="540828" cy="378974"/>
+          </a:xfrm>
+          <a:prstGeom prst="rect">
+            <a:avLst/>
+          </a:prstGeom>
+        </p:spPr>
+      </p:pic>
+      <p:sp>
+        <p:nvSpPr>
+          <p:cNvPr id="189" name="Rectangle 188">
+            <a:extLst>
+              <a:ext uri="{FF2B5EF4-FFF2-40B4-BE49-F238E27FC236}">
+                <a16:creationId xmlns:a16="http://schemas.microsoft.com/office/drawing/2014/main" id="{E95AE43D-CC62-41F4-ABDF-4D0783C7080E}"/>
               </a:ext>
             </a:extLst>
           </p:cNvPr>
@@ -4271,10 +6253,10 @@
         </p:nvSpPr>
         <p:spPr>
           <a:xfrm>
-            <a:off x="4370023" y="4325474"/>
-            <a:ext cx="410817" cy="369332"/>
-          </a:xfrm>
-          <a:prstGeom prst="ellipse">
+            <a:off x="8581311" y="3264917"/>
+            <a:ext cx="907630" cy="386842"/>
+          </a:xfrm>
+          <a:prstGeom prst="rect">
             <a:avLst/>
           </a:prstGeom>
         </p:spPr>
@@ -4301,12 +6283,92 @@
           </a:p>
         </p:txBody>
       </p:sp>
-      <p:sp>
-        <p:nvSpPr>
-          <p:cNvPr id="48" name="Oval 47">
-            <a:extLst>
-              <a:ext uri="{FF2B5EF4-FFF2-40B4-BE49-F238E27FC236}">
-                <a16:creationId xmlns:a16="http://schemas.microsoft.com/office/drawing/2014/main" id="{7C1548EB-896B-4A72-9334-CB17F1826B86}"/>
+      <p:pic>
+        <p:nvPicPr>
+          <p:cNvPr id="190" name="Picture 189">
+            <a:extLst>
+              <a:ext uri="{FF2B5EF4-FFF2-40B4-BE49-F238E27FC236}">
+                <a16:creationId xmlns:a16="http://schemas.microsoft.com/office/drawing/2014/main" id="{C5541447-34FA-48F0-88B0-1B52EF9E0A94}"/>
+              </a:ext>
+            </a:extLst>
+          </p:cNvPr>
+          <p:cNvPicPr>
+            <a:picLocks noChangeAspect="1"/>
+          </p:cNvPicPr>
+          <p:nvPr/>
+        </p:nvPicPr>
+        <p:blipFill>
+          <a:blip r:embed="rId5" cstate="print">
+            <a:duotone>
+              <a:schemeClr val="accent3">
+                <a:shade val="45000"/>
+                <a:satMod val="135000"/>
+              </a:schemeClr>
+              <a:prstClr val="white"/>
+            </a:duotone>
+            <a:extLst>
+              <a:ext uri="{28A0092B-C50C-407E-A947-70E740481C1C}">
+                <a14:useLocalDpi xmlns:a14="http://schemas.microsoft.com/office/drawing/2010/main" val="0"/>
+              </a:ext>
+            </a:extLst>
+          </a:blip>
+          <a:stretch>
+            <a:fillRect/>
+          </a:stretch>
+        </p:blipFill>
+        <p:spPr>
+          <a:xfrm>
+            <a:off x="8801216" y="3213129"/>
+            <a:ext cx="488185" cy="538722"/>
+          </a:xfrm>
+          <a:prstGeom prst="rect">
+            <a:avLst/>
+          </a:prstGeom>
+        </p:spPr>
+      </p:pic>
+      <p:pic>
+        <p:nvPicPr>
+          <p:cNvPr id="191" name="Picture 190">
+            <a:extLst>
+              <a:ext uri="{FF2B5EF4-FFF2-40B4-BE49-F238E27FC236}">
+                <a16:creationId xmlns:a16="http://schemas.microsoft.com/office/drawing/2014/main" id="{2655B692-A1D0-4878-A01E-63EC65B7CE6E}"/>
+              </a:ext>
+            </a:extLst>
+          </p:cNvPr>
+          <p:cNvPicPr>
+            <a:picLocks noChangeAspect="1"/>
+          </p:cNvPicPr>
+          <p:nvPr/>
+        </p:nvPicPr>
+        <p:blipFill>
+          <a:blip r:embed="rId6" cstate="print">
+            <a:biLevel thresh="75000"/>
+            <a:extLst>
+              <a:ext uri="{28A0092B-C50C-407E-A947-70E740481C1C}">
+                <a14:useLocalDpi xmlns:a14="http://schemas.microsoft.com/office/drawing/2010/main" val="0"/>
+              </a:ext>
+            </a:extLst>
+          </a:blip>
+          <a:stretch>
+            <a:fillRect/>
+          </a:stretch>
+        </p:blipFill>
+        <p:spPr>
+          <a:xfrm rot="10800000" flipV="1">
+            <a:off x="9921257" y="3291004"/>
+            <a:ext cx="399746" cy="399746"/>
+          </a:xfrm>
+          <a:prstGeom prst="rect">
+            <a:avLst/>
+          </a:prstGeom>
+        </p:spPr>
+      </p:pic>
+      <p:sp>
+        <p:nvSpPr>
+          <p:cNvPr id="192" name="Rectangle 191">
+            <a:extLst>
+              <a:ext uri="{FF2B5EF4-FFF2-40B4-BE49-F238E27FC236}">
+                <a16:creationId xmlns:a16="http://schemas.microsoft.com/office/drawing/2014/main" id="{22A60EC7-1346-4820-B291-02FEFCAB5857}"/>
               </a:ext>
             </a:extLst>
           </p:cNvPr>
@@ -4315,10 +6377,10 @@
         </p:nvSpPr>
         <p:spPr>
           <a:xfrm>
-            <a:off x="2991679" y="5082624"/>
-            <a:ext cx="410817" cy="369332"/>
-          </a:xfrm>
-          <a:prstGeom prst="ellipse">
+            <a:off x="7460979" y="4667696"/>
+            <a:ext cx="960788" cy="427766"/>
+          </a:xfrm>
+          <a:prstGeom prst="rect">
             <a:avLst/>
           </a:prstGeom>
         </p:spPr>
@@ -4347,10 +6409,10 @@
       </p:sp>
       <p:sp>
         <p:nvSpPr>
-          <p:cNvPr id="49" name="Oval 48">
-            <a:extLst>
-              <a:ext uri="{FF2B5EF4-FFF2-40B4-BE49-F238E27FC236}">
-                <a16:creationId xmlns:a16="http://schemas.microsoft.com/office/drawing/2014/main" id="{8378FCC4-5D4A-4124-BBAD-30D4B5D723A6}"/>
+          <p:cNvPr id="193" name="Rectangle 192">
+            <a:extLst>
+              <a:ext uri="{FF2B5EF4-FFF2-40B4-BE49-F238E27FC236}">
+                <a16:creationId xmlns:a16="http://schemas.microsoft.com/office/drawing/2014/main" id="{2C41329D-D770-4964-9378-DBAE9ED827BE}"/>
               </a:ext>
             </a:extLst>
           </p:cNvPr>
@@ -4359,10 +6421,10 @@
         </p:nvSpPr>
         <p:spPr>
           <a:xfrm>
-            <a:off x="3690734" y="5082624"/>
-            <a:ext cx="410817" cy="369332"/>
-          </a:xfrm>
-          <a:prstGeom prst="ellipse">
+            <a:off x="9723100" y="4665917"/>
+            <a:ext cx="849601" cy="416727"/>
+          </a:xfrm>
+          <a:prstGeom prst="rect">
             <a:avLst/>
           </a:prstGeom>
         </p:spPr>
@@ -4391,10 +6453,10 @@
       </p:sp>
       <p:sp>
         <p:nvSpPr>
-          <p:cNvPr id="50" name="Oval 49">
-            <a:extLst>
-              <a:ext uri="{FF2B5EF4-FFF2-40B4-BE49-F238E27FC236}">
-                <a16:creationId xmlns:a16="http://schemas.microsoft.com/office/drawing/2014/main" id="{484834B3-06D0-4CDE-9E5B-571672817D96}"/>
+          <p:cNvPr id="194" name="Rectangle 193">
+            <a:extLst>
+              <a:ext uri="{FF2B5EF4-FFF2-40B4-BE49-F238E27FC236}">
+                <a16:creationId xmlns:a16="http://schemas.microsoft.com/office/drawing/2014/main" id="{D6A24D01-2F84-4480-909B-E41349A1AA7E}"/>
               </a:ext>
             </a:extLst>
           </p:cNvPr>
@@ -4403,10 +6465,10 @@
         </p:nvSpPr>
         <p:spPr>
           <a:xfrm>
-            <a:off x="4370023" y="5082624"/>
-            <a:ext cx="410817" cy="369332"/>
-          </a:xfrm>
-          <a:prstGeom prst="ellipse">
+            <a:off x="7380984" y="4146362"/>
+            <a:ext cx="849601" cy="352356"/>
+          </a:xfrm>
+          <a:prstGeom prst="rect">
             <a:avLst/>
           </a:prstGeom>
         </p:spPr>
@@ -4429,65 +6491,149 @@
           <a:lstStyle/>
           <a:p>
             <a:pPr algn="ctr"/>
-            <a:endParaRPr lang="en-US"/>
-          </a:p>
-        </p:txBody>
-      </p:sp>
-      <p:sp>
-        <p:nvSpPr>
-          <p:cNvPr id="52" name="Oval 51">
-            <a:extLst>
-              <a:ext uri="{FF2B5EF4-FFF2-40B4-BE49-F238E27FC236}">
-                <a16:creationId xmlns:a16="http://schemas.microsoft.com/office/drawing/2014/main" id="{096030D5-DA5B-4D9F-BDEA-E76BD2696C6A}"/>
-              </a:ext>
-            </a:extLst>
-          </p:cNvPr>
-          <p:cNvSpPr/>
-          <p:nvPr/>
-        </p:nvSpPr>
-        <p:spPr>
-          <a:xfrm>
-            <a:off x="4310271" y="5839774"/>
-            <a:ext cx="560138" cy="563217"/>
-          </a:xfrm>
-          <a:prstGeom prst="ellipse">
-            <a:avLst/>
-          </a:prstGeom>
-          <a:solidFill>
-            <a:schemeClr val="accent2"/>
-          </a:solidFill>
+            <a:r>
+              <a:rPr lang="en-US" dirty="0" err="1"/>
+              <a:t>Thứ</a:t>
+            </a:r>
+            <a:r>
+              <a:rPr lang="en-US" dirty="0"/>
+              <a:t> 4</a:t>
+            </a:r>
+          </a:p>
+        </p:txBody>
+      </p:sp>
+      <p:cxnSp>
+        <p:nvCxnSpPr>
+          <p:cNvPr id="195" name="Straight Connector 194">
+            <a:extLst>
+              <a:ext uri="{FF2B5EF4-FFF2-40B4-BE49-F238E27FC236}">
+                <a16:creationId xmlns:a16="http://schemas.microsoft.com/office/drawing/2014/main" id="{3F29C20D-BCAD-48E5-AEDC-BA09062D4004}"/>
+              </a:ext>
+            </a:extLst>
+          </p:cNvPr>
+          <p:cNvCxnSpPr>
+            <a:cxnSpLocks/>
+          </p:cNvCxnSpPr>
+          <p:nvPr/>
+        </p:nvCxnSpPr>
+        <p:spPr>
+          <a:xfrm>
+            <a:off x="8324527" y="4498718"/>
+            <a:ext cx="2265166" cy="0"/>
+          </a:xfrm>
+          <a:prstGeom prst="line">
+            <a:avLst/>
+          </a:prstGeom>
         </p:spPr>
         <p:style>
-          <a:lnRef idx="2">
-            <a:schemeClr val="accent1">
-              <a:shade val="50000"/>
-            </a:schemeClr>
+          <a:lnRef idx="1">
+            <a:schemeClr val="accent1"/>
           </a:lnRef>
-          <a:fillRef idx="1">
+          <a:fillRef idx="0">
             <a:schemeClr val="accent1"/>
           </a:fillRef>
           <a:effectRef idx="0">
             <a:schemeClr val="accent1"/>
           </a:effectRef>
           <a:fontRef idx="minor">
-            <a:schemeClr val="lt1"/>
+            <a:schemeClr val="tx1"/>
           </a:fontRef>
         </p:style>
-        <p:txBody>
-          <a:bodyPr rtlCol="0" anchor="ctr"/>
-          <a:lstStyle/>
-          <a:p>
-            <a:pPr algn="ctr"/>
-            <a:endParaRPr lang="en-US"/>
-          </a:p>
-        </p:txBody>
-      </p:sp>
-      <p:sp>
-        <p:nvSpPr>
-          <p:cNvPr id="57" name="Oval 56">
-            <a:extLst>
-              <a:ext uri="{FF2B5EF4-FFF2-40B4-BE49-F238E27FC236}">
-                <a16:creationId xmlns:a16="http://schemas.microsoft.com/office/drawing/2014/main" id="{9848BEF3-3707-4A52-8C60-C919B9182363}"/>
+      </p:cxnSp>
+      <p:sp>
+        <p:nvSpPr>
+          <p:cNvPr id="196" name="TextBox 195">
+            <a:extLst>
+              <a:ext uri="{FF2B5EF4-FFF2-40B4-BE49-F238E27FC236}">
+                <a16:creationId xmlns:a16="http://schemas.microsoft.com/office/drawing/2014/main" id="{DC251C6D-AA64-40D6-A8DF-C02848BE1940}"/>
+              </a:ext>
+            </a:extLst>
+          </p:cNvPr>
+          <p:cNvSpPr txBox="1"/>
+          <p:nvPr/>
+        </p:nvSpPr>
+        <p:spPr>
+          <a:xfrm>
+            <a:off x="8491459" y="4086315"/>
+            <a:ext cx="1899494" cy="369332"/>
+          </a:xfrm>
+          <a:prstGeom prst="rect">
+            <a:avLst/>
+          </a:prstGeom>
+          <a:noFill/>
+        </p:spPr>
+        <p:txBody>
+          <a:bodyPr wrap="none" rtlCol="0">
+            <a:spAutoFit/>
+          </a:bodyPr>
+          <a:lstStyle/>
+          <a:p>
+            <a:r>
+              <a:rPr lang="en-US" dirty="0" err="1"/>
+              <a:t>Ngày</a:t>
+            </a:r>
+            <a:r>
+              <a:rPr lang="en-US" dirty="0"/>
+              <a:t>/ </a:t>
+            </a:r>
+            <a:r>
+              <a:rPr lang="en-US" dirty="0" err="1"/>
+              <a:t>tháng</a:t>
+            </a:r>
+            <a:r>
+              <a:rPr lang="en-US" dirty="0"/>
+              <a:t>/ </a:t>
+            </a:r>
+            <a:r>
+              <a:rPr lang="en-US" dirty="0" err="1"/>
+              <a:t>năm</a:t>
+            </a:r>
+            <a:endParaRPr lang="en-US" dirty="0"/>
+          </a:p>
+        </p:txBody>
+      </p:sp>
+      <p:pic>
+        <p:nvPicPr>
+          <p:cNvPr id="197" name="Picture 196">
+            <a:extLst>
+              <a:ext uri="{FF2B5EF4-FFF2-40B4-BE49-F238E27FC236}">
+                <a16:creationId xmlns:a16="http://schemas.microsoft.com/office/drawing/2014/main" id="{475664F7-2295-400D-A329-7A7F63A3D2B8}"/>
+              </a:ext>
+            </a:extLst>
+          </p:cNvPr>
+          <p:cNvPicPr>
+            <a:picLocks noChangeAspect="1"/>
+          </p:cNvPicPr>
+          <p:nvPr/>
+        </p:nvPicPr>
+        <p:blipFill>
+          <a:blip r:embed="rId7" cstate="print">
+            <a:extLst>
+              <a:ext uri="{28A0092B-C50C-407E-A947-70E740481C1C}">
+                <a14:useLocalDpi xmlns:a14="http://schemas.microsoft.com/office/drawing/2010/main" val="0"/>
+              </a:ext>
+            </a:extLst>
+          </a:blip>
+          <a:stretch>
+            <a:fillRect/>
+          </a:stretch>
+        </p:blipFill>
+        <p:spPr>
+          <a:xfrm>
+            <a:off x="7659058" y="4690771"/>
+            <a:ext cx="540828" cy="391439"/>
+          </a:xfrm>
+          <a:prstGeom prst="rect">
+            <a:avLst/>
+          </a:prstGeom>
+        </p:spPr>
+      </p:pic>
+      <p:sp>
+        <p:nvSpPr>
+          <p:cNvPr id="198" name="Rectangle 197">
+            <a:extLst>
+              <a:ext uri="{FF2B5EF4-FFF2-40B4-BE49-F238E27FC236}">
+                <a16:creationId xmlns:a16="http://schemas.microsoft.com/office/drawing/2014/main" id="{CFF03D4D-93B4-4658-9A48-4C7EB63573CB}"/>
               </a:ext>
             </a:extLst>
           </p:cNvPr>
@@ -4496,10 +6642,10 @@
         </p:nvSpPr>
         <p:spPr>
           <a:xfrm>
-            <a:off x="2908553" y="400777"/>
-            <a:ext cx="410817" cy="369332"/>
-          </a:xfrm>
-          <a:prstGeom prst="ellipse">
+            <a:off x="8607815" y="4682903"/>
+            <a:ext cx="907630" cy="386842"/>
+          </a:xfrm>
+          <a:prstGeom prst="rect">
             <a:avLst/>
           </a:prstGeom>
         </p:spPr>
@@ -4522,19 +6668,96 @@
           <a:lstStyle/>
           <a:p>
             <a:pPr algn="ctr"/>
-            <a:r>
-              <a:rPr lang="en-US" dirty="0"/>
-              <a:t>s</a:t>
-            </a:r>
-          </a:p>
-        </p:txBody>
-      </p:sp>
-      <p:sp>
-        <p:nvSpPr>
-          <p:cNvPr id="58" name="Oval 57">
-            <a:extLst>
-              <a:ext uri="{FF2B5EF4-FFF2-40B4-BE49-F238E27FC236}">
-                <a16:creationId xmlns:a16="http://schemas.microsoft.com/office/drawing/2014/main" id="{DE46F206-C35C-4635-B155-7E844A60311B}"/>
+            <a:endParaRPr lang="en-US"/>
+          </a:p>
+        </p:txBody>
+      </p:sp>
+      <p:pic>
+        <p:nvPicPr>
+          <p:cNvPr id="199" name="Picture 198">
+            <a:extLst>
+              <a:ext uri="{FF2B5EF4-FFF2-40B4-BE49-F238E27FC236}">
+                <a16:creationId xmlns:a16="http://schemas.microsoft.com/office/drawing/2014/main" id="{5F672653-E4CE-4BFB-AAD3-12E0104FB4A8}"/>
+              </a:ext>
+            </a:extLst>
+          </p:cNvPr>
+          <p:cNvPicPr>
+            <a:picLocks noChangeAspect="1"/>
+          </p:cNvPicPr>
+          <p:nvPr/>
+        </p:nvPicPr>
+        <p:blipFill>
+          <a:blip r:embed="rId5" cstate="print">
+            <a:duotone>
+              <a:schemeClr val="accent3">
+                <a:shade val="45000"/>
+                <a:satMod val="135000"/>
+              </a:schemeClr>
+              <a:prstClr val="white"/>
+            </a:duotone>
+            <a:extLst>
+              <a:ext uri="{28A0092B-C50C-407E-A947-70E740481C1C}">
+                <a14:useLocalDpi xmlns:a14="http://schemas.microsoft.com/office/drawing/2010/main" val="0"/>
+              </a:ext>
+            </a:extLst>
+          </a:blip>
+          <a:stretch>
+            <a:fillRect/>
+          </a:stretch>
+        </p:blipFill>
+        <p:spPr>
+          <a:xfrm>
+            <a:off x="8827720" y="4631115"/>
+            <a:ext cx="488185" cy="538722"/>
+          </a:xfrm>
+          <a:prstGeom prst="rect">
+            <a:avLst/>
+          </a:prstGeom>
+        </p:spPr>
+      </p:pic>
+      <p:pic>
+        <p:nvPicPr>
+          <p:cNvPr id="200" name="Picture 199">
+            <a:extLst>
+              <a:ext uri="{FF2B5EF4-FFF2-40B4-BE49-F238E27FC236}">
+                <a16:creationId xmlns:a16="http://schemas.microsoft.com/office/drawing/2014/main" id="{1846D717-73E3-4E43-8EB8-96181B2FCE8E}"/>
+              </a:ext>
+            </a:extLst>
+          </p:cNvPr>
+          <p:cNvPicPr>
+            <a:picLocks noChangeAspect="1"/>
+          </p:cNvPicPr>
+          <p:nvPr/>
+        </p:nvPicPr>
+        <p:blipFill>
+          <a:blip r:embed="rId6" cstate="print">
+            <a:biLevel thresh="75000"/>
+            <a:extLst>
+              <a:ext uri="{28A0092B-C50C-407E-A947-70E740481C1C}">
+                <a14:useLocalDpi xmlns:a14="http://schemas.microsoft.com/office/drawing/2010/main" val="0"/>
+              </a:ext>
+            </a:extLst>
+          </a:blip>
+          <a:stretch>
+            <a:fillRect/>
+          </a:stretch>
+        </p:blipFill>
+        <p:spPr>
+          <a:xfrm rot="10800000" flipV="1">
+            <a:off x="9947761" y="4708990"/>
+            <a:ext cx="399746" cy="399746"/>
+          </a:xfrm>
+          <a:prstGeom prst="rect">
+            <a:avLst/>
+          </a:prstGeom>
+        </p:spPr>
+      </p:pic>
+      <p:sp>
+        <p:nvSpPr>
+          <p:cNvPr id="202" name="Rectangle: Rounded Corners 201">
+            <a:extLst>
+              <a:ext uri="{FF2B5EF4-FFF2-40B4-BE49-F238E27FC236}">
+                <a16:creationId xmlns:a16="http://schemas.microsoft.com/office/drawing/2014/main" id="{52F12523-C9F7-4F17-BF14-B334855E4E60}"/>
               </a:ext>
             </a:extLst>
           </p:cNvPr>
@@ -4543,10 +6766,10 @@
         </p:nvSpPr>
         <p:spPr>
           <a:xfrm>
-            <a:off x="3567848" y="400777"/>
-            <a:ext cx="410817" cy="369332"/>
-          </a:xfrm>
-          <a:prstGeom prst="ellipse">
+            <a:off x="7460979" y="1725462"/>
+            <a:ext cx="3067798" cy="2635360"/>
+          </a:xfrm>
+          <a:prstGeom prst="roundRect">
             <a:avLst/>
           </a:prstGeom>
         </p:spPr>
@@ -4569,19 +6792,76 @@
           <a:lstStyle/>
           <a:p>
             <a:pPr algn="ctr"/>
+            <a:endParaRPr lang="en-US" dirty="0"/>
+          </a:p>
+        </p:txBody>
+      </p:sp>
+      <p:sp>
+        <p:nvSpPr>
+          <p:cNvPr id="203" name="TextBox 202">
+            <a:extLst>
+              <a:ext uri="{FF2B5EF4-FFF2-40B4-BE49-F238E27FC236}">
+                <a16:creationId xmlns:a16="http://schemas.microsoft.com/office/drawing/2014/main" id="{2730E05A-FA9B-407D-8549-87E35B3C6AAC}"/>
+              </a:ext>
+            </a:extLst>
+          </p:cNvPr>
+          <p:cNvSpPr txBox="1"/>
+          <p:nvPr/>
+        </p:nvSpPr>
+        <p:spPr>
+          <a:xfrm>
+            <a:off x="8023251" y="1873931"/>
+            <a:ext cx="1977849" cy="369332"/>
+          </a:xfrm>
+          <a:prstGeom prst="rect">
+            <a:avLst/>
+          </a:prstGeom>
+          <a:noFill/>
+        </p:spPr>
+        <p:txBody>
+          <a:bodyPr wrap="none" rtlCol="0">
+            <a:spAutoFit/>
+          </a:bodyPr>
+          <a:lstStyle/>
+          <a:p>
+            <a:r>
+              <a:rPr lang="en-US" dirty="0" err="1"/>
+              <a:t>Chọn</a:t>
+            </a:r>
             <a:r>
               <a:rPr lang="en-US" dirty="0"/>
-              <a:t>c</a:t>
-            </a:r>
-          </a:p>
-        </p:txBody>
-      </p:sp>
-      <p:sp>
-        <p:nvSpPr>
-          <p:cNvPr id="59" name="Oval 58">
-            <a:extLst>
-              <a:ext uri="{FF2B5EF4-FFF2-40B4-BE49-F238E27FC236}">
-                <a16:creationId xmlns:a16="http://schemas.microsoft.com/office/drawing/2014/main" id="{B24858ED-A34E-40A8-A5B5-5E6CB8945F81}"/>
+              <a:t> </a:t>
+            </a:r>
+            <a:r>
+              <a:rPr lang="en-US" dirty="0" err="1"/>
+              <a:t>ngày</a:t>
+            </a:r>
+            <a:r>
+              <a:rPr lang="en-US" dirty="0"/>
+              <a:t> </a:t>
+            </a:r>
+            <a:r>
+              <a:rPr lang="en-US" dirty="0" err="1"/>
+              <a:t>báo</a:t>
+            </a:r>
+            <a:r>
+              <a:rPr lang="en-US" dirty="0"/>
+              <a:t> </a:t>
+            </a:r>
+            <a:r>
+              <a:rPr lang="en-US" dirty="0" err="1"/>
+              <a:t>bận</a:t>
+            </a:r>
+            <a:endParaRPr lang="en-US" dirty="0"/>
+          </a:p>
+        </p:txBody>
+      </p:sp>
+      <p:sp>
+        <p:nvSpPr>
+          <p:cNvPr id="205" name="Rectangle: Rounded Corners 204">
+            <a:extLst>
+              <a:ext uri="{FF2B5EF4-FFF2-40B4-BE49-F238E27FC236}">
+                <a16:creationId xmlns:a16="http://schemas.microsoft.com/office/drawing/2014/main" id="{935920B7-954E-4861-BFCB-76489637ACA7}"/>
               </a:ext>
             </a:extLst>
           </p:cNvPr>
@@ -4590,10 +6870,10 @@
         </p:nvSpPr>
         <p:spPr>
           <a:xfrm>
-            <a:off x="4206964" y="400777"/>
-            <a:ext cx="410817" cy="369332"/>
-          </a:xfrm>
-          <a:prstGeom prst="ellipse">
+            <a:off x="7690543" y="2371369"/>
+            <a:ext cx="2564434" cy="733068"/>
+          </a:xfrm>
+          <a:prstGeom prst="roundRect">
             <a:avLst/>
           </a:prstGeom>
         </p:spPr>
@@ -4616,87 +6896,16 @@
           <a:lstStyle/>
           <a:p>
             <a:pPr algn="ctr"/>
-            <a:r>
-              <a:rPr lang="en-US" dirty="0"/>
-              <a:t>t</a:t>
-            </a:r>
-          </a:p>
-        </p:txBody>
-      </p:sp>
-      <p:sp>
-        <p:nvSpPr>
-          <p:cNvPr id="60" name="TextBox 59">
-            <a:extLst>
-              <a:ext uri="{FF2B5EF4-FFF2-40B4-BE49-F238E27FC236}">
-                <a16:creationId xmlns:a16="http://schemas.microsoft.com/office/drawing/2014/main" id="{AD3CE79F-1217-47F1-85AD-BB6E0F884F00}"/>
-              </a:ext>
-            </a:extLst>
-          </p:cNvPr>
-          <p:cNvSpPr txBox="1"/>
-          <p:nvPr/>
-        </p:nvSpPr>
-        <p:spPr>
-          <a:xfrm>
-            <a:off x="186137" y="2498035"/>
-            <a:ext cx="1492303" cy="646331"/>
-          </a:xfrm>
-          <a:prstGeom prst="rect">
-            <a:avLst/>
-          </a:prstGeom>
-          <a:noFill/>
-        </p:spPr>
-        <p:txBody>
-          <a:bodyPr wrap="square" rtlCol="0">
-            <a:spAutoFit/>
-          </a:bodyPr>
-          <a:lstStyle/>
-          <a:p>
-            <a:r>
-              <a:rPr lang="en-US" dirty="0" err="1"/>
-              <a:t>Lịch</a:t>
-            </a:r>
-            <a:r>
-              <a:rPr lang="en-US" dirty="0"/>
-              <a:t> </a:t>
-            </a:r>
-            <a:r>
-              <a:rPr lang="en-US" dirty="0" err="1"/>
-              <a:t>làm</a:t>
-            </a:r>
-            <a:r>
-              <a:rPr lang="en-US" dirty="0"/>
-              <a:t> </a:t>
-            </a:r>
-            <a:r>
-              <a:rPr lang="en-US" dirty="0" err="1"/>
-              <a:t>việc</a:t>
-            </a:r>
-            <a:r>
-              <a:rPr lang="en-US" dirty="0"/>
-              <a:t> </a:t>
-            </a:r>
-            <a:r>
-              <a:rPr lang="en-US" dirty="0" err="1"/>
-              <a:t>tuần</a:t>
-            </a:r>
-            <a:r>
-              <a:rPr lang="en-US" dirty="0"/>
-              <a:t> </a:t>
-            </a:r>
-            <a:r>
-              <a:rPr lang="en-US" dirty="0" err="1"/>
-              <a:t>này</a:t>
-            </a:r>
-            <a:endParaRPr lang="en-US" dirty="0"/>
-          </a:p>
-        </p:txBody>
-      </p:sp>
-      <p:sp>
-        <p:nvSpPr>
-          <p:cNvPr id="62" name="Speech Bubble: Rectangle with Corners Rounded 61">
-            <a:extLst>
-              <a:ext uri="{FF2B5EF4-FFF2-40B4-BE49-F238E27FC236}">
-                <a16:creationId xmlns:a16="http://schemas.microsoft.com/office/drawing/2014/main" id="{A6631BC3-F041-49A7-A425-5261C5EB01C5}"/>
+            <a:endParaRPr lang="en-US"/>
+          </a:p>
+        </p:txBody>
+      </p:sp>
+      <p:sp>
+        <p:nvSpPr>
+          <p:cNvPr id="206" name="Isosceles Triangle 205">
+            <a:extLst>
+              <a:ext uri="{FF2B5EF4-FFF2-40B4-BE49-F238E27FC236}">
+                <a16:creationId xmlns:a16="http://schemas.microsoft.com/office/drawing/2014/main" id="{B378D900-C549-4499-BAE2-5270E1A275B8}"/>
               </a:ext>
             </a:extLst>
           </p:cNvPr>
@@ -4704,11 +6913,11 @@
           <p:nvPr/>
         </p:nvSpPr>
         <p:spPr>
-          <a:xfrm>
-            <a:off x="4412372" y="5367204"/>
-            <a:ext cx="1044215" cy="369332"/>
-          </a:xfrm>
-          <a:prstGeom prst="wedgeRoundRectCallout">
+          <a:xfrm rot="10800000">
+            <a:off x="9723100" y="2535572"/>
+            <a:ext cx="399746" cy="420537"/>
+          </a:xfrm>
+          <a:prstGeom prst="triangle">
             <a:avLst/>
           </a:prstGeom>
         </p:spPr>
@@ -4731,28 +6940,16 @@
           <a:lstStyle/>
           <a:p>
             <a:pPr algn="ctr"/>
-            <a:r>
-              <a:rPr lang="en-US" dirty="0" err="1"/>
-              <a:t>Báo</a:t>
-            </a:r>
-            <a:r>
-              <a:rPr lang="en-US" dirty="0"/>
-              <a:t> </a:t>
-            </a:r>
-            <a:r>
-              <a:rPr lang="en-US" dirty="0" err="1"/>
-              <a:t>bận</a:t>
-            </a:r>
-            <a:endParaRPr lang="en-US" dirty="0"/>
-          </a:p>
-        </p:txBody>
-      </p:sp>
-      <p:sp>
-        <p:nvSpPr>
-          <p:cNvPr id="51" name="Oval 50">
-            <a:extLst>
-              <a:ext uri="{FF2B5EF4-FFF2-40B4-BE49-F238E27FC236}">
-                <a16:creationId xmlns:a16="http://schemas.microsoft.com/office/drawing/2014/main" id="{37FD540F-E117-42AC-8F7E-C0D6895E2CCB}"/>
+            <a:endParaRPr lang="en-US"/>
+          </a:p>
+        </p:txBody>
+      </p:sp>
+      <p:sp>
+        <p:nvSpPr>
+          <p:cNvPr id="207" name="Oval 206">
+            <a:extLst>
+              <a:ext uri="{FF2B5EF4-FFF2-40B4-BE49-F238E27FC236}">
+                <a16:creationId xmlns:a16="http://schemas.microsoft.com/office/drawing/2014/main" id="{234B0317-3FC0-4F53-A3B3-BAC7A8138A5A}"/>
               </a:ext>
             </a:extLst>
           </p:cNvPr>
@@ -4761,200 +6958,17 @@
         </p:nvSpPr>
         <p:spPr>
           <a:xfrm>
-            <a:off x="180892" y="3653906"/>
-            <a:ext cx="410817" cy="369332"/>
+            <a:off x="7709237" y="3433226"/>
+            <a:ext cx="960788" cy="552997"/>
           </a:xfrm>
           <a:prstGeom prst="ellipse">
             <a:avLst/>
           </a:prstGeom>
           <a:solidFill>
-            <a:schemeClr val="bg2"/>
-          </a:solidFill>
-        </p:spPr>
-        <p:style>
-          <a:lnRef idx="2">
-            <a:schemeClr val="accent6"/>
-          </a:lnRef>
-          <a:fillRef idx="1">
-            <a:schemeClr val="lt1"/>
-          </a:fillRef>
-          <a:effectRef idx="0">
-            <a:schemeClr val="accent6"/>
-          </a:effectRef>
-          <a:fontRef idx="minor">
-            <a:schemeClr val="dk1"/>
-          </a:fontRef>
-        </p:style>
-        <p:txBody>
-          <a:bodyPr rtlCol="0" anchor="ctr"/>
-          <a:lstStyle/>
-          <a:p>
-            <a:pPr algn="ctr"/>
-            <a:endParaRPr lang="en-US"/>
-          </a:p>
-        </p:txBody>
-      </p:sp>
-      <p:sp>
-        <p:nvSpPr>
-          <p:cNvPr id="53" name="Oval 52">
-            <a:extLst>
-              <a:ext uri="{FF2B5EF4-FFF2-40B4-BE49-F238E27FC236}">
-                <a16:creationId xmlns:a16="http://schemas.microsoft.com/office/drawing/2014/main" id="{F8ECBF9B-C3F0-4262-9F56-5812E8A9ABA1}"/>
-              </a:ext>
-            </a:extLst>
-          </p:cNvPr>
-          <p:cNvSpPr/>
-          <p:nvPr/>
-        </p:nvSpPr>
-        <p:spPr>
-          <a:xfrm>
-            <a:off x="218017" y="4477874"/>
-            <a:ext cx="410817" cy="369332"/>
-          </a:xfrm>
-          <a:prstGeom prst="ellipse">
-            <a:avLst/>
-          </a:prstGeom>
-          <a:solidFill>
-            <a:schemeClr val="accent1"/>
-          </a:solidFill>
-        </p:spPr>
-        <p:style>
-          <a:lnRef idx="2">
-            <a:schemeClr val="accent6"/>
-          </a:lnRef>
-          <a:fillRef idx="1">
-            <a:schemeClr val="lt1"/>
-          </a:fillRef>
-          <a:effectRef idx="0">
-            <a:schemeClr val="accent6"/>
-          </a:effectRef>
-          <a:fontRef idx="minor">
-            <a:schemeClr val="dk1"/>
-          </a:fontRef>
-        </p:style>
-        <p:txBody>
-          <a:bodyPr rtlCol="0" anchor="ctr"/>
-          <a:lstStyle/>
-          <a:p>
-            <a:pPr algn="ctr"/>
-            <a:endParaRPr lang="en-US"/>
-          </a:p>
-        </p:txBody>
-      </p:sp>
-      <p:sp>
-        <p:nvSpPr>
-          <p:cNvPr id="3" name="TextBox 2">
-            <a:extLst>
-              <a:ext uri="{FF2B5EF4-FFF2-40B4-BE49-F238E27FC236}">
-                <a16:creationId xmlns:a16="http://schemas.microsoft.com/office/drawing/2014/main" id="{758C983E-CC5F-4353-9708-51EF49024FDE}"/>
-              </a:ext>
-            </a:extLst>
-          </p:cNvPr>
-          <p:cNvSpPr txBox="1"/>
-          <p:nvPr/>
-        </p:nvSpPr>
-        <p:spPr>
-          <a:xfrm>
-            <a:off x="585613" y="3630319"/>
-            <a:ext cx="1235595" cy="369332"/>
-          </a:xfrm>
-          <a:prstGeom prst="rect">
-            <a:avLst/>
-          </a:prstGeom>
-          <a:noFill/>
-        </p:spPr>
-        <p:txBody>
-          <a:bodyPr wrap="none" rtlCol="0">
-            <a:spAutoFit/>
-          </a:bodyPr>
-          <a:lstStyle/>
-          <a:p>
-            <a:r>
-              <a:rPr lang="en-US" dirty="0"/>
-              <a:t>K </a:t>
-            </a:r>
-            <a:r>
-              <a:rPr lang="en-US" dirty="0" err="1"/>
-              <a:t>có</a:t>
-            </a:r>
-            <a:r>
-              <a:rPr lang="en-US" dirty="0"/>
-              <a:t> ca </a:t>
-            </a:r>
-            <a:r>
-              <a:rPr lang="en-US" dirty="0" err="1"/>
-              <a:t>làm</a:t>
-            </a:r>
-            <a:endParaRPr lang="en-US" dirty="0"/>
-          </a:p>
-        </p:txBody>
-      </p:sp>
-      <p:sp>
-        <p:nvSpPr>
-          <p:cNvPr id="54" name="TextBox 53">
-            <a:extLst>
-              <a:ext uri="{FF2B5EF4-FFF2-40B4-BE49-F238E27FC236}">
-                <a16:creationId xmlns:a16="http://schemas.microsoft.com/office/drawing/2014/main" id="{047E105A-B8FD-4618-A525-47E141813A7F}"/>
-              </a:ext>
-            </a:extLst>
-          </p:cNvPr>
-          <p:cNvSpPr txBox="1"/>
-          <p:nvPr/>
-        </p:nvSpPr>
-        <p:spPr>
-          <a:xfrm>
-            <a:off x="641405" y="4449075"/>
-            <a:ext cx="1090042" cy="369332"/>
-          </a:xfrm>
-          <a:prstGeom prst="rect">
-            <a:avLst/>
-          </a:prstGeom>
-          <a:noFill/>
-        </p:spPr>
-        <p:txBody>
-          <a:bodyPr wrap="none" rtlCol="0">
-            <a:spAutoFit/>
-          </a:bodyPr>
-          <a:lstStyle/>
-          <a:p>
-            <a:r>
-              <a:rPr lang="en-US" dirty="0" err="1"/>
-              <a:t>Có</a:t>
-            </a:r>
-            <a:r>
-              <a:rPr lang="en-US" dirty="0"/>
-              <a:t> ca </a:t>
-            </a:r>
-            <a:r>
-              <a:rPr lang="en-US" dirty="0" err="1"/>
-              <a:t>làm</a:t>
-            </a:r>
-            <a:endParaRPr lang="en-US" dirty="0"/>
-          </a:p>
-        </p:txBody>
-      </p:sp>
-      <p:sp>
-        <p:nvSpPr>
-          <p:cNvPr id="56" name="Rounded Rectangle 1">
-            <a:extLst>
-              <a:ext uri="{FF2B5EF4-FFF2-40B4-BE49-F238E27FC236}">
-                <a16:creationId xmlns:a16="http://schemas.microsoft.com/office/drawing/2014/main" id="{E27C2C35-0D7C-4D62-B057-2977D910FF9E}"/>
-              </a:ext>
-            </a:extLst>
-          </p:cNvPr>
-          <p:cNvSpPr/>
-          <p:nvPr/>
-        </p:nvSpPr>
-        <p:spPr>
-          <a:xfrm>
-            <a:off x="7484046" y="154007"/>
-            <a:ext cx="3412669" cy="6549985"/>
-          </a:xfrm>
-          <a:prstGeom prst="roundRect">
-            <a:avLst/>
-          </a:prstGeom>
-          <a:solidFill>
-            <a:schemeClr val="bg1"/>
+            <a:schemeClr val="accent2">
+              <a:lumMod val="60000"/>
+              <a:lumOff val="40000"/>
+            </a:schemeClr>
           </a:solidFill>
         </p:spPr>
         <p:style>
@@ -4980,17 +6994,17 @@
             <a:pPr algn="ctr"/>
             <a:r>
               <a:rPr lang="en-US" dirty="0"/>
-              <a:t>U</a:t>
-            </a:r>
-          </a:p>
-        </p:txBody>
-      </p:sp>
-      <p:sp>
-        <p:nvSpPr>
-          <p:cNvPr id="61" name="Rectangle: Rounded Corners 60">
-            <a:extLst>
-              <a:ext uri="{FF2B5EF4-FFF2-40B4-BE49-F238E27FC236}">
-                <a16:creationId xmlns:a16="http://schemas.microsoft.com/office/drawing/2014/main" id="{D4E064D8-4DF2-4BF4-8DEF-33B9D77EE0FC}"/>
+              <a:t>OK</a:t>
+            </a:r>
+          </a:p>
+        </p:txBody>
+      </p:sp>
+      <p:sp>
+        <p:nvSpPr>
+          <p:cNvPr id="209" name="Oval 208">
+            <a:extLst>
+              <a:ext uri="{FF2B5EF4-FFF2-40B4-BE49-F238E27FC236}">
+                <a16:creationId xmlns:a16="http://schemas.microsoft.com/office/drawing/2014/main" id="{010C336A-0B1F-4184-9A9D-610967515534}"/>
               </a:ext>
             </a:extLst>
           </p:cNvPr>
@@ -4999,608 +7013,8 @@
         </p:nvSpPr>
         <p:spPr>
           <a:xfrm>
-            <a:off x="7788740" y="1172417"/>
-            <a:ext cx="735724" cy="4515950"/>
-          </a:xfrm>
-          <a:prstGeom prst="roundRect">
-            <a:avLst/>
-          </a:prstGeom>
-        </p:spPr>
-        <p:style>
-          <a:lnRef idx="2">
-            <a:schemeClr val="accent6"/>
-          </a:lnRef>
-          <a:fillRef idx="1">
-            <a:schemeClr val="lt1"/>
-          </a:fillRef>
-          <a:effectRef idx="0">
-            <a:schemeClr val="accent6"/>
-          </a:effectRef>
-          <a:fontRef idx="minor">
-            <a:schemeClr val="dk1"/>
-          </a:fontRef>
-        </p:style>
-        <p:txBody>
-          <a:bodyPr rtlCol="0" anchor="ctr"/>
-          <a:lstStyle/>
-          <a:p>
-            <a:pPr algn="ctr"/>
-            <a:endParaRPr lang="en-US" dirty="0"/>
-          </a:p>
-        </p:txBody>
-      </p:sp>
-      <p:cxnSp>
-        <p:nvCxnSpPr>
-          <p:cNvPr id="63" name="Straight Connector 62">
-            <a:extLst>
-              <a:ext uri="{FF2B5EF4-FFF2-40B4-BE49-F238E27FC236}">
-                <a16:creationId xmlns:a16="http://schemas.microsoft.com/office/drawing/2014/main" id="{7139AEEC-E848-4D34-8174-1B24EDCAB333}"/>
-              </a:ext>
-            </a:extLst>
-          </p:cNvPr>
-          <p:cNvCxnSpPr/>
-          <p:nvPr/>
-        </p:nvCxnSpPr>
-        <p:spPr>
-          <a:xfrm>
-            <a:off x="7805534" y="1623389"/>
-            <a:ext cx="662609" cy="0"/>
-          </a:xfrm>
-          <a:prstGeom prst="line">
-            <a:avLst/>
-          </a:prstGeom>
-        </p:spPr>
-        <p:style>
-          <a:lnRef idx="1">
-            <a:schemeClr val="accent1"/>
-          </a:lnRef>
-          <a:fillRef idx="0">
-            <a:schemeClr val="accent1"/>
-          </a:fillRef>
-          <a:effectRef idx="0">
-            <a:schemeClr val="accent1"/>
-          </a:effectRef>
-          <a:fontRef idx="minor">
-            <a:schemeClr val="tx1"/>
-          </a:fontRef>
-        </p:style>
-      </p:cxnSp>
-      <p:cxnSp>
-        <p:nvCxnSpPr>
-          <p:cNvPr id="64" name="Straight Connector 63">
-            <a:extLst>
-              <a:ext uri="{FF2B5EF4-FFF2-40B4-BE49-F238E27FC236}">
-                <a16:creationId xmlns:a16="http://schemas.microsoft.com/office/drawing/2014/main" id="{ACCE5E7F-0A17-46AB-AE40-2C2DA8ADE6CA}"/>
-              </a:ext>
-            </a:extLst>
-          </p:cNvPr>
-          <p:cNvCxnSpPr/>
-          <p:nvPr/>
-        </p:nvCxnSpPr>
-        <p:spPr>
-          <a:xfrm>
-            <a:off x="7788740" y="2213112"/>
-            <a:ext cx="662609" cy="0"/>
-          </a:xfrm>
-          <a:prstGeom prst="line">
-            <a:avLst/>
-          </a:prstGeom>
-        </p:spPr>
-        <p:style>
-          <a:lnRef idx="1">
-            <a:schemeClr val="accent1"/>
-          </a:lnRef>
-          <a:fillRef idx="0">
-            <a:schemeClr val="accent1"/>
-          </a:fillRef>
-          <a:effectRef idx="0">
-            <a:schemeClr val="accent1"/>
-          </a:effectRef>
-          <a:fontRef idx="minor">
-            <a:schemeClr val="tx1"/>
-          </a:fontRef>
-        </p:style>
-      </p:cxnSp>
-      <p:cxnSp>
-        <p:nvCxnSpPr>
-          <p:cNvPr id="65" name="Straight Connector 64">
-            <a:extLst>
-              <a:ext uri="{FF2B5EF4-FFF2-40B4-BE49-F238E27FC236}">
-                <a16:creationId xmlns:a16="http://schemas.microsoft.com/office/drawing/2014/main" id="{54D8B518-DA38-46F2-A2F4-FBC536EAC9A1}"/>
-              </a:ext>
-            </a:extLst>
-          </p:cNvPr>
-          <p:cNvCxnSpPr/>
-          <p:nvPr/>
-        </p:nvCxnSpPr>
-        <p:spPr>
-          <a:xfrm>
-            <a:off x="7805534" y="2849215"/>
-            <a:ext cx="662609" cy="0"/>
-          </a:xfrm>
-          <a:prstGeom prst="line">
-            <a:avLst/>
-          </a:prstGeom>
-        </p:spPr>
-        <p:style>
-          <a:lnRef idx="1">
-            <a:schemeClr val="accent1"/>
-          </a:lnRef>
-          <a:fillRef idx="0">
-            <a:schemeClr val="accent1"/>
-          </a:fillRef>
-          <a:effectRef idx="0">
-            <a:schemeClr val="accent1"/>
-          </a:effectRef>
-          <a:fontRef idx="minor">
-            <a:schemeClr val="tx1"/>
-          </a:fontRef>
-        </p:style>
-      </p:cxnSp>
-      <p:cxnSp>
-        <p:nvCxnSpPr>
-          <p:cNvPr id="66" name="Straight Connector 65">
-            <a:extLst>
-              <a:ext uri="{FF2B5EF4-FFF2-40B4-BE49-F238E27FC236}">
-                <a16:creationId xmlns:a16="http://schemas.microsoft.com/office/drawing/2014/main" id="{01481778-8EDE-4C8D-A9A2-865BCF5F6625}"/>
-              </a:ext>
-            </a:extLst>
-          </p:cNvPr>
-          <p:cNvCxnSpPr/>
-          <p:nvPr/>
-        </p:nvCxnSpPr>
-        <p:spPr>
-          <a:xfrm>
-            <a:off x="7832038" y="3456896"/>
-            <a:ext cx="662609" cy="0"/>
-          </a:xfrm>
-          <a:prstGeom prst="line">
-            <a:avLst/>
-          </a:prstGeom>
-        </p:spPr>
-        <p:style>
-          <a:lnRef idx="1">
-            <a:schemeClr val="accent1"/>
-          </a:lnRef>
-          <a:fillRef idx="0">
-            <a:schemeClr val="accent1"/>
-          </a:fillRef>
-          <a:effectRef idx="0">
-            <a:schemeClr val="accent1"/>
-          </a:effectRef>
-          <a:fontRef idx="minor">
-            <a:schemeClr val="tx1"/>
-          </a:fontRef>
-        </p:style>
-      </p:cxnSp>
-      <p:cxnSp>
-        <p:nvCxnSpPr>
-          <p:cNvPr id="67" name="Straight Connector 66">
-            <a:extLst>
-              <a:ext uri="{FF2B5EF4-FFF2-40B4-BE49-F238E27FC236}">
-                <a16:creationId xmlns:a16="http://schemas.microsoft.com/office/drawing/2014/main" id="{BBC76504-456B-4D88-8219-62E2BEAC735E}"/>
-              </a:ext>
-            </a:extLst>
-          </p:cNvPr>
-          <p:cNvCxnSpPr/>
-          <p:nvPr/>
-        </p:nvCxnSpPr>
-        <p:spPr>
-          <a:xfrm>
-            <a:off x="7805534" y="4120560"/>
-            <a:ext cx="662609" cy="0"/>
-          </a:xfrm>
-          <a:prstGeom prst="line">
-            <a:avLst/>
-          </a:prstGeom>
-        </p:spPr>
-        <p:style>
-          <a:lnRef idx="1">
-            <a:schemeClr val="accent1"/>
-          </a:lnRef>
-          <a:fillRef idx="0">
-            <a:schemeClr val="accent1"/>
-          </a:fillRef>
-          <a:effectRef idx="0">
-            <a:schemeClr val="accent1"/>
-          </a:effectRef>
-          <a:fontRef idx="minor">
-            <a:schemeClr val="tx1"/>
-          </a:fontRef>
-        </p:style>
-      </p:cxnSp>
-      <p:cxnSp>
-        <p:nvCxnSpPr>
-          <p:cNvPr id="68" name="Straight Connector 67">
-            <a:extLst>
-              <a:ext uri="{FF2B5EF4-FFF2-40B4-BE49-F238E27FC236}">
-                <a16:creationId xmlns:a16="http://schemas.microsoft.com/office/drawing/2014/main" id="{559E9E8A-9EBE-4072-86BA-9CF89B43C019}"/>
-              </a:ext>
-            </a:extLst>
-          </p:cNvPr>
-          <p:cNvCxnSpPr/>
-          <p:nvPr/>
-        </p:nvCxnSpPr>
-        <p:spPr>
-          <a:xfrm>
-            <a:off x="7825297" y="4847206"/>
-            <a:ext cx="662609" cy="0"/>
-          </a:xfrm>
-          <a:prstGeom prst="line">
-            <a:avLst/>
-          </a:prstGeom>
-        </p:spPr>
-        <p:style>
-          <a:lnRef idx="1">
-            <a:schemeClr val="accent1"/>
-          </a:lnRef>
-          <a:fillRef idx="0">
-            <a:schemeClr val="accent1"/>
-          </a:fillRef>
-          <a:effectRef idx="0">
-            <a:schemeClr val="accent1"/>
-          </a:effectRef>
-          <a:fontRef idx="minor">
-            <a:schemeClr val="tx1"/>
-          </a:fontRef>
-        </p:style>
-      </p:cxnSp>
-      <p:sp>
-        <p:nvSpPr>
-          <p:cNvPr id="69" name="TextBox 68">
-            <a:extLst>
-              <a:ext uri="{FF2B5EF4-FFF2-40B4-BE49-F238E27FC236}">
-                <a16:creationId xmlns:a16="http://schemas.microsoft.com/office/drawing/2014/main" id="{A9E5B534-EF1B-455E-A6C3-D0DD769895B4}"/>
-              </a:ext>
-            </a:extLst>
-          </p:cNvPr>
-          <p:cNvSpPr txBox="1"/>
-          <p:nvPr/>
-        </p:nvSpPr>
-        <p:spPr>
-          <a:xfrm>
-            <a:off x="7985402" y="5100950"/>
-            <a:ext cx="404278" cy="369332"/>
-          </a:xfrm>
-          <a:prstGeom prst="rect">
-            <a:avLst/>
-          </a:prstGeom>
-          <a:noFill/>
-        </p:spPr>
-        <p:txBody>
-          <a:bodyPr wrap="none" rtlCol="0">
-            <a:spAutoFit/>
-          </a:bodyPr>
-          <a:lstStyle/>
-          <a:p>
-            <a:r>
-              <a:rPr lang="en-US" dirty="0" err="1"/>
-              <a:t>cn</a:t>
-            </a:r>
-            <a:endParaRPr lang="en-US" dirty="0"/>
-          </a:p>
-        </p:txBody>
-      </p:sp>
-      <p:sp>
-        <p:nvSpPr>
-          <p:cNvPr id="70" name="TextBox 69">
-            <a:extLst>
-              <a:ext uri="{FF2B5EF4-FFF2-40B4-BE49-F238E27FC236}">
-                <a16:creationId xmlns:a16="http://schemas.microsoft.com/office/drawing/2014/main" id="{5D1F7E62-116F-46DB-9F86-680B05B89E89}"/>
-              </a:ext>
-            </a:extLst>
-          </p:cNvPr>
-          <p:cNvSpPr txBox="1"/>
-          <p:nvPr/>
-        </p:nvSpPr>
-        <p:spPr>
-          <a:xfrm>
-            <a:off x="7991061" y="4395013"/>
-            <a:ext cx="301686" cy="369332"/>
-          </a:xfrm>
-          <a:prstGeom prst="rect">
-            <a:avLst/>
-          </a:prstGeom>
-          <a:noFill/>
-        </p:spPr>
-        <p:txBody>
-          <a:bodyPr wrap="none" rtlCol="0">
-            <a:spAutoFit/>
-          </a:bodyPr>
-          <a:lstStyle/>
-          <a:p>
-            <a:r>
-              <a:rPr lang="en-US" dirty="0"/>
-              <a:t>7</a:t>
-            </a:r>
-          </a:p>
-        </p:txBody>
-      </p:sp>
-      <p:sp>
-        <p:nvSpPr>
-          <p:cNvPr id="71" name="TextBox 70">
-            <a:extLst>
-              <a:ext uri="{FF2B5EF4-FFF2-40B4-BE49-F238E27FC236}">
-                <a16:creationId xmlns:a16="http://schemas.microsoft.com/office/drawing/2014/main" id="{8F89A3DA-0104-45BC-83D9-44B7D500393D}"/>
-              </a:ext>
-            </a:extLst>
-          </p:cNvPr>
-          <p:cNvSpPr txBox="1"/>
-          <p:nvPr/>
-        </p:nvSpPr>
-        <p:spPr>
-          <a:xfrm>
-            <a:off x="7983459" y="3598053"/>
-            <a:ext cx="301686" cy="369332"/>
-          </a:xfrm>
-          <a:prstGeom prst="rect">
-            <a:avLst/>
-          </a:prstGeom>
-          <a:noFill/>
-        </p:spPr>
-        <p:txBody>
-          <a:bodyPr wrap="none" rtlCol="0">
-            <a:spAutoFit/>
-          </a:bodyPr>
-          <a:lstStyle/>
-          <a:p>
-            <a:r>
-              <a:rPr lang="en-US" dirty="0"/>
-              <a:t>6</a:t>
-            </a:r>
-          </a:p>
-        </p:txBody>
-      </p:sp>
-      <p:sp>
-        <p:nvSpPr>
-          <p:cNvPr id="72" name="TextBox 71">
-            <a:extLst>
-              <a:ext uri="{FF2B5EF4-FFF2-40B4-BE49-F238E27FC236}">
-                <a16:creationId xmlns:a16="http://schemas.microsoft.com/office/drawing/2014/main" id="{55E39C72-5743-41A9-8393-62783E17336D}"/>
-              </a:ext>
-            </a:extLst>
-          </p:cNvPr>
-          <p:cNvSpPr txBox="1"/>
-          <p:nvPr/>
-        </p:nvSpPr>
-        <p:spPr>
-          <a:xfrm>
-            <a:off x="7991061" y="3025279"/>
-            <a:ext cx="301686" cy="369332"/>
-          </a:xfrm>
-          <a:prstGeom prst="rect">
-            <a:avLst/>
-          </a:prstGeom>
-          <a:noFill/>
-        </p:spPr>
-        <p:txBody>
-          <a:bodyPr wrap="none" rtlCol="0">
-            <a:spAutoFit/>
-          </a:bodyPr>
-          <a:lstStyle/>
-          <a:p>
-            <a:r>
-              <a:rPr lang="en-US" dirty="0"/>
-              <a:t>5</a:t>
-            </a:r>
-          </a:p>
-        </p:txBody>
-      </p:sp>
-      <p:sp>
-        <p:nvSpPr>
-          <p:cNvPr id="73" name="TextBox 72">
-            <a:extLst>
-              <a:ext uri="{FF2B5EF4-FFF2-40B4-BE49-F238E27FC236}">
-                <a16:creationId xmlns:a16="http://schemas.microsoft.com/office/drawing/2014/main" id="{2C619A6C-B1C9-4C6D-B5D1-399750111D98}"/>
-              </a:ext>
-            </a:extLst>
-          </p:cNvPr>
-          <p:cNvSpPr txBox="1"/>
-          <p:nvPr/>
-        </p:nvSpPr>
-        <p:spPr>
-          <a:xfrm>
-            <a:off x="7985995" y="2378700"/>
-            <a:ext cx="301686" cy="369332"/>
-          </a:xfrm>
-          <a:prstGeom prst="rect">
-            <a:avLst/>
-          </a:prstGeom>
-          <a:noFill/>
-        </p:spPr>
-        <p:txBody>
-          <a:bodyPr wrap="none" rtlCol="0">
-            <a:spAutoFit/>
-          </a:bodyPr>
-          <a:lstStyle/>
-          <a:p>
-            <a:r>
-              <a:rPr lang="en-US" dirty="0"/>
-              <a:t>4</a:t>
-            </a:r>
-          </a:p>
-        </p:txBody>
-      </p:sp>
-      <p:sp>
-        <p:nvSpPr>
-          <p:cNvPr id="74" name="TextBox 73">
-            <a:extLst>
-              <a:ext uri="{FF2B5EF4-FFF2-40B4-BE49-F238E27FC236}">
-                <a16:creationId xmlns:a16="http://schemas.microsoft.com/office/drawing/2014/main" id="{F15FA86B-D91F-4836-8967-E0DA255607E2}"/>
-              </a:ext>
-            </a:extLst>
-          </p:cNvPr>
-          <p:cNvSpPr txBox="1"/>
-          <p:nvPr/>
-        </p:nvSpPr>
-        <p:spPr>
-          <a:xfrm>
-            <a:off x="7983459" y="1724509"/>
-            <a:ext cx="301686" cy="369332"/>
-          </a:xfrm>
-          <a:prstGeom prst="rect">
-            <a:avLst/>
-          </a:prstGeom>
-          <a:noFill/>
-        </p:spPr>
-        <p:txBody>
-          <a:bodyPr wrap="none" rtlCol="0">
-            <a:spAutoFit/>
-          </a:bodyPr>
-          <a:lstStyle/>
-          <a:p>
-            <a:r>
-              <a:rPr lang="en-US" dirty="0"/>
-              <a:t>3</a:t>
-            </a:r>
-          </a:p>
-        </p:txBody>
-      </p:sp>
-      <p:sp>
-        <p:nvSpPr>
-          <p:cNvPr id="75" name="TextBox 74">
-            <a:extLst>
-              <a:ext uri="{FF2B5EF4-FFF2-40B4-BE49-F238E27FC236}">
-                <a16:creationId xmlns:a16="http://schemas.microsoft.com/office/drawing/2014/main" id="{765216E9-9612-4E9A-A8F2-7C8DA49B08DB}"/>
-              </a:ext>
-            </a:extLst>
-          </p:cNvPr>
-          <p:cNvSpPr txBox="1"/>
-          <p:nvPr/>
-        </p:nvSpPr>
-        <p:spPr>
-          <a:xfrm>
-            <a:off x="7991061" y="1160572"/>
-            <a:ext cx="301686" cy="369332"/>
-          </a:xfrm>
-          <a:prstGeom prst="rect">
-            <a:avLst/>
-          </a:prstGeom>
-          <a:noFill/>
-        </p:spPr>
-        <p:txBody>
-          <a:bodyPr wrap="none" rtlCol="0">
-            <a:spAutoFit/>
-          </a:bodyPr>
-          <a:lstStyle/>
-          <a:p>
-            <a:r>
-              <a:rPr lang="en-US" dirty="0"/>
-              <a:t>2</a:t>
-            </a:r>
-          </a:p>
-        </p:txBody>
-      </p:sp>
-      <p:sp>
-        <p:nvSpPr>
-          <p:cNvPr id="76" name="Oval 75">
-            <a:extLst>
-              <a:ext uri="{FF2B5EF4-FFF2-40B4-BE49-F238E27FC236}">
-                <a16:creationId xmlns:a16="http://schemas.microsoft.com/office/drawing/2014/main" id="{36FF2C0E-5A70-40BF-86F6-176271CEA3D1}"/>
-              </a:ext>
-            </a:extLst>
-          </p:cNvPr>
-          <p:cNvSpPr/>
-          <p:nvPr/>
-        </p:nvSpPr>
-        <p:spPr>
-          <a:xfrm>
-            <a:off x="8746441" y="1080196"/>
-            <a:ext cx="410817" cy="369332"/>
-          </a:xfrm>
-          <a:prstGeom prst="ellipse">
-            <a:avLst/>
-          </a:prstGeom>
-          <a:solidFill>
-            <a:schemeClr val="bg2"/>
-          </a:solidFill>
-        </p:spPr>
-        <p:style>
-          <a:lnRef idx="2">
-            <a:schemeClr val="accent6"/>
-          </a:lnRef>
-          <a:fillRef idx="1">
-            <a:schemeClr val="lt1"/>
-          </a:fillRef>
-          <a:effectRef idx="0">
-            <a:schemeClr val="accent6"/>
-          </a:effectRef>
-          <a:fontRef idx="minor">
-            <a:schemeClr val="dk1"/>
-          </a:fontRef>
-        </p:style>
-        <p:txBody>
-          <a:bodyPr rtlCol="0" anchor="ctr"/>
-          <a:lstStyle/>
-          <a:p>
-            <a:pPr algn="ctr"/>
-            <a:endParaRPr lang="en-US"/>
-          </a:p>
-        </p:txBody>
-      </p:sp>
-      <p:sp>
-        <p:nvSpPr>
-          <p:cNvPr id="77" name="Oval 76">
-            <a:extLst>
-              <a:ext uri="{FF2B5EF4-FFF2-40B4-BE49-F238E27FC236}">
-                <a16:creationId xmlns:a16="http://schemas.microsoft.com/office/drawing/2014/main" id="{B5ADEC9A-BE9C-45BB-A43A-5AC035095A14}"/>
-              </a:ext>
-            </a:extLst>
-          </p:cNvPr>
-          <p:cNvSpPr/>
-          <p:nvPr/>
-        </p:nvSpPr>
-        <p:spPr>
-          <a:xfrm>
-            <a:off x="9395798" y="1080196"/>
-            <a:ext cx="410817" cy="369332"/>
-          </a:xfrm>
-          <a:prstGeom prst="ellipse">
-            <a:avLst/>
-          </a:prstGeom>
-          <a:solidFill>
-            <a:schemeClr val="bg2"/>
-          </a:solidFill>
-        </p:spPr>
-        <p:style>
-          <a:lnRef idx="2">
-            <a:schemeClr val="accent6"/>
-          </a:lnRef>
-          <a:fillRef idx="1">
-            <a:schemeClr val="lt1"/>
-          </a:fillRef>
-          <a:effectRef idx="0">
-            <a:schemeClr val="accent6"/>
-          </a:effectRef>
-          <a:fontRef idx="minor">
-            <a:schemeClr val="dk1"/>
-          </a:fontRef>
-        </p:style>
-        <p:txBody>
-          <a:bodyPr rtlCol="0" anchor="ctr"/>
-          <a:lstStyle/>
-          <a:p>
-            <a:pPr algn="ctr"/>
-            <a:endParaRPr lang="en-US"/>
-          </a:p>
-        </p:txBody>
-      </p:sp>
-      <p:sp>
-        <p:nvSpPr>
-          <p:cNvPr id="78" name="Oval 77">
-            <a:extLst>
-              <a:ext uri="{FF2B5EF4-FFF2-40B4-BE49-F238E27FC236}">
-                <a16:creationId xmlns:a16="http://schemas.microsoft.com/office/drawing/2014/main" id="{0BD47BFD-46B3-4A09-A7AE-BD0A8B4A0374}"/>
-              </a:ext>
-            </a:extLst>
-          </p:cNvPr>
-          <p:cNvSpPr/>
-          <p:nvPr/>
-        </p:nvSpPr>
-        <p:spPr>
-          <a:xfrm>
-            <a:off x="10045155" y="1088406"/>
-            <a:ext cx="410817" cy="369332"/>
+            <a:off x="8957613" y="3383159"/>
+            <a:ext cx="1297364" cy="569307"/>
           </a:xfrm>
           <a:prstGeom prst="ellipse">
             <a:avLst/>
@@ -5627,1280 +7041,11 @@
           <a:lstStyle/>
           <a:p>
             <a:pPr algn="ctr"/>
-            <a:endParaRPr lang="en-US"/>
-          </a:p>
-        </p:txBody>
-      </p:sp>
-      <p:sp>
-        <p:nvSpPr>
-          <p:cNvPr id="79" name="Oval 78">
-            <a:extLst>
-              <a:ext uri="{FF2B5EF4-FFF2-40B4-BE49-F238E27FC236}">
-                <a16:creationId xmlns:a16="http://schemas.microsoft.com/office/drawing/2014/main" id="{CB75063B-61E8-4274-93A6-7D2085A0E675}"/>
-              </a:ext>
-            </a:extLst>
-          </p:cNvPr>
-          <p:cNvSpPr/>
-          <p:nvPr/>
-        </p:nvSpPr>
-        <p:spPr>
-          <a:xfrm>
-            <a:off x="8726562" y="1724509"/>
-            <a:ext cx="410817" cy="369332"/>
-          </a:xfrm>
-          <a:prstGeom prst="ellipse">
-            <a:avLst/>
-          </a:prstGeom>
-        </p:spPr>
-        <p:style>
-          <a:lnRef idx="2">
-            <a:schemeClr val="accent6"/>
-          </a:lnRef>
-          <a:fillRef idx="1">
-            <a:schemeClr val="lt1"/>
-          </a:fillRef>
-          <a:effectRef idx="0">
-            <a:schemeClr val="accent6"/>
-          </a:effectRef>
-          <a:fontRef idx="minor">
-            <a:schemeClr val="dk1"/>
-          </a:fontRef>
-        </p:style>
-        <p:txBody>
-          <a:bodyPr rtlCol="0" anchor="ctr"/>
-          <a:lstStyle/>
-          <a:p>
-            <a:pPr algn="ctr"/>
-            <a:endParaRPr lang="en-US" dirty="0"/>
-          </a:p>
-        </p:txBody>
-      </p:sp>
-      <p:sp>
-        <p:nvSpPr>
-          <p:cNvPr id="80" name="Oval 79">
-            <a:extLst>
-              <a:ext uri="{FF2B5EF4-FFF2-40B4-BE49-F238E27FC236}">
-                <a16:creationId xmlns:a16="http://schemas.microsoft.com/office/drawing/2014/main" id="{B196AFBF-EAE3-44BE-A6CC-27C32A589D3B}"/>
-              </a:ext>
-            </a:extLst>
-          </p:cNvPr>
-          <p:cNvSpPr/>
-          <p:nvPr/>
-        </p:nvSpPr>
-        <p:spPr>
-          <a:xfrm>
-            <a:off x="9395798" y="1724509"/>
-            <a:ext cx="410817" cy="369332"/>
-          </a:xfrm>
-          <a:prstGeom prst="ellipse">
-            <a:avLst/>
-          </a:prstGeom>
-        </p:spPr>
-        <p:style>
-          <a:lnRef idx="2">
-            <a:schemeClr val="accent6"/>
-          </a:lnRef>
-          <a:fillRef idx="1">
-            <a:schemeClr val="lt1"/>
-          </a:fillRef>
-          <a:effectRef idx="0">
-            <a:schemeClr val="accent6"/>
-          </a:effectRef>
-          <a:fontRef idx="minor">
-            <a:schemeClr val="dk1"/>
-          </a:fontRef>
-        </p:style>
-        <p:txBody>
-          <a:bodyPr rtlCol="0" anchor="ctr"/>
-          <a:lstStyle/>
-          <a:p>
-            <a:pPr algn="ctr"/>
-            <a:endParaRPr lang="en-US"/>
-          </a:p>
-        </p:txBody>
-      </p:sp>
-      <p:sp>
-        <p:nvSpPr>
-          <p:cNvPr id="81" name="Oval 80">
-            <a:extLst>
-              <a:ext uri="{FF2B5EF4-FFF2-40B4-BE49-F238E27FC236}">
-                <a16:creationId xmlns:a16="http://schemas.microsoft.com/office/drawing/2014/main" id="{D3986CA1-71AC-480A-9717-42D5DCF277CE}"/>
-              </a:ext>
-            </a:extLst>
-          </p:cNvPr>
-          <p:cNvSpPr/>
-          <p:nvPr/>
-        </p:nvSpPr>
-        <p:spPr>
-          <a:xfrm>
-            <a:off x="10038530" y="1724509"/>
-            <a:ext cx="410817" cy="369332"/>
-          </a:xfrm>
-          <a:prstGeom prst="ellipse">
-            <a:avLst/>
-          </a:prstGeom>
-        </p:spPr>
-        <p:style>
-          <a:lnRef idx="2">
-            <a:schemeClr val="accent6"/>
-          </a:lnRef>
-          <a:fillRef idx="1">
-            <a:schemeClr val="lt1"/>
-          </a:fillRef>
-          <a:effectRef idx="0">
-            <a:schemeClr val="accent6"/>
-          </a:effectRef>
-          <a:fontRef idx="minor">
-            <a:schemeClr val="dk1"/>
-          </a:fontRef>
-        </p:style>
-        <p:txBody>
-          <a:bodyPr rtlCol="0" anchor="ctr"/>
-          <a:lstStyle/>
-          <a:p>
-            <a:pPr algn="ctr"/>
-            <a:endParaRPr lang="en-US"/>
-          </a:p>
-        </p:txBody>
-      </p:sp>
-      <p:sp>
-        <p:nvSpPr>
-          <p:cNvPr id="82" name="Oval 81">
-            <a:extLst>
-              <a:ext uri="{FF2B5EF4-FFF2-40B4-BE49-F238E27FC236}">
-                <a16:creationId xmlns:a16="http://schemas.microsoft.com/office/drawing/2014/main" id="{C9A876FE-DE11-44EE-95FD-03F362CCABC4}"/>
-              </a:ext>
-            </a:extLst>
-          </p:cNvPr>
-          <p:cNvSpPr/>
-          <p:nvPr/>
-        </p:nvSpPr>
-        <p:spPr>
-          <a:xfrm>
-            <a:off x="8746440" y="2368822"/>
-            <a:ext cx="410817" cy="369332"/>
-          </a:xfrm>
-          <a:prstGeom prst="ellipse">
-            <a:avLst/>
-          </a:prstGeom>
-        </p:spPr>
-        <p:style>
-          <a:lnRef idx="2">
-            <a:schemeClr val="accent6"/>
-          </a:lnRef>
-          <a:fillRef idx="1">
-            <a:schemeClr val="lt1"/>
-          </a:fillRef>
-          <a:effectRef idx="0">
-            <a:schemeClr val="accent6"/>
-          </a:effectRef>
-          <a:fontRef idx="minor">
-            <a:schemeClr val="dk1"/>
-          </a:fontRef>
-        </p:style>
-        <p:txBody>
-          <a:bodyPr rtlCol="0" anchor="ctr"/>
-          <a:lstStyle/>
-          <a:p>
-            <a:pPr algn="ctr"/>
-            <a:endParaRPr lang="en-US"/>
-          </a:p>
-        </p:txBody>
-      </p:sp>
-      <p:sp>
-        <p:nvSpPr>
-          <p:cNvPr id="83" name="Oval 82">
-            <a:extLst>
-              <a:ext uri="{FF2B5EF4-FFF2-40B4-BE49-F238E27FC236}">
-                <a16:creationId xmlns:a16="http://schemas.microsoft.com/office/drawing/2014/main" id="{C5DE7D3E-29C1-4AAA-97A4-845DE274280B}"/>
-              </a:ext>
-            </a:extLst>
-          </p:cNvPr>
-          <p:cNvSpPr/>
-          <p:nvPr/>
-        </p:nvSpPr>
-        <p:spPr>
-          <a:xfrm>
-            <a:off x="9415675" y="2378700"/>
-            <a:ext cx="410817" cy="369332"/>
-          </a:xfrm>
-          <a:prstGeom prst="ellipse">
-            <a:avLst/>
-          </a:prstGeom>
-        </p:spPr>
-        <p:style>
-          <a:lnRef idx="2">
-            <a:schemeClr val="accent6"/>
-          </a:lnRef>
-          <a:fillRef idx="1">
-            <a:schemeClr val="lt1"/>
-          </a:fillRef>
-          <a:effectRef idx="0">
-            <a:schemeClr val="accent6"/>
-          </a:effectRef>
-          <a:fontRef idx="minor">
-            <a:schemeClr val="dk1"/>
-          </a:fontRef>
-        </p:style>
-        <p:txBody>
-          <a:bodyPr rtlCol="0" anchor="ctr"/>
-          <a:lstStyle/>
-          <a:p>
-            <a:pPr algn="ctr"/>
-            <a:endParaRPr lang="en-US"/>
-          </a:p>
-        </p:txBody>
-      </p:sp>
-      <p:sp>
-        <p:nvSpPr>
-          <p:cNvPr id="84" name="Oval 83">
-            <a:extLst>
-              <a:ext uri="{FF2B5EF4-FFF2-40B4-BE49-F238E27FC236}">
-                <a16:creationId xmlns:a16="http://schemas.microsoft.com/office/drawing/2014/main" id="{1222F75B-818B-4CED-B197-85A3DD36F9D0}"/>
-              </a:ext>
-            </a:extLst>
-          </p:cNvPr>
-          <p:cNvSpPr/>
-          <p:nvPr/>
-        </p:nvSpPr>
-        <p:spPr>
-          <a:xfrm>
-            <a:off x="10038529" y="2368822"/>
-            <a:ext cx="410817" cy="369332"/>
-          </a:xfrm>
-          <a:prstGeom prst="ellipse">
-            <a:avLst/>
-          </a:prstGeom>
-        </p:spPr>
-        <p:style>
-          <a:lnRef idx="2">
-            <a:schemeClr val="accent6"/>
-          </a:lnRef>
-          <a:fillRef idx="1">
-            <a:schemeClr val="lt1"/>
-          </a:fillRef>
-          <a:effectRef idx="0">
-            <a:schemeClr val="accent6"/>
-          </a:effectRef>
-          <a:fontRef idx="minor">
-            <a:schemeClr val="dk1"/>
-          </a:fontRef>
-        </p:style>
-        <p:txBody>
-          <a:bodyPr rtlCol="0" anchor="ctr"/>
-          <a:lstStyle/>
-          <a:p>
-            <a:pPr algn="ctr"/>
-            <a:endParaRPr lang="en-US"/>
-          </a:p>
-        </p:txBody>
-      </p:sp>
-      <p:sp>
-        <p:nvSpPr>
-          <p:cNvPr id="85" name="Oval 84">
-            <a:extLst>
-              <a:ext uri="{FF2B5EF4-FFF2-40B4-BE49-F238E27FC236}">
-                <a16:creationId xmlns:a16="http://schemas.microsoft.com/office/drawing/2014/main" id="{23C68333-A80C-44A5-B2EF-E8233B7B87BF}"/>
-              </a:ext>
-            </a:extLst>
-          </p:cNvPr>
-          <p:cNvSpPr/>
-          <p:nvPr/>
-        </p:nvSpPr>
-        <p:spPr>
-          <a:xfrm>
-            <a:off x="8736501" y="3087564"/>
-            <a:ext cx="410817" cy="369332"/>
-          </a:xfrm>
-          <a:prstGeom prst="ellipse">
-            <a:avLst/>
-          </a:prstGeom>
-        </p:spPr>
-        <p:style>
-          <a:lnRef idx="2">
-            <a:schemeClr val="accent6"/>
-          </a:lnRef>
-          <a:fillRef idx="1">
-            <a:schemeClr val="lt1"/>
-          </a:fillRef>
-          <a:effectRef idx="0">
-            <a:schemeClr val="accent6"/>
-          </a:effectRef>
-          <a:fontRef idx="minor">
-            <a:schemeClr val="dk1"/>
-          </a:fontRef>
-        </p:style>
-        <p:txBody>
-          <a:bodyPr rtlCol="0" anchor="ctr"/>
-          <a:lstStyle/>
-          <a:p>
-            <a:pPr algn="ctr"/>
-            <a:endParaRPr lang="en-US"/>
-          </a:p>
-        </p:txBody>
-      </p:sp>
-      <p:sp>
-        <p:nvSpPr>
-          <p:cNvPr id="86" name="Oval 85">
-            <a:extLst>
-              <a:ext uri="{FF2B5EF4-FFF2-40B4-BE49-F238E27FC236}">
-                <a16:creationId xmlns:a16="http://schemas.microsoft.com/office/drawing/2014/main" id="{EA20258A-D9E0-4BE3-B013-D8A4F829D30E}"/>
-              </a:ext>
-            </a:extLst>
-          </p:cNvPr>
-          <p:cNvSpPr/>
-          <p:nvPr/>
-        </p:nvSpPr>
-        <p:spPr>
-          <a:xfrm>
-            <a:off x="9395797" y="3061060"/>
-            <a:ext cx="410817" cy="369332"/>
-          </a:xfrm>
-          <a:prstGeom prst="ellipse">
-            <a:avLst/>
-          </a:prstGeom>
-        </p:spPr>
-        <p:style>
-          <a:lnRef idx="2">
-            <a:schemeClr val="accent6"/>
-          </a:lnRef>
-          <a:fillRef idx="1">
-            <a:schemeClr val="lt1"/>
-          </a:fillRef>
-          <a:effectRef idx="0">
-            <a:schemeClr val="accent6"/>
-          </a:effectRef>
-          <a:fontRef idx="minor">
-            <a:schemeClr val="dk1"/>
-          </a:fontRef>
-        </p:style>
-        <p:txBody>
-          <a:bodyPr rtlCol="0" anchor="ctr"/>
-          <a:lstStyle/>
-          <a:p>
-            <a:pPr algn="ctr"/>
-            <a:endParaRPr lang="en-US"/>
-          </a:p>
-        </p:txBody>
-      </p:sp>
-      <p:sp>
-        <p:nvSpPr>
-          <p:cNvPr id="87" name="Oval 86">
-            <a:extLst>
-              <a:ext uri="{FF2B5EF4-FFF2-40B4-BE49-F238E27FC236}">
-                <a16:creationId xmlns:a16="http://schemas.microsoft.com/office/drawing/2014/main" id="{FA579005-57E0-40CC-8E36-873927ED5642}"/>
-              </a:ext>
-            </a:extLst>
-          </p:cNvPr>
-          <p:cNvSpPr/>
-          <p:nvPr/>
-        </p:nvSpPr>
-        <p:spPr>
-          <a:xfrm>
-            <a:off x="10055093" y="3087564"/>
-            <a:ext cx="410817" cy="369332"/>
-          </a:xfrm>
-          <a:prstGeom prst="ellipse">
-            <a:avLst/>
-          </a:prstGeom>
-        </p:spPr>
-        <p:style>
-          <a:lnRef idx="2">
-            <a:schemeClr val="accent6"/>
-          </a:lnRef>
-          <a:fillRef idx="1">
-            <a:schemeClr val="lt1"/>
-          </a:fillRef>
-          <a:effectRef idx="0">
-            <a:schemeClr val="accent6"/>
-          </a:effectRef>
-          <a:fontRef idx="minor">
-            <a:schemeClr val="dk1"/>
-          </a:fontRef>
-        </p:style>
-        <p:txBody>
-          <a:bodyPr rtlCol="0" anchor="ctr"/>
-          <a:lstStyle/>
-          <a:p>
-            <a:pPr algn="ctr"/>
-            <a:endParaRPr lang="en-US"/>
-          </a:p>
-        </p:txBody>
-      </p:sp>
-      <p:sp>
-        <p:nvSpPr>
-          <p:cNvPr id="88" name="Oval 87">
-            <a:extLst>
-              <a:ext uri="{FF2B5EF4-FFF2-40B4-BE49-F238E27FC236}">
-                <a16:creationId xmlns:a16="http://schemas.microsoft.com/office/drawing/2014/main" id="{7EE7587A-B949-4845-80E3-BE7FC7ACC6AE}"/>
-              </a:ext>
-            </a:extLst>
-          </p:cNvPr>
-          <p:cNvSpPr/>
-          <p:nvPr/>
-        </p:nvSpPr>
-        <p:spPr>
-          <a:xfrm>
-            <a:off x="8736501" y="3812525"/>
-            <a:ext cx="410817" cy="369332"/>
-          </a:xfrm>
-          <a:prstGeom prst="ellipse">
-            <a:avLst/>
-          </a:prstGeom>
-        </p:spPr>
-        <p:style>
-          <a:lnRef idx="2">
-            <a:schemeClr val="accent6"/>
-          </a:lnRef>
-          <a:fillRef idx="1">
-            <a:schemeClr val="lt1"/>
-          </a:fillRef>
-          <a:effectRef idx="0">
-            <a:schemeClr val="accent6"/>
-          </a:effectRef>
-          <a:fontRef idx="minor">
-            <a:schemeClr val="dk1"/>
-          </a:fontRef>
-        </p:style>
-        <p:txBody>
-          <a:bodyPr rtlCol="0" anchor="ctr"/>
-          <a:lstStyle/>
-          <a:p>
-            <a:pPr algn="ctr"/>
-            <a:endParaRPr lang="en-US"/>
-          </a:p>
-        </p:txBody>
-      </p:sp>
-      <p:sp>
-        <p:nvSpPr>
-          <p:cNvPr id="89" name="Oval 88">
-            <a:extLst>
-              <a:ext uri="{FF2B5EF4-FFF2-40B4-BE49-F238E27FC236}">
-                <a16:creationId xmlns:a16="http://schemas.microsoft.com/office/drawing/2014/main" id="{0656FD22-CFC6-4E9E-B682-B3546D2E0637}"/>
-              </a:ext>
-            </a:extLst>
-          </p:cNvPr>
-          <p:cNvSpPr/>
-          <p:nvPr/>
-        </p:nvSpPr>
-        <p:spPr>
-          <a:xfrm>
-            <a:off x="9435556" y="3812525"/>
-            <a:ext cx="410817" cy="369332"/>
-          </a:xfrm>
-          <a:prstGeom prst="ellipse">
-            <a:avLst/>
-          </a:prstGeom>
-        </p:spPr>
-        <p:style>
-          <a:lnRef idx="2">
-            <a:schemeClr val="accent6"/>
-          </a:lnRef>
-          <a:fillRef idx="1">
-            <a:schemeClr val="lt1"/>
-          </a:fillRef>
-          <a:effectRef idx="0">
-            <a:schemeClr val="accent6"/>
-          </a:effectRef>
-          <a:fontRef idx="minor">
-            <a:schemeClr val="dk1"/>
-          </a:fontRef>
-        </p:style>
-        <p:txBody>
-          <a:bodyPr rtlCol="0" anchor="ctr"/>
-          <a:lstStyle/>
-          <a:p>
-            <a:pPr algn="ctr"/>
-            <a:endParaRPr lang="en-US"/>
-          </a:p>
-        </p:txBody>
-      </p:sp>
-      <p:sp>
-        <p:nvSpPr>
-          <p:cNvPr id="90" name="Oval 89">
-            <a:extLst>
-              <a:ext uri="{FF2B5EF4-FFF2-40B4-BE49-F238E27FC236}">
-                <a16:creationId xmlns:a16="http://schemas.microsoft.com/office/drawing/2014/main" id="{46EE02B3-1B0E-47A4-9934-8E30EB947567}"/>
-              </a:ext>
-            </a:extLst>
-          </p:cNvPr>
-          <p:cNvSpPr/>
-          <p:nvPr/>
-        </p:nvSpPr>
-        <p:spPr>
-          <a:xfrm>
-            <a:off x="10114845" y="3806306"/>
-            <a:ext cx="410817" cy="369332"/>
-          </a:xfrm>
-          <a:prstGeom prst="ellipse">
-            <a:avLst/>
-          </a:prstGeom>
-        </p:spPr>
-        <p:style>
-          <a:lnRef idx="2">
-            <a:schemeClr val="accent6"/>
-          </a:lnRef>
-          <a:fillRef idx="1">
-            <a:schemeClr val="lt1"/>
-          </a:fillRef>
-          <a:effectRef idx="0">
-            <a:schemeClr val="accent6"/>
-          </a:effectRef>
-          <a:fontRef idx="minor">
-            <a:schemeClr val="dk1"/>
-          </a:fontRef>
-        </p:style>
-        <p:txBody>
-          <a:bodyPr rtlCol="0" anchor="ctr"/>
-          <a:lstStyle/>
-          <a:p>
-            <a:pPr algn="ctr"/>
-            <a:endParaRPr lang="en-US"/>
-          </a:p>
-        </p:txBody>
-      </p:sp>
-      <p:sp>
-        <p:nvSpPr>
-          <p:cNvPr id="91" name="Oval 90">
-            <a:extLst>
-              <a:ext uri="{FF2B5EF4-FFF2-40B4-BE49-F238E27FC236}">
-                <a16:creationId xmlns:a16="http://schemas.microsoft.com/office/drawing/2014/main" id="{DE6A9252-3BD9-496A-AB18-8CB6A192D709}"/>
-              </a:ext>
-            </a:extLst>
-          </p:cNvPr>
-          <p:cNvSpPr/>
-          <p:nvPr/>
-        </p:nvSpPr>
-        <p:spPr>
-          <a:xfrm>
-            <a:off x="8726562" y="4477874"/>
-            <a:ext cx="410817" cy="369332"/>
-          </a:xfrm>
-          <a:prstGeom prst="ellipse">
-            <a:avLst/>
-          </a:prstGeom>
-        </p:spPr>
-        <p:style>
-          <a:lnRef idx="2">
-            <a:schemeClr val="accent6"/>
-          </a:lnRef>
-          <a:fillRef idx="1">
-            <a:schemeClr val="lt1"/>
-          </a:fillRef>
-          <a:effectRef idx="0">
-            <a:schemeClr val="accent6"/>
-          </a:effectRef>
-          <a:fontRef idx="minor">
-            <a:schemeClr val="dk1"/>
-          </a:fontRef>
-        </p:style>
-        <p:txBody>
-          <a:bodyPr rtlCol="0" anchor="ctr"/>
-          <a:lstStyle/>
-          <a:p>
-            <a:pPr algn="ctr"/>
-            <a:endParaRPr lang="en-US"/>
-          </a:p>
-        </p:txBody>
-      </p:sp>
-      <p:sp>
-        <p:nvSpPr>
-          <p:cNvPr id="92" name="Oval 91">
-            <a:extLst>
-              <a:ext uri="{FF2B5EF4-FFF2-40B4-BE49-F238E27FC236}">
-                <a16:creationId xmlns:a16="http://schemas.microsoft.com/office/drawing/2014/main" id="{90D6E09E-EFDF-4CCA-AB56-02DDC7086C4B}"/>
-              </a:ext>
-            </a:extLst>
-          </p:cNvPr>
-          <p:cNvSpPr/>
-          <p:nvPr/>
-        </p:nvSpPr>
-        <p:spPr>
-          <a:xfrm>
-            <a:off x="9435556" y="4477874"/>
-            <a:ext cx="410817" cy="369332"/>
-          </a:xfrm>
-          <a:prstGeom prst="ellipse">
-            <a:avLst/>
-          </a:prstGeom>
-        </p:spPr>
-        <p:style>
-          <a:lnRef idx="2">
-            <a:schemeClr val="accent6"/>
-          </a:lnRef>
-          <a:fillRef idx="1">
-            <a:schemeClr val="lt1"/>
-          </a:fillRef>
-          <a:effectRef idx="0">
-            <a:schemeClr val="accent6"/>
-          </a:effectRef>
-          <a:fontRef idx="minor">
-            <a:schemeClr val="dk1"/>
-          </a:fontRef>
-        </p:style>
-        <p:txBody>
-          <a:bodyPr rtlCol="0" anchor="ctr"/>
-          <a:lstStyle/>
-          <a:p>
-            <a:pPr algn="ctr"/>
-            <a:endParaRPr lang="en-US"/>
-          </a:p>
-        </p:txBody>
-      </p:sp>
-      <p:sp>
-        <p:nvSpPr>
-          <p:cNvPr id="93" name="Oval 92">
-            <a:extLst>
-              <a:ext uri="{FF2B5EF4-FFF2-40B4-BE49-F238E27FC236}">
-                <a16:creationId xmlns:a16="http://schemas.microsoft.com/office/drawing/2014/main" id="{932A6047-B637-4F18-A855-79997D88857C}"/>
-              </a:ext>
-            </a:extLst>
-          </p:cNvPr>
-          <p:cNvSpPr/>
-          <p:nvPr/>
-        </p:nvSpPr>
-        <p:spPr>
-          <a:xfrm>
-            <a:off x="10114845" y="4477874"/>
-            <a:ext cx="410817" cy="369332"/>
-          </a:xfrm>
-          <a:prstGeom prst="ellipse">
-            <a:avLst/>
-          </a:prstGeom>
-        </p:spPr>
-        <p:style>
-          <a:lnRef idx="2">
-            <a:schemeClr val="accent6"/>
-          </a:lnRef>
-          <a:fillRef idx="1">
-            <a:schemeClr val="lt1"/>
-          </a:fillRef>
-          <a:effectRef idx="0">
-            <a:schemeClr val="accent6"/>
-          </a:effectRef>
-          <a:fontRef idx="minor">
-            <a:schemeClr val="dk1"/>
-          </a:fontRef>
-        </p:style>
-        <p:txBody>
-          <a:bodyPr rtlCol="0" anchor="ctr"/>
-          <a:lstStyle/>
-          <a:p>
-            <a:pPr algn="ctr"/>
-            <a:endParaRPr lang="en-US"/>
-          </a:p>
-        </p:txBody>
-      </p:sp>
-      <p:sp>
-        <p:nvSpPr>
-          <p:cNvPr id="94" name="Oval 93">
-            <a:extLst>
-              <a:ext uri="{FF2B5EF4-FFF2-40B4-BE49-F238E27FC236}">
-                <a16:creationId xmlns:a16="http://schemas.microsoft.com/office/drawing/2014/main" id="{664438C0-9728-489E-BE67-4481512489CD}"/>
-              </a:ext>
-            </a:extLst>
-          </p:cNvPr>
-          <p:cNvSpPr/>
-          <p:nvPr/>
-        </p:nvSpPr>
-        <p:spPr>
-          <a:xfrm>
-            <a:off x="8736501" y="5235024"/>
-            <a:ext cx="410817" cy="369332"/>
-          </a:xfrm>
-          <a:prstGeom prst="ellipse">
-            <a:avLst/>
-          </a:prstGeom>
-        </p:spPr>
-        <p:style>
-          <a:lnRef idx="2">
-            <a:schemeClr val="accent6"/>
-          </a:lnRef>
-          <a:fillRef idx="1">
-            <a:schemeClr val="lt1"/>
-          </a:fillRef>
-          <a:effectRef idx="0">
-            <a:schemeClr val="accent6"/>
-          </a:effectRef>
-          <a:fontRef idx="minor">
-            <a:schemeClr val="dk1"/>
-          </a:fontRef>
-        </p:style>
-        <p:txBody>
-          <a:bodyPr rtlCol="0" anchor="ctr"/>
-          <a:lstStyle/>
-          <a:p>
-            <a:pPr algn="ctr"/>
-            <a:endParaRPr lang="en-US"/>
-          </a:p>
-        </p:txBody>
-      </p:sp>
-      <p:sp>
-        <p:nvSpPr>
-          <p:cNvPr id="95" name="Oval 94">
-            <a:extLst>
-              <a:ext uri="{FF2B5EF4-FFF2-40B4-BE49-F238E27FC236}">
-                <a16:creationId xmlns:a16="http://schemas.microsoft.com/office/drawing/2014/main" id="{5FADAB1F-FAB2-4C6F-89B0-6929D3C29D1E}"/>
-              </a:ext>
-            </a:extLst>
-          </p:cNvPr>
-          <p:cNvSpPr/>
-          <p:nvPr/>
-        </p:nvSpPr>
-        <p:spPr>
-          <a:xfrm>
-            <a:off x="9435556" y="5235024"/>
-            <a:ext cx="410817" cy="369332"/>
-          </a:xfrm>
-          <a:prstGeom prst="ellipse">
-            <a:avLst/>
-          </a:prstGeom>
-        </p:spPr>
-        <p:style>
-          <a:lnRef idx="2">
-            <a:schemeClr val="accent6"/>
-          </a:lnRef>
-          <a:fillRef idx="1">
-            <a:schemeClr val="lt1"/>
-          </a:fillRef>
-          <a:effectRef idx="0">
-            <a:schemeClr val="accent6"/>
-          </a:effectRef>
-          <a:fontRef idx="minor">
-            <a:schemeClr val="dk1"/>
-          </a:fontRef>
-        </p:style>
-        <p:txBody>
-          <a:bodyPr rtlCol="0" anchor="ctr"/>
-          <a:lstStyle/>
-          <a:p>
-            <a:pPr algn="ctr"/>
-            <a:endParaRPr lang="en-US"/>
-          </a:p>
-        </p:txBody>
-      </p:sp>
-      <p:sp>
-        <p:nvSpPr>
-          <p:cNvPr id="96" name="Oval 95">
-            <a:extLst>
-              <a:ext uri="{FF2B5EF4-FFF2-40B4-BE49-F238E27FC236}">
-                <a16:creationId xmlns:a16="http://schemas.microsoft.com/office/drawing/2014/main" id="{D8C74911-E837-4DA3-B32D-DE56F3130AC8}"/>
-              </a:ext>
-            </a:extLst>
-          </p:cNvPr>
-          <p:cNvSpPr/>
-          <p:nvPr/>
-        </p:nvSpPr>
-        <p:spPr>
-          <a:xfrm>
-            <a:off x="10114845" y="5235024"/>
-            <a:ext cx="410817" cy="369332"/>
-          </a:xfrm>
-          <a:prstGeom prst="ellipse">
-            <a:avLst/>
-          </a:prstGeom>
-        </p:spPr>
-        <p:style>
-          <a:lnRef idx="2">
-            <a:schemeClr val="accent6"/>
-          </a:lnRef>
-          <a:fillRef idx="1">
-            <a:schemeClr val="lt1"/>
-          </a:fillRef>
-          <a:effectRef idx="0">
-            <a:schemeClr val="accent6"/>
-          </a:effectRef>
-          <a:fontRef idx="minor">
-            <a:schemeClr val="dk1"/>
-          </a:fontRef>
-        </p:style>
-        <p:txBody>
-          <a:bodyPr rtlCol="0" anchor="ctr"/>
-          <a:lstStyle/>
-          <a:p>
-            <a:pPr algn="ctr"/>
-            <a:endParaRPr lang="en-US"/>
-          </a:p>
-        </p:txBody>
-      </p:sp>
-      <p:sp>
-        <p:nvSpPr>
-          <p:cNvPr id="97" name="Oval 96">
-            <a:extLst>
-              <a:ext uri="{FF2B5EF4-FFF2-40B4-BE49-F238E27FC236}">
-                <a16:creationId xmlns:a16="http://schemas.microsoft.com/office/drawing/2014/main" id="{103A3F37-986B-4A34-A868-E5C70465408C}"/>
-              </a:ext>
-            </a:extLst>
-          </p:cNvPr>
-          <p:cNvSpPr/>
-          <p:nvPr/>
-        </p:nvSpPr>
-        <p:spPr>
-          <a:xfrm>
-            <a:off x="10055093" y="5992174"/>
-            <a:ext cx="560138" cy="563217"/>
-          </a:xfrm>
-          <a:prstGeom prst="ellipse">
-            <a:avLst/>
-          </a:prstGeom>
-          <a:solidFill>
-            <a:schemeClr val="accent2"/>
-          </a:solidFill>
-        </p:spPr>
-        <p:style>
-          <a:lnRef idx="2">
-            <a:schemeClr val="accent1">
-              <a:shade val="50000"/>
-            </a:schemeClr>
-          </a:lnRef>
-          <a:fillRef idx="1">
-            <a:schemeClr val="accent1"/>
-          </a:fillRef>
-          <a:effectRef idx="0">
-            <a:schemeClr val="accent1"/>
-          </a:effectRef>
-          <a:fontRef idx="minor">
-            <a:schemeClr val="lt1"/>
-          </a:fontRef>
-        </p:style>
-        <p:txBody>
-          <a:bodyPr rtlCol="0" anchor="ctr"/>
-          <a:lstStyle/>
-          <a:p>
-            <a:pPr algn="ctr"/>
-            <a:endParaRPr lang="en-US"/>
-          </a:p>
-        </p:txBody>
-      </p:sp>
-      <p:sp>
-        <p:nvSpPr>
-          <p:cNvPr id="98" name="Oval 97">
-            <a:extLst>
-              <a:ext uri="{FF2B5EF4-FFF2-40B4-BE49-F238E27FC236}">
-                <a16:creationId xmlns:a16="http://schemas.microsoft.com/office/drawing/2014/main" id="{20861282-55B1-40BE-92DE-FD53586BB60D}"/>
-              </a:ext>
-            </a:extLst>
-          </p:cNvPr>
-          <p:cNvSpPr/>
-          <p:nvPr/>
-        </p:nvSpPr>
-        <p:spPr>
-          <a:xfrm>
-            <a:off x="8653375" y="553177"/>
-            <a:ext cx="410817" cy="369332"/>
-          </a:xfrm>
-          <a:prstGeom prst="ellipse">
-            <a:avLst/>
-          </a:prstGeom>
-        </p:spPr>
-        <p:style>
-          <a:lnRef idx="2">
-            <a:schemeClr val="accent6"/>
-          </a:lnRef>
-          <a:fillRef idx="1">
-            <a:schemeClr val="lt1"/>
-          </a:fillRef>
-          <a:effectRef idx="0">
-            <a:schemeClr val="accent6"/>
-          </a:effectRef>
-          <a:fontRef idx="minor">
-            <a:schemeClr val="dk1"/>
-          </a:fontRef>
-        </p:style>
-        <p:txBody>
-          <a:bodyPr rtlCol="0" anchor="ctr"/>
-          <a:lstStyle/>
-          <a:p>
-            <a:pPr algn="ctr"/>
-            <a:r>
-              <a:rPr lang="en-US" dirty="0"/>
-              <a:t>s</a:t>
-            </a:r>
-          </a:p>
-        </p:txBody>
-      </p:sp>
-      <p:sp>
-        <p:nvSpPr>
-          <p:cNvPr id="99" name="Oval 98">
-            <a:extLst>
-              <a:ext uri="{FF2B5EF4-FFF2-40B4-BE49-F238E27FC236}">
-                <a16:creationId xmlns:a16="http://schemas.microsoft.com/office/drawing/2014/main" id="{D282216D-7DEF-43A3-85C9-00D31F8CC061}"/>
-              </a:ext>
-            </a:extLst>
-          </p:cNvPr>
-          <p:cNvSpPr/>
-          <p:nvPr/>
-        </p:nvSpPr>
-        <p:spPr>
-          <a:xfrm>
-            <a:off x="9312670" y="553177"/>
-            <a:ext cx="410817" cy="369332"/>
-          </a:xfrm>
-          <a:prstGeom prst="ellipse">
-            <a:avLst/>
-          </a:prstGeom>
-        </p:spPr>
-        <p:style>
-          <a:lnRef idx="2">
-            <a:schemeClr val="accent6"/>
-          </a:lnRef>
-          <a:fillRef idx="1">
-            <a:schemeClr val="lt1"/>
-          </a:fillRef>
-          <a:effectRef idx="0">
-            <a:schemeClr val="accent6"/>
-          </a:effectRef>
-          <a:fontRef idx="minor">
-            <a:schemeClr val="dk1"/>
-          </a:fontRef>
-        </p:style>
-        <p:txBody>
-          <a:bodyPr rtlCol="0" anchor="ctr"/>
-          <a:lstStyle/>
-          <a:p>
-            <a:pPr algn="ctr"/>
-            <a:r>
-              <a:rPr lang="en-US" dirty="0"/>
-              <a:t>c</a:t>
-            </a:r>
-          </a:p>
-        </p:txBody>
-      </p:sp>
-      <p:sp>
-        <p:nvSpPr>
-          <p:cNvPr id="100" name="Oval 99">
-            <a:extLst>
-              <a:ext uri="{FF2B5EF4-FFF2-40B4-BE49-F238E27FC236}">
-                <a16:creationId xmlns:a16="http://schemas.microsoft.com/office/drawing/2014/main" id="{83910F5C-A3F5-4206-BAA0-CE834668BE35}"/>
-              </a:ext>
-            </a:extLst>
-          </p:cNvPr>
-          <p:cNvSpPr/>
-          <p:nvPr/>
-        </p:nvSpPr>
-        <p:spPr>
-          <a:xfrm>
-            <a:off x="9951786" y="553177"/>
-            <a:ext cx="410817" cy="369332"/>
-          </a:xfrm>
-          <a:prstGeom prst="ellipse">
-            <a:avLst/>
-          </a:prstGeom>
-        </p:spPr>
-        <p:style>
-          <a:lnRef idx="2">
-            <a:schemeClr val="accent6"/>
-          </a:lnRef>
-          <a:fillRef idx="1">
-            <a:schemeClr val="lt1"/>
-          </a:fillRef>
-          <a:effectRef idx="0">
-            <a:schemeClr val="accent6"/>
-          </a:effectRef>
-          <a:fontRef idx="minor">
-            <a:schemeClr val="dk1"/>
-          </a:fontRef>
-        </p:style>
-        <p:txBody>
-          <a:bodyPr rtlCol="0" anchor="ctr"/>
-          <a:lstStyle/>
-          <a:p>
-            <a:pPr algn="ctr"/>
-            <a:r>
-              <a:rPr lang="en-US" dirty="0"/>
-              <a:t>t</a:t>
-            </a:r>
-          </a:p>
-        </p:txBody>
-      </p:sp>
-      <p:sp>
-        <p:nvSpPr>
-          <p:cNvPr id="4" name="Rectangle: Rounded Corners 3">
-            <a:extLst>
-              <a:ext uri="{FF2B5EF4-FFF2-40B4-BE49-F238E27FC236}">
-                <a16:creationId xmlns:a16="http://schemas.microsoft.com/office/drawing/2014/main" id="{A900EE8B-2CB1-46D1-BDA1-2C1A887CD5F2}"/>
-              </a:ext>
-            </a:extLst>
-          </p:cNvPr>
-          <p:cNvSpPr/>
-          <p:nvPr/>
-        </p:nvSpPr>
-        <p:spPr>
-          <a:xfrm>
-            <a:off x="7730329" y="1464468"/>
-            <a:ext cx="2909215" cy="3019415"/>
-          </a:xfrm>
-          <a:prstGeom prst="roundRect">
-            <a:avLst/>
-          </a:prstGeom>
-        </p:spPr>
-        <p:style>
-          <a:lnRef idx="2">
-            <a:schemeClr val="accent6"/>
-          </a:lnRef>
-          <a:fillRef idx="1">
-            <a:schemeClr val="lt1"/>
-          </a:fillRef>
-          <a:effectRef idx="0">
-            <a:schemeClr val="accent6"/>
-          </a:effectRef>
-          <a:fontRef idx="minor">
-            <a:schemeClr val="dk1"/>
-          </a:fontRef>
-        </p:style>
-        <p:txBody>
-          <a:bodyPr rtlCol="0" anchor="ctr"/>
-          <a:lstStyle/>
-          <a:p>
-            <a:pPr algn="ctr"/>
-            <a:endParaRPr lang="en-US" dirty="0"/>
-          </a:p>
-        </p:txBody>
-      </p:sp>
-      <p:sp>
-        <p:nvSpPr>
-          <p:cNvPr id="5" name="TextBox 4">
-            <a:extLst>
-              <a:ext uri="{FF2B5EF4-FFF2-40B4-BE49-F238E27FC236}">
-                <a16:creationId xmlns:a16="http://schemas.microsoft.com/office/drawing/2014/main" id="{AD36016B-62A8-485A-94C7-DF1195C24905}"/>
-              </a:ext>
-            </a:extLst>
-          </p:cNvPr>
-          <p:cNvSpPr txBox="1"/>
-          <p:nvPr/>
-        </p:nvSpPr>
-        <p:spPr>
-          <a:xfrm>
-            <a:off x="8270103" y="1643861"/>
-            <a:ext cx="1977849" cy="369332"/>
-          </a:xfrm>
-          <a:prstGeom prst="rect">
-            <a:avLst/>
-          </a:prstGeom>
-          <a:noFill/>
-        </p:spPr>
-        <p:txBody>
-          <a:bodyPr wrap="none" rtlCol="0">
-            <a:spAutoFit/>
-          </a:bodyPr>
-          <a:lstStyle/>
-          <a:p>
-            <a:r>
-              <a:rPr lang="en-US" dirty="0" err="1"/>
-              <a:t>Chọn</a:t>
-            </a:r>
-            <a:r>
-              <a:rPr lang="en-US" dirty="0"/>
-              <a:t> </a:t>
-            </a:r>
-            <a:r>
-              <a:rPr lang="en-US" dirty="0" err="1"/>
-              <a:t>ngày</a:t>
-            </a:r>
-            <a:r>
-              <a:rPr lang="en-US" dirty="0"/>
-              <a:t> </a:t>
-            </a:r>
-            <a:r>
-              <a:rPr lang="en-US" dirty="0" err="1"/>
-              <a:t>báo</a:t>
-            </a:r>
-            <a:r>
-              <a:rPr lang="en-US" dirty="0"/>
-              <a:t> </a:t>
-            </a:r>
-            <a:r>
-              <a:rPr lang="en-US" dirty="0" err="1"/>
-              <a:t>bận</a:t>
-            </a:r>
-            <a:endParaRPr lang="en-US" dirty="0"/>
-          </a:p>
-        </p:txBody>
-      </p:sp>
-      <p:sp>
-        <p:nvSpPr>
-          <p:cNvPr id="6" name="Rectangle: Rounded Corners 5">
-            <a:extLst>
-              <a:ext uri="{FF2B5EF4-FFF2-40B4-BE49-F238E27FC236}">
-                <a16:creationId xmlns:a16="http://schemas.microsoft.com/office/drawing/2014/main" id="{E4186323-3F5E-41CE-80EF-EF517794F440}"/>
-              </a:ext>
-            </a:extLst>
-          </p:cNvPr>
-          <p:cNvSpPr/>
-          <p:nvPr/>
-        </p:nvSpPr>
-        <p:spPr>
-          <a:xfrm>
-            <a:off x="7991061" y="2495661"/>
-            <a:ext cx="2474849" cy="589178"/>
-          </a:xfrm>
-          <a:prstGeom prst="roundRect">
-            <a:avLst/>
-          </a:prstGeom>
-        </p:spPr>
-        <p:style>
-          <a:lnRef idx="2">
-            <a:schemeClr val="accent6"/>
-          </a:lnRef>
-          <a:fillRef idx="1">
-            <a:schemeClr val="lt1"/>
-          </a:fillRef>
-          <a:effectRef idx="0">
-            <a:schemeClr val="accent6"/>
-          </a:effectRef>
-          <a:fontRef idx="minor">
-            <a:schemeClr val="dk1"/>
-          </a:fontRef>
-        </p:style>
-        <p:txBody>
-          <a:bodyPr rtlCol="0" anchor="ctr"/>
-          <a:lstStyle/>
-          <a:p>
-            <a:pPr algn="ctr"/>
-            <a:endParaRPr lang="en-US"/>
-          </a:p>
-        </p:txBody>
-      </p:sp>
-      <p:sp>
-        <p:nvSpPr>
-          <p:cNvPr id="7" name="Isosceles Triangle 6">
-            <a:extLst>
-              <a:ext uri="{FF2B5EF4-FFF2-40B4-BE49-F238E27FC236}">
-                <a16:creationId xmlns:a16="http://schemas.microsoft.com/office/drawing/2014/main" id="{0AEF334F-D68D-4B29-951A-2B7C0BE21127}"/>
-              </a:ext>
-            </a:extLst>
-          </p:cNvPr>
-          <p:cNvSpPr/>
-          <p:nvPr/>
-        </p:nvSpPr>
-        <p:spPr>
-          <a:xfrm rot="10800000">
-            <a:off x="10094957" y="2639600"/>
-            <a:ext cx="242455" cy="326429"/>
-          </a:xfrm>
-          <a:prstGeom prst="triangle">
-            <a:avLst/>
-          </a:prstGeom>
-        </p:spPr>
-        <p:style>
-          <a:lnRef idx="2">
-            <a:schemeClr val="accent6"/>
-          </a:lnRef>
-          <a:fillRef idx="1">
-            <a:schemeClr val="lt1"/>
-          </a:fillRef>
-          <a:effectRef idx="0">
-            <a:schemeClr val="accent6"/>
-          </a:effectRef>
-          <a:fontRef idx="minor">
-            <a:schemeClr val="dk1"/>
-          </a:fontRef>
-        </p:style>
-        <p:txBody>
-          <a:bodyPr rtlCol="0" anchor="ctr"/>
-          <a:lstStyle/>
-          <a:p>
-            <a:pPr algn="ctr"/>
-            <a:endParaRPr lang="en-US"/>
-          </a:p>
-        </p:txBody>
-      </p:sp>
-      <p:sp>
-        <p:nvSpPr>
-          <p:cNvPr id="8" name="Oval 7">
-            <a:extLst>
-              <a:ext uri="{FF2B5EF4-FFF2-40B4-BE49-F238E27FC236}">
-                <a16:creationId xmlns:a16="http://schemas.microsoft.com/office/drawing/2014/main" id="{8079D2BC-6167-441B-B164-DC92AB2C77B2}"/>
-              </a:ext>
-            </a:extLst>
-          </p:cNvPr>
-          <p:cNvSpPr/>
-          <p:nvPr/>
-        </p:nvSpPr>
-        <p:spPr>
-          <a:xfrm>
-            <a:off x="8228469" y="3646581"/>
-            <a:ext cx="794089" cy="435530"/>
-          </a:xfrm>
-          <a:prstGeom prst="ellipse">
-            <a:avLst/>
-          </a:prstGeom>
-          <a:solidFill>
-            <a:schemeClr val="accent2"/>
-          </a:solidFill>
-        </p:spPr>
-        <p:style>
-          <a:lnRef idx="2">
-            <a:schemeClr val="accent1">
-              <a:shade val="50000"/>
-            </a:schemeClr>
-          </a:lnRef>
-          <a:fillRef idx="1">
-            <a:schemeClr val="accent1"/>
-          </a:fillRef>
-          <a:effectRef idx="0">
-            <a:schemeClr val="accent1"/>
-          </a:effectRef>
-          <a:fontRef idx="minor">
-            <a:schemeClr val="lt1"/>
-          </a:fontRef>
-        </p:style>
-        <p:txBody>
-          <a:bodyPr rtlCol="0" anchor="ctr"/>
-          <a:lstStyle/>
-          <a:p>
-            <a:pPr algn="ctr"/>
-            <a:r>
-              <a:rPr lang="en-US" dirty="0"/>
-              <a:t>OK</a:t>
-            </a:r>
-          </a:p>
-        </p:txBody>
-      </p:sp>
-      <p:sp>
-        <p:nvSpPr>
-          <p:cNvPr id="9" name="Oval 8">
-            <a:extLst>
-              <a:ext uri="{FF2B5EF4-FFF2-40B4-BE49-F238E27FC236}">
-                <a16:creationId xmlns:a16="http://schemas.microsoft.com/office/drawing/2014/main" id="{1A44EB9C-2E39-461A-8024-04F10A631E16}"/>
-              </a:ext>
-            </a:extLst>
-          </p:cNvPr>
-          <p:cNvSpPr/>
-          <p:nvPr/>
-        </p:nvSpPr>
-        <p:spPr>
-          <a:xfrm>
-            <a:off x="9291031" y="3630319"/>
-            <a:ext cx="1022886" cy="459737"/>
-          </a:xfrm>
-          <a:prstGeom prst="ellipse">
-            <a:avLst/>
-          </a:prstGeom>
-        </p:spPr>
-        <p:style>
-          <a:lnRef idx="2">
-            <a:schemeClr val="accent1">
-              <a:shade val="50000"/>
-            </a:schemeClr>
-          </a:lnRef>
-          <a:fillRef idx="1">
-            <a:schemeClr val="accent1"/>
-          </a:fillRef>
-          <a:effectRef idx="0">
-            <a:schemeClr val="accent1"/>
-          </a:effectRef>
-          <a:fontRef idx="minor">
-            <a:schemeClr val="lt1"/>
-          </a:fontRef>
-        </p:style>
-        <p:txBody>
-          <a:bodyPr rtlCol="0" anchor="ctr"/>
-          <a:lstStyle/>
-          <a:p>
-            <a:pPr algn="ctr"/>
-            <a:r>
-              <a:rPr lang="en-US" sz="1300" dirty="0"/>
+            <a:r>
+              <a:rPr lang="en-US" sz="1400" dirty="0">
+                <a:latin typeface="Times New Roman" panose="02020603050405020304" pitchFamily="18" charset="0"/>
+                <a:cs typeface="Times New Roman" panose="02020603050405020304" pitchFamily="18" charset="0"/>
+              </a:rPr>
               <a:t>CANCEL</a:t>
             </a:r>
           </a:p>
@@ -6936,6 +7081,720 @@
           <a:chExt cx="0" cy="0"/>
         </a:xfrm>
       </p:grpSpPr>
+      <p:sp>
+        <p:nvSpPr>
+          <p:cNvPr id="2" name="Rectangle: Rounded Corners 1">
+            <a:extLst>
+              <a:ext uri="{FF2B5EF4-FFF2-40B4-BE49-F238E27FC236}">
+                <a16:creationId xmlns:a16="http://schemas.microsoft.com/office/drawing/2014/main" id="{A704E4CA-58E2-41D6-AE2D-8AB2E0F5815F}"/>
+              </a:ext>
+            </a:extLst>
+          </p:cNvPr>
+          <p:cNvSpPr/>
+          <p:nvPr/>
+        </p:nvSpPr>
+        <p:spPr>
+          <a:xfrm>
+            <a:off x="848139" y="1921565"/>
+            <a:ext cx="2743200" cy="940905"/>
+          </a:xfrm>
+          <a:prstGeom prst="roundRect">
+            <a:avLst/>
+          </a:prstGeom>
+        </p:spPr>
+        <p:style>
+          <a:lnRef idx="2">
+            <a:schemeClr val="accent6"/>
+          </a:lnRef>
+          <a:fillRef idx="1">
+            <a:schemeClr val="lt1"/>
+          </a:fillRef>
+          <a:effectRef idx="0">
+            <a:schemeClr val="accent6"/>
+          </a:effectRef>
+          <a:fontRef idx="minor">
+            <a:schemeClr val="dk1"/>
+          </a:fontRef>
+        </p:style>
+        <p:txBody>
+          <a:bodyPr rtlCol="0" anchor="ctr"/>
+          <a:lstStyle/>
+          <a:p>
+            <a:pPr algn="ctr"/>
+            <a:endParaRPr lang="en-US"/>
+          </a:p>
+        </p:txBody>
+      </p:sp>
+      <p:sp>
+        <p:nvSpPr>
+          <p:cNvPr id="3" name="Isosceles Triangle 2">
+            <a:extLst>
+              <a:ext uri="{FF2B5EF4-FFF2-40B4-BE49-F238E27FC236}">
+                <a16:creationId xmlns:a16="http://schemas.microsoft.com/office/drawing/2014/main" id="{2E33DB24-DB22-47CC-8020-E6DA9DA30D29}"/>
+              </a:ext>
+            </a:extLst>
+          </p:cNvPr>
+          <p:cNvSpPr/>
+          <p:nvPr/>
+        </p:nvSpPr>
+        <p:spPr>
+          <a:xfrm rot="10800000">
+            <a:off x="2941983" y="2146852"/>
+            <a:ext cx="437321" cy="503583"/>
+          </a:xfrm>
+          <a:prstGeom prst="triangle">
+            <a:avLst/>
+          </a:prstGeom>
+        </p:spPr>
+        <p:style>
+          <a:lnRef idx="2">
+            <a:schemeClr val="accent6"/>
+          </a:lnRef>
+          <a:fillRef idx="1">
+            <a:schemeClr val="lt1"/>
+          </a:fillRef>
+          <a:effectRef idx="0">
+            <a:schemeClr val="accent6"/>
+          </a:effectRef>
+          <a:fontRef idx="minor">
+            <a:schemeClr val="dk1"/>
+          </a:fontRef>
+        </p:style>
+        <p:txBody>
+          <a:bodyPr rtlCol="0" anchor="ctr"/>
+          <a:lstStyle/>
+          <a:p>
+            <a:pPr algn="ctr"/>
+            <a:endParaRPr lang="en-US"/>
+          </a:p>
+        </p:txBody>
+      </p:sp>
+      <p:cxnSp>
+        <p:nvCxnSpPr>
+          <p:cNvPr id="5" name="Straight Arrow Connector 4">
+            <a:extLst>
+              <a:ext uri="{FF2B5EF4-FFF2-40B4-BE49-F238E27FC236}">
+                <a16:creationId xmlns:a16="http://schemas.microsoft.com/office/drawing/2014/main" id="{38BD89CA-7300-48EA-98DC-541D41694AE6}"/>
+              </a:ext>
+            </a:extLst>
+          </p:cNvPr>
+          <p:cNvCxnSpPr/>
+          <p:nvPr/>
+        </p:nvCxnSpPr>
+        <p:spPr>
+          <a:xfrm flipV="1">
+            <a:off x="3379304" y="1802296"/>
+            <a:ext cx="1749287" cy="556591"/>
+          </a:xfrm>
+          <a:prstGeom prst="straightConnector1">
+            <a:avLst/>
+          </a:prstGeom>
+          <a:ln>
+            <a:tailEnd type="triangle"/>
+          </a:ln>
+        </p:spPr>
+        <p:style>
+          <a:lnRef idx="1">
+            <a:schemeClr val="accent1"/>
+          </a:lnRef>
+          <a:fillRef idx="0">
+            <a:schemeClr val="accent1"/>
+          </a:fillRef>
+          <a:effectRef idx="0">
+            <a:schemeClr val="accent1"/>
+          </a:effectRef>
+          <a:fontRef idx="minor">
+            <a:schemeClr val="tx1"/>
+          </a:fontRef>
+        </p:style>
+      </p:cxnSp>
+      <p:sp>
+        <p:nvSpPr>
+          <p:cNvPr id="6" name="Rectangle: Rounded Corners 5">
+            <a:extLst>
+              <a:ext uri="{FF2B5EF4-FFF2-40B4-BE49-F238E27FC236}">
+                <a16:creationId xmlns:a16="http://schemas.microsoft.com/office/drawing/2014/main" id="{A8A52D5F-FAAE-4E00-B3B3-DFD3DC7711F0}"/>
+              </a:ext>
+            </a:extLst>
+          </p:cNvPr>
+          <p:cNvSpPr/>
+          <p:nvPr/>
+        </p:nvSpPr>
+        <p:spPr>
+          <a:xfrm>
+            <a:off x="5128591" y="1234687"/>
+            <a:ext cx="3154018" cy="2438400"/>
+          </a:xfrm>
+          <a:prstGeom prst="roundRect">
+            <a:avLst/>
+          </a:prstGeom>
+        </p:spPr>
+        <p:style>
+          <a:lnRef idx="2">
+            <a:schemeClr val="accent6"/>
+          </a:lnRef>
+          <a:fillRef idx="1">
+            <a:schemeClr val="lt1"/>
+          </a:fillRef>
+          <a:effectRef idx="0">
+            <a:schemeClr val="accent6"/>
+          </a:effectRef>
+          <a:fontRef idx="minor">
+            <a:schemeClr val="dk1"/>
+          </a:fontRef>
+        </p:style>
+        <p:txBody>
+          <a:bodyPr rtlCol="0" anchor="ctr"/>
+          <a:lstStyle/>
+          <a:p>
+            <a:pPr algn="ctr"/>
+            <a:endParaRPr lang="en-US"/>
+          </a:p>
+        </p:txBody>
+      </p:sp>
+      <p:sp>
+        <p:nvSpPr>
+          <p:cNvPr id="7" name="TextBox 6">
+            <a:extLst>
+              <a:ext uri="{FF2B5EF4-FFF2-40B4-BE49-F238E27FC236}">
+                <a16:creationId xmlns:a16="http://schemas.microsoft.com/office/drawing/2014/main" id="{7ED40DD2-43BF-4355-BE33-882381B6271D}"/>
+              </a:ext>
+            </a:extLst>
+          </p:cNvPr>
+          <p:cNvSpPr txBox="1"/>
+          <p:nvPr/>
+        </p:nvSpPr>
+        <p:spPr>
+          <a:xfrm>
+            <a:off x="5509199" y="1454211"/>
+            <a:ext cx="2495811" cy="369332"/>
+          </a:xfrm>
+          <a:prstGeom prst="rect">
+            <a:avLst/>
+          </a:prstGeom>
+          <a:noFill/>
+        </p:spPr>
+        <p:txBody>
+          <a:bodyPr wrap="none" rtlCol="0">
+            <a:spAutoFit/>
+          </a:bodyPr>
+          <a:lstStyle/>
+          <a:p>
+            <a:pPr algn="just"/>
+            <a:r>
+              <a:rPr lang="en-US" dirty="0" err="1"/>
+              <a:t>Thứ</a:t>
+            </a:r>
+            <a:r>
+              <a:rPr lang="en-US" dirty="0"/>
+              <a:t> 4 </a:t>
+            </a:r>
+            <a:r>
+              <a:rPr lang="en-US" dirty="0" err="1"/>
+              <a:t>Ngày</a:t>
+            </a:r>
+            <a:r>
+              <a:rPr lang="en-US" dirty="0"/>
+              <a:t>/ </a:t>
+            </a:r>
+            <a:r>
+              <a:rPr lang="en-US" dirty="0" err="1"/>
+              <a:t>tháng</a:t>
+            </a:r>
+            <a:r>
+              <a:rPr lang="en-US" dirty="0"/>
+              <a:t>/ </a:t>
+            </a:r>
+            <a:r>
+              <a:rPr lang="en-US" dirty="0" err="1"/>
+              <a:t>năm</a:t>
+            </a:r>
+            <a:endParaRPr lang="en-US" dirty="0"/>
+          </a:p>
+        </p:txBody>
+      </p:sp>
+      <p:sp>
+        <p:nvSpPr>
+          <p:cNvPr id="12" name="TextBox 11">
+            <a:extLst>
+              <a:ext uri="{FF2B5EF4-FFF2-40B4-BE49-F238E27FC236}">
+                <a16:creationId xmlns:a16="http://schemas.microsoft.com/office/drawing/2014/main" id="{89FB870C-383E-40B3-93AE-375AEA979D9B}"/>
+              </a:ext>
+            </a:extLst>
+          </p:cNvPr>
+          <p:cNvSpPr txBox="1"/>
+          <p:nvPr/>
+        </p:nvSpPr>
+        <p:spPr>
+          <a:xfrm>
+            <a:off x="5509199" y="1831895"/>
+            <a:ext cx="2495811" cy="369332"/>
+          </a:xfrm>
+          <a:prstGeom prst="rect">
+            <a:avLst/>
+          </a:prstGeom>
+          <a:noFill/>
+        </p:spPr>
+        <p:txBody>
+          <a:bodyPr wrap="none" rtlCol="0">
+            <a:spAutoFit/>
+          </a:bodyPr>
+          <a:lstStyle/>
+          <a:p>
+            <a:pPr algn="just"/>
+            <a:r>
+              <a:rPr lang="en-US" dirty="0" err="1"/>
+              <a:t>Thứ</a:t>
+            </a:r>
+            <a:r>
+              <a:rPr lang="en-US" dirty="0"/>
+              <a:t> 5 </a:t>
+            </a:r>
+            <a:r>
+              <a:rPr lang="en-US" dirty="0" err="1"/>
+              <a:t>Ngày</a:t>
+            </a:r>
+            <a:r>
+              <a:rPr lang="en-US" dirty="0"/>
+              <a:t>/ </a:t>
+            </a:r>
+            <a:r>
+              <a:rPr lang="en-US" dirty="0" err="1"/>
+              <a:t>tháng</a:t>
+            </a:r>
+            <a:r>
+              <a:rPr lang="en-US" dirty="0"/>
+              <a:t>/ </a:t>
+            </a:r>
+            <a:r>
+              <a:rPr lang="en-US" dirty="0" err="1"/>
+              <a:t>năm</a:t>
+            </a:r>
+            <a:endParaRPr lang="en-US" dirty="0"/>
+          </a:p>
+        </p:txBody>
+      </p:sp>
+      <p:sp>
+        <p:nvSpPr>
+          <p:cNvPr id="13" name="TextBox 12">
+            <a:extLst>
+              <a:ext uri="{FF2B5EF4-FFF2-40B4-BE49-F238E27FC236}">
+                <a16:creationId xmlns:a16="http://schemas.microsoft.com/office/drawing/2014/main" id="{34FBF46D-3F31-40A0-A7B1-B9347899E260}"/>
+              </a:ext>
+            </a:extLst>
+          </p:cNvPr>
+          <p:cNvSpPr txBox="1"/>
+          <p:nvPr/>
+        </p:nvSpPr>
+        <p:spPr>
+          <a:xfrm>
+            <a:off x="5509199" y="2269221"/>
+            <a:ext cx="2495811" cy="369332"/>
+          </a:xfrm>
+          <a:prstGeom prst="rect">
+            <a:avLst/>
+          </a:prstGeom>
+          <a:noFill/>
+        </p:spPr>
+        <p:txBody>
+          <a:bodyPr wrap="none" rtlCol="0">
+            <a:spAutoFit/>
+          </a:bodyPr>
+          <a:lstStyle/>
+          <a:p>
+            <a:pPr algn="just"/>
+            <a:r>
+              <a:rPr lang="en-US" dirty="0" err="1"/>
+              <a:t>Thứ</a:t>
+            </a:r>
+            <a:r>
+              <a:rPr lang="en-US" dirty="0"/>
+              <a:t> 6 </a:t>
+            </a:r>
+            <a:r>
+              <a:rPr lang="en-US" dirty="0" err="1"/>
+              <a:t>Ngày</a:t>
+            </a:r>
+            <a:r>
+              <a:rPr lang="en-US" dirty="0"/>
+              <a:t>/ </a:t>
+            </a:r>
+            <a:r>
+              <a:rPr lang="en-US" dirty="0" err="1"/>
+              <a:t>tháng</a:t>
+            </a:r>
+            <a:r>
+              <a:rPr lang="en-US" dirty="0"/>
+              <a:t>/ </a:t>
+            </a:r>
+            <a:r>
+              <a:rPr lang="en-US" dirty="0" err="1"/>
+              <a:t>năm</a:t>
+            </a:r>
+            <a:endParaRPr lang="en-US" dirty="0"/>
+          </a:p>
+        </p:txBody>
+      </p:sp>
+      <p:sp>
+        <p:nvSpPr>
+          <p:cNvPr id="14" name="TextBox 13">
+            <a:extLst>
+              <a:ext uri="{FF2B5EF4-FFF2-40B4-BE49-F238E27FC236}">
+                <a16:creationId xmlns:a16="http://schemas.microsoft.com/office/drawing/2014/main" id="{D034E2A3-E767-4D73-AA1A-4E2999606988}"/>
+              </a:ext>
+            </a:extLst>
+          </p:cNvPr>
+          <p:cNvSpPr txBox="1"/>
+          <p:nvPr/>
+        </p:nvSpPr>
+        <p:spPr>
+          <a:xfrm>
+            <a:off x="5509199" y="2733045"/>
+            <a:ext cx="2495811" cy="369332"/>
+          </a:xfrm>
+          <a:prstGeom prst="rect">
+            <a:avLst/>
+          </a:prstGeom>
+          <a:noFill/>
+        </p:spPr>
+        <p:txBody>
+          <a:bodyPr wrap="none" rtlCol="0">
+            <a:spAutoFit/>
+          </a:bodyPr>
+          <a:lstStyle/>
+          <a:p>
+            <a:pPr algn="just"/>
+            <a:r>
+              <a:rPr lang="en-US" dirty="0" err="1"/>
+              <a:t>Thứ</a:t>
+            </a:r>
+            <a:r>
+              <a:rPr lang="en-US" dirty="0"/>
+              <a:t> 7 </a:t>
+            </a:r>
+            <a:r>
+              <a:rPr lang="en-US" dirty="0" err="1"/>
+              <a:t>Ngày</a:t>
+            </a:r>
+            <a:r>
+              <a:rPr lang="en-US" dirty="0"/>
+              <a:t>/ </a:t>
+            </a:r>
+            <a:r>
+              <a:rPr lang="en-US" dirty="0" err="1"/>
+              <a:t>tháng</a:t>
+            </a:r>
+            <a:r>
+              <a:rPr lang="en-US" dirty="0"/>
+              <a:t>/ </a:t>
+            </a:r>
+            <a:r>
+              <a:rPr lang="en-US" dirty="0" err="1"/>
+              <a:t>năm</a:t>
+            </a:r>
+            <a:endParaRPr lang="en-US" dirty="0"/>
+          </a:p>
+        </p:txBody>
+      </p:sp>
+      <p:sp>
+        <p:nvSpPr>
+          <p:cNvPr id="15" name="TextBox 14">
+            <a:extLst>
+              <a:ext uri="{FF2B5EF4-FFF2-40B4-BE49-F238E27FC236}">
+                <a16:creationId xmlns:a16="http://schemas.microsoft.com/office/drawing/2014/main" id="{0BDE820A-006D-4660-915E-1BEC7B754AB8}"/>
+              </a:ext>
+            </a:extLst>
+          </p:cNvPr>
+          <p:cNvSpPr txBox="1"/>
+          <p:nvPr/>
+        </p:nvSpPr>
+        <p:spPr>
+          <a:xfrm>
+            <a:off x="5658278" y="3170369"/>
+            <a:ext cx="2197653" cy="369332"/>
+          </a:xfrm>
+          <a:prstGeom prst="rect">
+            <a:avLst/>
+          </a:prstGeom>
+          <a:noFill/>
+        </p:spPr>
+        <p:txBody>
+          <a:bodyPr wrap="none" rtlCol="0">
+            <a:spAutoFit/>
+          </a:bodyPr>
+          <a:lstStyle/>
+          <a:p>
+            <a:pPr algn="just"/>
+            <a:r>
+              <a:rPr lang="en-US" dirty="0"/>
+              <a:t>Cn </a:t>
+            </a:r>
+            <a:r>
+              <a:rPr lang="en-US" dirty="0" err="1"/>
+              <a:t>Ngày</a:t>
+            </a:r>
+            <a:r>
+              <a:rPr lang="en-US" dirty="0"/>
+              <a:t>/ </a:t>
+            </a:r>
+            <a:r>
+              <a:rPr lang="en-US" dirty="0" err="1"/>
+              <a:t>tháng</a:t>
+            </a:r>
+            <a:r>
+              <a:rPr lang="en-US" dirty="0"/>
+              <a:t>/ </a:t>
+            </a:r>
+            <a:r>
+              <a:rPr lang="en-US" dirty="0" err="1"/>
+              <a:t>năm</a:t>
+            </a:r>
+            <a:endParaRPr lang="en-US" dirty="0"/>
+          </a:p>
+        </p:txBody>
+      </p:sp>
+      <p:sp>
+        <p:nvSpPr>
+          <p:cNvPr id="16" name="TextBox 15">
+            <a:extLst>
+              <a:ext uri="{FF2B5EF4-FFF2-40B4-BE49-F238E27FC236}">
+                <a16:creationId xmlns:a16="http://schemas.microsoft.com/office/drawing/2014/main" id="{8302EC2F-1D26-47F4-9EEE-A29D785F5774}"/>
+              </a:ext>
+            </a:extLst>
+          </p:cNvPr>
+          <p:cNvSpPr txBox="1"/>
+          <p:nvPr/>
+        </p:nvSpPr>
+        <p:spPr>
+          <a:xfrm>
+            <a:off x="1371600" y="3673087"/>
+            <a:ext cx="2975113" cy="1477328"/>
+          </a:xfrm>
+          <a:prstGeom prst="rect">
+            <a:avLst/>
+          </a:prstGeom>
+          <a:noFill/>
+        </p:spPr>
+        <p:txBody>
+          <a:bodyPr wrap="square" rtlCol="0">
+            <a:spAutoFit/>
+          </a:bodyPr>
+          <a:lstStyle/>
+          <a:p>
+            <a:r>
+              <a:rPr lang="en-US" dirty="0"/>
+              <a:t>Note: - </a:t>
+            </a:r>
+            <a:r>
+              <a:rPr lang="en-US" dirty="0" err="1"/>
+              <a:t>Chỉ</a:t>
+            </a:r>
+            <a:r>
+              <a:rPr lang="en-US" dirty="0"/>
+              <a:t> đ</a:t>
+            </a:r>
+            <a:r>
+              <a:rPr lang="vi-VN" dirty="0"/>
+              <a:t>ư</a:t>
+            </a:r>
+            <a:r>
+              <a:rPr lang="en-US" dirty="0" err="1"/>
+              <a:t>ợc</a:t>
+            </a:r>
+            <a:r>
+              <a:rPr lang="en-US" dirty="0"/>
+              <a:t> </a:t>
+            </a:r>
+            <a:r>
+              <a:rPr lang="en-US" dirty="0" err="1"/>
+              <a:t>chọn</a:t>
+            </a:r>
+            <a:r>
+              <a:rPr lang="en-US" dirty="0"/>
+              <a:t> 1 </a:t>
+            </a:r>
+            <a:r>
+              <a:rPr lang="en-US" dirty="0" err="1"/>
+              <a:t>ngày</a:t>
+            </a:r>
+            <a:r>
+              <a:rPr lang="en-US" dirty="0"/>
+              <a:t> </a:t>
+            </a:r>
+            <a:r>
+              <a:rPr lang="en-US" dirty="0" err="1"/>
+              <a:t>để</a:t>
+            </a:r>
+            <a:r>
+              <a:rPr lang="en-US" dirty="0"/>
+              <a:t> </a:t>
+            </a:r>
+            <a:r>
+              <a:rPr lang="en-US" dirty="0" err="1"/>
+              <a:t>báo</a:t>
+            </a:r>
+            <a:r>
+              <a:rPr lang="en-US" dirty="0"/>
+              <a:t> </a:t>
+            </a:r>
+            <a:r>
+              <a:rPr lang="en-US" dirty="0" err="1"/>
+              <a:t>bận</a:t>
+            </a:r>
+            <a:r>
+              <a:rPr lang="en-US" dirty="0"/>
+              <a:t> </a:t>
+            </a:r>
+            <a:r>
+              <a:rPr lang="en-US" dirty="0" err="1"/>
+              <a:t>vì</a:t>
+            </a:r>
+            <a:r>
+              <a:rPr lang="en-US" dirty="0"/>
+              <a:t> </a:t>
+            </a:r>
+            <a:r>
+              <a:rPr lang="en-US" dirty="0" err="1"/>
+              <a:t>còn</a:t>
+            </a:r>
+            <a:r>
+              <a:rPr lang="en-US" dirty="0"/>
+              <a:t> </a:t>
+            </a:r>
+            <a:r>
+              <a:rPr lang="en-US" dirty="0" err="1"/>
+              <a:t>phải</a:t>
+            </a:r>
+            <a:r>
+              <a:rPr lang="en-US" dirty="0"/>
+              <a:t> </a:t>
+            </a:r>
+            <a:r>
+              <a:rPr lang="en-US" dirty="0" err="1"/>
+              <a:t>tìm</a:t>
+            </a:r>
+            <a:r>
+              <a:rPr lang="en-US" dirty="0"/>
+              <a:t> ng</a:t>
+            </a:r>
+            <a:r>
+              <a:rPr lang="vi-VN" dirty="0"/>
+              <a:t>ư</a:t>
+            </a:r>
+            <a:r>
+              <a:rPr lang="en-US" dirty="0" err="1"/>
+              <a:t>ời</a:t>
+            </a:r>
+            <a:r>
+              <a:rPr lang="en-US" dirty="0"/>
+              <a:t> </a:t>
+            </a:r>
+            <a:r>
+              <a:rPr lang="en-US" dirty="0" err="1"/>
+              <a:t>thay</a:t>
+            </a:r>
+            <a:endParaRPr lang="en-US" dirty="0"/>
+          </a:p>
+          <a:p>
+            <a:r>
+              <a:rPr lang="en-US" dirty="0"/>
+              <a:t>- </a:t>
+            </a:r>
+            <a:r>
+              <a:rPr lang="en-US" dirty="0" err="1"/>
+              <a:t>Ngày</a:t>
+            </a:r>
+            <a:r>
+              <a:rPr lang="en-US" dirty="0"/>
+              <a:t> </a:t>
+            </a:r>
+            <a:r>
+              <a:rPr lang="en-US" dirty="0" err="1"/>
+              <a:t>chọn</a:t>
+            </a:r>
+            <a:r>
+              <a:rPr lang="en-US" dirty="0"/>
+              <a:t> </a:t>
+            </a:r>
+            <a:r>
+              <a:rPr lang="en-US" dirty="0" err="1"/>
+              <a:t>tối</a:t>
+            </a:r>
+            <a:r>
+              <a:rPr lang="en-US" dirty="0"/>
+              <a:t> </a:t>
+            </a:r>
+            <a:r>
+              <a:rPr lang="en-US" dirty="0" err="1"/>
+              <a:t>thiểu</a:t>
+            </a:r>
+            <a:r>
+              <a:rPr lang="en-US" dirty="0"/>
+              <a:t> </a:t>
+            </a:r>
+            <a:r>
+              <a:rPr lang="en-US" dirty="0" err="1"/>
+              <a:t>là</a:t>
+            </a:r>
+            <a:r>
+              <a:rPr lang="en-US" dirty="0"/>
+              <a:t> t4 </a:t>
+            </a:r>
+            <a:r>
+              <a:rPr lang="en-US" dirty="0" err="1"/>
+              <a:t>vì</a:t>
+            </a:r>
+            <a:r>
+              <a:rPr lang="en-US" dirty="0"/>
+              <a:t> </a:t>
+            </a:r>
+            <a:r>
+              <a:rPr lang="en-US" dirty="0" err="1"/>
+              <a:t>phải</a:t>
+            </a:r>
+            <a:r>
+              <a:rPr lang="en-US" dirty="0"/>
+              <a:t> </a:t>
+            </a:r>
+            <a:r>
+              <a:rPr lang="en-US" dirty="0" err="1"/>
+              <a:t>báo</a:t>
+            </a:r>
+            <a:r>
+              <a:rPr lang="en-US" dirty="0"/>
+              <a:t> tr</a:t>
+            </a:r>
+            <a:r>
+              <a:rPr lang="vi-VN" dirty="0"/>
+              <a:t>ư</a:t>
+            </a:r>
+            <a:r>
+              <a:rPr lang="en-US" dirty="0" err="1"/>
+              <a:t>ớc</a:t>
+            </a:r>
+            <a:r>
+              <a:rPr lang="en-US" dirty="0"/>
+              <a:t> </a:t>
+            </a:r>
+            <a:r>
+              <a:rPr lang="en-US" dirty="0" err="1"/>
+              <a:t>tối</a:t>
+            </a:r>
+            <a:r>
+              <a:rPr lang="en-US" dirty="0"/>
+              <a:t> </a:t>
+            </a:r>
+            <a:r>
+              <a:rPr lang="en-US" dirty="0" err="1"/>
+              <a:t>thiểu</a:t>
+            </a:r>
+            <a:r>
+              <a:rPr lang="en-US" dirty="0"/>
+              <a:t> 48h</a:t>
+            </a:r>
+          </a:p>
+        </p:txBody>
+      </p:sp>
     </p:spTree>
     <p:extLst>
       <p:ext uri="{BB962C8B-B14F-4D97-AF65-F5344CB8AC3E}">
